--- a/数学/16级高一数学(康方陈潘廖谢徐)/徐尤清/第二章_2.2.1_第2课时.pptx
+++ b/数学/16级高一数学(康方陈潘廖谢徐)/徐尤清/第二章_2.2.1_第2课时.pptx
@@ -5,10 +5,10 @@
     <p:sldMasterId id="2147483793" r:id="rId1"/>
   </p:sldMasterIdLst>
   <p:notesMasterIdLst>
-    <p:notesMasterId r:id="rId25"/>
+    <p:notesMasterId r:id="rId23"/>
   </p:notesMasterIdLst>
   <p:handoutMasterIdLst>
-    <p:handoutMasterId r:id="rId26"/>
+    <p:handoutMasterId r:id="rId24"/>
   </p:handoutMasterIdLst>
   <p:sldIdLst>
     <p:sldId id="931" r:id="rId2"/>
@@ -18,22 +18,20 @@
     <p:sldId id="957" r:id="rId6"/>
     <p:sldId id="958" r:id="rId7"/>
     <p:sldId id="841" r:id="rId8"/>
-    <p:sldId id="858" r:id="rId9"/>
-    <p:sldId id="987" r:id="rId10"/>
-    <p:sldId id="989" r:id="rId11"/>
-    <p:sldId id="974" r:id="rId12"/>
-    <p:sldId id="977" r:id="rId13"/>
-    <p:sldId id="986" r:id="rId14"/>
-    <p:sldId id="990" r:id="rId15"/>
-    <p:sldId id="978" r:id="rId16"/>
-    <p:sldId id="980" r:id="rId17"/>
-    <p:sldId id="983" r:id="rId18"/>
-    <p:sldId id="510" r:id="rId19"/>
-    <p:sldId id="690" r:id="rId20"/>
-    <p:sldId id="827" r:id="rId21"/>
-    <p:sldId id="968" r:id="rId22"/>
-    <p:sldId id="969" r:id="rId23"/>
-    <p:sldId id="930" r:id="rId24"/>
+    <p:sldId id="987" r:id="rId9"/>
+    <p:sldId id="989" r:id="rId10"/>
+    <p:sldId id="974" r:id="rId11"/>
+    <p:sldId id="977" r:id="rId12"/>
+    <p:sldId id="986" r:id="rId13"/>
+    <p:sldId id="990" r:id="rId14"/>
+    <p:sldId id="978" r:id="rId15"/>
+    <p:sldId id="983" r:id="rId16"/>
+    <p:sldId id="510" r:id="rId17"/>
+    <p:sldId id="690" r:id="rId18"/>
+    <p:sldId id="827" r:id="rId19"/>
+    <p:sldId id="968" r:id="rId20"/>
+    <p:sldId id="969" r:id="rId21"/>
+    <p:sldId id="930" r:id="rId22"/>
   </p:sldIdLst>
   <p:sldSz cx="12190413" cy="6859588"/>
   <p:notesSz cx="6858000" cy="9144000"/>
@@ -247,7 +245,7 @@
           <a:p>
             <a:fld id="{BED594FB-2808-45A5-BDC8-80C0F481B27E}" type="datetimeFigureOut">
               <a:rPr lang="zh-CN" altLang="en-US" smtClean="0"/>
-              <a:t>2016-10-14</a:t>
+              <a:t>2016-10-16</a:t>
             </a:fld>
             <a:endParaRPr lang="zh-CN" altLang="en-US"/>
           </a:p>
@@ -412,7 +410,7 @@
           <a:p>
             <a:fld id="{D29FAA0F-2349-45DA-9EBD-9D94C9A1CFA0}" type="datetimeFigureOut">
               <a:rPr lang="zh-CN" altLang="en-US" smtClean="0"/>
-              <a:t>2016-10-14</a:t>
+              <a:t>2016-10-16</a:t>
             </a:fld>
             <a:endParaRPr lang="zh-CN" altLang="en-US"/>
           </a:p>
@@ -1669,269 +1667,6 @@
           <a:chExt cx="0" cy="0"/>
         </a:xfrm>
       </p:grpSpPr>
-      <p:graphicFrame>
-        <p:nvGraphicFramePr>
-          <p:cNvPr id="2" name="Object 2"/>
-          <p:cNvGraphicFramePr>
-            <a:graphicFrameLocks noChangeAspect="1"/>
-          </p:cNvGraphicFramePr>
-          <p:nvPr>
-            <p:extLst>
-              <p:ext uri="{D42A27DB-BD31-4B8C-83A1-F6EECF244321}">
-                <p14:modId xmlns:p14="http://schemas.microsoft.com/office/powerpoint/2010/main" val="3589625455"/>
-              </p:ext>
-            </p:extLst>
-          </p:nvPr>
-        </p:nvGraphicFramePr>
-        <p:xfrm>
-          <a:off x="550864" y="406401"/>
-          <a:ext cx="10152284" cy="2663353"/>
-        </p:xfrm>
-        <a:graphic>
-          <a:graphicData uri="http://schemas.openxmlformats.org/presentationml/2006/ole">
-            <mc:AlternateContent xmlns:mc="http://schemas.openxmlformats.org/markup-compatibility/2006">
-              <mc:Choice xmlns:v="urn:schemas-microsoft-com:vml" Requires="v">
-                <p:oleObj spid="_x0000_s54290" name="Document" r:id="rId3" imgW="8574828" imgH="2260797" progId="Word.Document.8">
-                  <p:embed/>
-                </p:oleObj>
-              </mc:Choice>
-              <mc:Fallback>
-                <p:oleObj name="Document" r:id="rId3" imgW="8574828" imgH="2260797" progId="Word.Document.8">
-                  <p:embed/>
-                  <p:pic>
-                    <p:nvPicPr>
-                      <p:cNvPr id="7" name="Object 2"/>
-                      <p:cNvPicPr>
-                        <a:picLocks noChangeAspect="1" noChangeArrowheads="1"/>
-                      </p:cNvPicPr>
-                      <p:nvPr/>
-                    </p:nvPicPr>
-                    <p:blipFill>
-                      <a:blip r:embed="rId4"/>
-                      <a:srcRect/>
-                      <a:stretch>
-                        <a:fillRect/>
-                      </a:stretch>
-                    </p:blipFill>
-                    <p:spPr bwMode="auto">
-                      <a:xfrm>
-                        <a:off x="550864" y="406401"/>
-                        <a:ext cx="10152284" cy="2663353"/>
-                      </a:xfrm>
-                      <a:prstGeom prst="rect">
-                        <a:avLst/>
-                      </a:prstGeom>
-                      <a:noFill/>
-                      <a:ln>
-                        <a:noFill/>
-                      </a:ln>
-                      <a:effectLst/>
-                    </p:spPr>
-                  </p:pic>
-                </p:oleObj>
-              </mc:Fallback>
-            </mc:AlternateContent>
-          </a:graphicData>
-        </a:graphic>
-      </p:graphicFrame>
-      <p:graphicFrame>
-        <p:nvGraphicFramePr>
-          <p:cNvPr id="3" name="Object 2"/>
-          <p:cNvGraphicFramePr>
-            <a:graphicFrameLocks noChangeAspect="1"/>
-          </p:cNvGraphicFramePr>
-          <p:nvPr>
-            <p:extLst>
-              <p:ext uri="{D42A27DB-BD31-4B8C-83A1-F6EECF244321}">
-                <p14:modId xmlns:p14="http://schemas.microsoft.com/office/powerpoint/2010/main" val="3791988453"/>
-              </p:ext>
-            </p:extLst>
-          </p:nvPr>
-        </p:nvGraphicFramePr>
-        <p:xfrm>
-          <a:off x="766614" y="2781722"/>
-          <a:ext cx="10609262" cy="2582862"/>
-        </p:xfrm>
-        <a:graphic>
-          <a:graphicData uri="http://schemas.openxmlformats.org/presentationml/2006/ole">
-            <mc:AlternateContent xmlns:mc="http://schemas.openxmlformats.org/markup-compatibility/2006">
-              <mc:Choice xmlns:v="urn:schemas-microsoft-com:vml" Requires="v">
-                <p:oleObj spid="_x0000_s54291" name="Document" r:id="rId5" imgW="8294698" imgH="2029627" progId="Word.Document.8">
-                  <p:embed/>
-                </p:oleObj>
-              </mc:Choice>
-              <mc:Fallback>
-                <p:oleObj name="Document" r:id="rId5" imgW="8294698" imgH="2029627" progId="Word.Document.8">
-                  <p:embed/>
-                  <p:pic>
-                    <p:nvPicPr>
-                      <p:cNvPr id="2" name="Object 2"/>
-                      <p:cNvPicPr>
-                        <a:picLocks noChangeAspect="1" noChangeArrowheads="1"/>
-                      </p:cNvPicPr>
-                      <p:nvPr/>
-                    </p:nvPicPr>
-                    <p:blipFill>
-                      <a:blip r:embed="rId6"/>
-                      <a:srcRect/>
-                      <a:stretch>
-                        <a:fillRect/>
-                      </a:stretch>
-                    </p:blipFill>
-                    <p:spPr bwMode="auto">
-                      <a:xfrm>
-                        <a:off x="766614" y="2781722"/>
-                        <a:ext cx="10609262" cy="2582862"/>
-                      </a:xfrm>
-                      <a:prstGeom prst="rect">
-                        <a:avLst/>
-                      </a:prstGeom>
-                      <a:noFill/>
-                      <a:ln>
-                        <a:noFill/>
-                      </a:ln>
-                      <a:effectLst/>
-                      <a:extLst>
-                        <a:ext uri="{909E8E84-426E-40DD-AFC4-6F175D3DCCD1}">
-                          <a14:hiddenFill xmlns:a14="http://schemas.microsoft.com/office/drawing/2010/main">
-                            <a:solidFill>
-                              <a:srgbClr val="FFFFFF"/>
-                            </a:solidFill>
-                          </a14:hiddenFill>
-                        </a:ext>
-                        <a:ext uri="{91240B29-F687-4F45-9708-019B960494DF}">
-                          <a14:hiddenLine xmlns:a14="http://schemas.microsoft.com/office/drawing/2010/main" w="9525">
-                            <a:solidFill>
-                              <a:srgbClr val="000000"/>
-                            </a:solidFill>
-                            <a:miter lim="800000"/>
-                            <a:headEnd/>
-                            <a:tailEnd/>
-                          </a14:hiddenLine>
-                        </a:ext>
-                        <a:ext uri="{AF507438-7753-43E0-B8FC-AC1667EBCBE1}">
-                          <a14:hiddenEffects xmlns:a14="http://schemas.microsoft.com/office/drawing/2010/main">
-                            <a:effectLst>
-                              <a:outerShdw dist="35921" dir="2700000" algn="ctr" rotWithShape="0">
-                                <a:srgbClr val="808080"/>
-                              </a:outerShdw>
-                            </a:effectLst>
-                          </a14:hiddenEffects>
-                        </a:ext>
-                      </a:extLst>
-                    </p:spPr>
-                  </p:pic>
-                </p:oleObj>
-              </mc:Fallback>
-            </mc:AlternateContent>
-          </a:graphicData>
-        </a:graphic>
-      </p:graphicFrame>
-    </p:spTree>
-    <p:extLst>
-      <p:ext uri="{BB962C8B-B14F-4D97-AF65-F5344CB8AC3E}">
-        <p14:creationId xmlns:p14="http://schemas.microsoft.com/office/powerpoint/2010/main" val="3059259555"/>
-      </p:ext>
-    </p:extLst>
-  </p:cSld>
-  <p:clrMapOvr>
-    <a:masterClrMapping/>
-  </p:clrMapOvr>
-  <p:timing>
-    <p:tnLst>
-      <p:par>
-        <p:cTn id="1" dur="indefinite" restart="never" nodeType="tmRoot">
-          <p:childTnLst>
-            <p:seq concurrent="1" nextAc="seek">
-              <p:cTn id="2" dur="indefinite" nodeType="mainSeq">
-                <p:childTnLst>
-                  <p:par>
-                    <p:cTn id="3" fill="hold">
-                      <p:stCondLst>
-                        <p:cond delay="indefinite"/>
-                      </p:stCondLst>
-                      <p:childTnLst>
-                        <p:par>
-                          <p:cTn id="4" fill="hold">
-                            <p:stCondLst>
-                              <p:cond delay="0"/>
-                            </p:stCondLst>
-                            <p:childTnLst>
-                              <p:par>
-                                <p:cTn id="5" presetID="1" presetClass="entr" presetSubtype="0" fill="hold" nodeType="clickEffect">
-                                  <p:stCondLst>
-                                    <p:cond delay="0"/>
-                                  </p:stCondLst>
-                                  <p:childTnLst>
-                                    <p:set>
-                                      <p:cBhvr>
-                                        <p:cTn id="6" dur="1" fill="hold">
-                                          <p:stCondLst>
-                                            <p:cond delay="0"/>
-                                          </p:stCondLst>
-                                        </p:cTn>
-                                        <p:tgtEl>
-                                          <p:spTgt spid="3"/>
-                                        </p:tgtEl>
-                                        <p:attrNameLst>
-                                          <p:attrName>style.visibility</p:attrName>
-                                        </p:attrNameLst>
-                                      </p:cBhvr>
-                                      <p:to>
-                                        <p:strVal val="visible"/>
-                                      </p:to>
-                                    </p:set>
-                                  </p:childTnLst>
-                                </p:cTn>
-                              </p:par>
-                            </p:childTnLst>
-                          </p:cTn>
-                        </p:par>
-                      </p:childTnLst>
-                    </p:cTn>
-                  </p:par>
-                </p:childTnLst>
-              </p:cTn>
-              <p:prevCondLst>
-                <p:cond evt="onPrev" delay="0">
-                  <p:tgtEl>
-                    <p:sldTgt/>
-                  </p:tgtEl>
-                </p:cond>
-              </p:prevCondLst>
-              <p:nextCondLst>
-                <p:cond evt="onNext" delay="0">
-                  <p:tgtEl>
-                    <p:sldTgt/>
-                  </p:tgtEl>
-                </p:cond>
-              </p:nextCondLst>
-            </p:seq>
-          </p:childTnLst>
-        </p:cTn>
-      </p:par>
-    </p:tnLst>
-  </p:timing>
-</p:sld>
-</file>
-
-<file path=ppt/slides/slide11.xml><?xml version="1.0" encoding="utf-8"?>
-<p:sld xmlns:a="http://schemas.openxmlformats.org/drawingml/2006/main" xmlns:r="http://schemas.openxmlformats.org/officeDocument/2006/relationships" xmlns:p="http://schemas.openxmlformats.org/presentationml/2006/main">
-  <p:cSld>
-    <p:spTree>
-      <p:nvGrpSpPr>
-        <p:cNvPr id="1" name=""/>
-        <p:cNvGrpSpPr/>
-        <p:nvPr/>
-      </p:nvGrpSpPr>
-      <p:grpSpPr>
-        <a:xfrm>
-          <a:off x="0" y="0"/>
-          <a:ext cx="0" cy="0"/>
-          <a:chOff x="0" y="0"/>
-          <a:chExt cx="0" cy="0"/>
-        </a:xfrm>
-      </p:grpSpPr>
       <p:sp>
         <p:nvSpPr>
           <p:cNvPr id="8" name="TextBox 7"/>
@@ -1996,7 +1731,7 @@
           <p:nvPr>
             <p:extLst>
               <p:ext uri="{D42A27DB-BD31-4B8C-83A1-F6EECF244321}">
-                <p14:modId xmlns:p14="http://schemas.microsoft.com/office/powerpoint/2010/main" val="1866281218"/>
+                <p14:modId xmlns:p14="http://schemas.microsoft.com/office/powerpoint/2010/main" val="693485131"/>
               </p:ext>
             </p:extLst>
           </p:nvPr>
@@ -2009,12 +1744,12 @@
           <a:graphicData uri="http://schemas.openxmlformats.org/presentationml/2006/ole">
             <mc:AlternateContent xmlns:mc="http://schemas.openxmlformats.org/markup-compatibility/2006">
               <mc:Choice xmlns:v="urn:schemas-microsoft-com:vml" Requires="v">
-                <p:oleObj spid="_x0000_s40038" name="文档" r:id="rId3" imgW="11212583" imgH="2294636" progId="Word.Document.12">
+                <p:oleObj spid="_x0000_s40048" name="文档" r:id="rId3" imgW="11241444" imgH="2289965" progId="Word.Document.12">
                   <p:embed/>
                 </p:oleObj>
               </mc:Choice>
               <mc:Fallback>
-                <p:oleObj name="文档" r:id="rId3" imgW="11212583" imgH="2294636" progId="Word.Document.12">
+                <p:oleObj name="文档" r:id="rId3" imgW="11241444" imgH="2289965" progId="Word.Document.12">
                   <p:embed/>
                   <p:pic>
                     <p:nvPicPr>
@@ -2066,7 +1801,7 @@
           <a:graphicData uri="http://schemas.openxmlformats.org/presentationml/2006/ole">
             <mc:AlternateContent xmlns:mc="http://schemas.openxmlformats.org/markup-compatibility/2006">
               <mc:Choice xmlns:v="urn:schemas-microsoft-com:vml" Requires="v">
-                <p:oleObj spid="_x0000_s40039" name="文档" r:id="rId5" imgW="11183980" imgH="2298651" progId="Word.Document.12">
+                <p:oleObj spid="_x0000_s40049" name="文档" r:id="rId5" imgW="11183980" imgH="2298651" progId="Word.Document.12">
                   <p:embed/>
                 </p:oleObj>
               </mc:Choice>
@@ -2123,7 +1858,7 @@
           <a:graphicData uri="http://schemas.openxmlformats.org/presentationml/2006/ole">
             <mc:AlternateContent xmlns:mc="http://schemas.openxmlformats.org/markup-compatibility/2006">
               <mc:Choice xmlns:v="urn:schemas-microsoft-com:vml" Requires="v">
-                <p:oleObj spid="_x0000_s40040" name="Equation" r:id="rId7" imgW="495000" imgH="241200" progId="Equation.DSMT4">
+                <p:oleObj spid="_x0000_s40050" name="Equation" r:id="rId7" imgW="495000" imgH="241200" progId="Equation.DSMT4">
                   <p:embed/>
                 </p:oleObj>
               </mc:Choice>
@@ -2180,7 +1915,7 @@
           <a:graphicData uri="http://schemas.openxmlformats.org/presentationml/2006/ole">
             <mc:AlternateContent xmlns:mc="http://schemas.openxmlformats.org/markup-compatibility/2006">
               <mc:Choice xmlns:v="urn:schemas-microsoft-com:vml" Requires="v">
-                <p:oleObj spid="_x0000_s40041" name="Equation" r:id="rId9" imgW="495000" imgH="241200" progId="Equation.DSMT4">
+                <p:oleObj spid="_x0000_s40051" name="Equation" r:id="rId9" imgW="495000" imgH="241200" progId="Equation.DSMT4">
                   <p:embed/>
                 </p:oleObj>
               </mc:Choice>
@@ -2269,7 +2004,7 @@
           <a:graphicData uri="http://schemas.openxmlformats.org/presentationml/2006/ole">
             <mc:AlternateContent xmlns:mc="http://schemas.openxmlformats.org/markup-compatibility/2006">
               <mc:Choice xmlns:v="urn:schemas-microsoft-com:vml" Requires="v">
-                <p:oleObj spid="_x0000_s40042" name="Document" r:id="rId11" imgW="8076191" imgH="4928527" progId="Word.Document.8">
+                <p:oleObj spid="_x0000_s40052" name="Document" r:id="rId11" imgW="8076191" imgH="4928527" progId="Word.Document.8">
                   <p:embed/>
                 </p:oleObj>
               </mc:Choice>
@@ -2604,7 +2339,7 @@
 </p:sld>
 </file>
 
-<file path=ppt/slides/slide12.xml><?xml version="1.0" encoding="utf-8"?>
+<file path=ppt/slides/slide11.xml><?xml version="1.0" encoding="utf-8"?>
 <p:sld xmlns:a="http://schemas.openxmlformats.org/drawingml/2006/main" xmlns:r="http://schemas.openxmlformats.org/officeDocument/2006/relationships" xmlns:p="http://schemas.openxmlformats.org/presentationml/2006/main">
   <p:cSld>
     <p:spTree>
@@ -2863,7 +2598,7 @@
           <a:graphicData uri="http://schemas.openxmlformats.org/presentationml/2006/ole">
             <mc:AlternateContent xmlns:mc="http://schemas.openxmlformats.org/markup-compatibility/2006">
               <mc:Choice xmlns:v="urn:schemas-microsoft-com:vml" Requires="v">
-                <p:oleObj spid="_x0000_s42059" name="文档" r:id="rId3" imgW="11079268" imgH="1917225" progId="Word.Document.12">
+                <p:oleObj spid="_x0000_s42065" name="文档" r:id="rId3" imgW="11079268" imgH="1917225" progId="Word.Document.12">
                   <p:embed/>
                 </p:oleObj>
               </mc:Choice>
@@ -2920,7 +2655,7 @@
           <a:graphicData uri="http://schemas.openxmlformats.org/presentationml/2006/ole">
             <mc:AlternateContent xmlns:mc="http://schemas.openxmlformats.org/markup-compatibility/2006">
               <mc:Choice xmlns:v="urn:schemas-microsoft-com:vml" Requires="v">
-                <p:oleObj spid="_x0000_s42060" name="文档" r:id="rId5" imgW="11079268" imgH="1920469" progId="Word.Document.12">
+                <p:oleObj spid="_x0000_s42066" name="文档" r:id="rId5" imgW="11079268" imgH="1920469" progId="Word.Document.12">
                   <p:embed/>
                 </p:oleObj>
               </mc:Choice>
@@ -3169,7 +2904,7 @@
           <a:graphicData uri="http://schemas.openxmlformats.org/presentationml/2006/ole">
             <mc:AlternateContent xmlns:mc="http://schemas.openxmlformats.org/markup-compatibility/2006">
               <mc:Choice xmlns:v="urn:schemas-microsoft-com:vml" Requires="v">
-                <p:oleObj spid="_x0000_s42061" name="文档" r:id="rId7" imgW="8603975" imgH="1726151" progId="Word.Document.12">
+                <p:oleObj spid="_x0000_s42067" name="文档" r:id="rId7" imgW="8603975" imgH="1726151" progId="Word.Document.12">
                   <p:embed/>
                 </p:oleObj>
               </mc:Choice>
@@ -3707,7 +3442,7 @@
 </p:sld>
 </file>
 
-<file path=ppt/slides/slide13.xml><?xml version="1.0" encoding="utf-8"?>
+<file path=ppt/slides/slide12.xml><?xml version="1.0" encoding="utf-8"?>
 <p:sld xmlns:a="http://schemas.openxmlformats.org/drawingml/2006/main" xmlns:r="http://schemas.openxmlformats.org/officeDocument/2006/relationships" xmlns:p="http://schemas.openxmlformats.org/presentationml/2006/main">
   <p:cSld>
     <p:spTree>
@@ -3746,7 +3481,7 @@
           <a:graphicData uri="http://schemas.openxmlformats.org/presentationml/2006/ole">
             <mc:AlternateContent xmlns:mc="http://schemas.openxmlformats.org/markup-compatibility/2006">
               <mc:Choice xmlns:v="urn:schemas-microsoft-com:vml" Requires="v">
-                <p:oleObj spid="_x0000_s51259" name="文档" r:id="rId3" imgW="11079268" imgH="1920469" progId="Word.Document.12">
+                <p:oleObj spid="_x0000_s51265" name="文档" r:id="rId3" imgW="11079268" imgH="1920469" progId="Word.Document.12">
                   <p:embed/>
                 </p:oleObj>
               </mc:Choice>
@@ -4076,7 +3811,7 @@
           <a:graphicData uri="http://schemas.openxmlformats.org/presentationml/2006/ole">
             <mc:AlternateContent xmlns:mc="http://schemas.openxmlformats.org/markup-compatibility/2006">
               <mc:Choice xmlns:v="urn:schemas-microsoft-com:vml" Requires="v">
-                <p:oleObj spid="_x0000_s51260" name="文档" r:id="rId5" imgW="8603975" imgH="1792126" progId="Word.Document.12">
+                <p:oleObj spid="_x0000_s51266" name="文档" r:id="rId5" imgW="8603975" imgH="1792126" progId="Word.Document.12">
                   <p:embed/>
                 </p:oleObj>
               </mc:Choice>
@@ -4133,7 +3868,7 @@
           <a:graphicData uri="http://schemas.openxmlformats.org/presentationml/2006/ole">
             <mc:AlternateContent xmlns:mc="http://schemas.openxmlformats.org/markup-compatibility/2006">
               <mc:Choice xmlns:v="urn:schemas-microsoft-com:vml" Requires="v">
-                <p:oleObj spid="_x0000_s51261" name="文档" r:id="rId7" imgW="8603975" imgH="1795010" progId="Word.Document.12">
+                <p:oleObj spid="_x0000_s51267" name="文档" r:id="rId7" imgW="8603975" imgH="1795010" progId="Word.Document.12">
                   <p:embed/>
                 </p:oleObj>
               </mc:Choice>
@@ -4459,7 +4194,7 @@
 </p:sld>
 </file>
 
-<file path=ppt/slides/slide14.xml><?xml version="1.0" encoding="utf-8"?>
+<file path=ppt/slides/slide13.xml><?xml version="1.0" encoding="utf-8"?>
 <p:sld xmlns:a="http://schemas.openxmlformats.org/drawingml/2006/main" xmlns:r="http://schemas.openxmlformats.org/officeDocument/2006/relationships" xmlns:p="http://schemas.openxmlformats.org/presentationml/2006/main">
   <p:cSld>
     <p:spTree>
@@ -4498,7 +4233,7 @@
           <a:graphicData uri="http://schemas.openxmlformats.org/presentationml/2006/ole">
             <mc:AlternateContent xmlns:mc="http://schemas.openxmlformats.org/markup-compatibility/2006">
               <mc:Choice xmlns:v="urn:schemas-microsoft-com:vml" Requires="v">
-                <p:oleObj spid="_x0000_s55305" name="Document" r:id="rId3" imgW="7980231" imgH="4538600" progId="Word.Document.8">
+                <p:oleObj spid="_x0000_s55307" name="Document" r:id="rId3" imgW="7980231" imgH="4538600" progId="Word.Document.8">
                   <p:embed/>
                 </p:oleObj>
               </mc:Choice>
@@ -4589,7 +4324,7 @@
 </p:sld>
 </file>
 
-<file path=ppt/slides/slide15.xml><?xml version="1.0" encoding="utf-8"?>
+<file path=ppt/slides/slide14.xml><?xml version="1.0" encoding="utf-8"?>
 <p:sld xmlns:a="http://schemas.openxmlformats.org/drawingml/2006/main" xmlns:r="http://schemas.openxmlformats.org/officeDocument/2006/relationships" xmlns:p="http://schemas.openxmlformats.org/presentationml/2006/main">
   <p:cSld>
     <p:spTree>
@@ -4856,7 +4591,7 @@
           <a:graphicData uri="http://schemas.openxmlformats.org/presentationml/2006/ole">
             <mc:AlternateContent xmlns:mc="http://schemas.openxmlformats.org/markup-compatibility/2006">
               <mc:Choice xmlns:v="urn:schemas-microsoft-com:vml" Requires="v">
-                <p:oleObj spid="_x0000_s43059" name="文档" r:id="rId3" imgW="11012699" imgH="1449635" progId="Word.Document.12">
+                <p:oleObj spid="_x0000_s43063" name="文档" r:id="rId3" imgW="11012699" imgH="1449635" progId="Word.Document.12">
                   <p:embed/>
                 </p:oleObj>
               </mc:Choice>
@@ -5017,7 +4752,7 @@
           <a:graphicData uri="http://schemas.openxmlformats.org/presentationml/2006/ole">
             <mc:AlternateContent xmlns:mc="http://schemas.openxmlformats.org/markup-compatibility/2006">
               <mc:Choice xmlns:v="urn:schemas-microsoft-com:vml" Requires="v">
-                <p:oleObj spid="_x0000_s43060" name="文档" r:id="rId5" imgW="11012699" imgH="1451438" progId="Word.Document.12">
+                <p:oleObj spid="_x0000_s43064" name="文档" r:id="rId5" imgW="11012699" imgH="1451438" progId="Word.Document.12">
                   <p:embed/>
                 </p:oleObj>
               </mc:Choice>
@@ -5381,1627 +5116,7 @@
 </p:sld>
 </file>
 
-<file path=ppt/slides/slide16.xml><?xml version="1.0" encoding="utf-8"?>
-<p:sld xmlns:a="http://schemas.openxmlformats.org/drawingml/2006/main" xmlns:r="http://schemas.openxmlformats.org/officeDocument/2006/relationships" xmlns:p="http://schemas.openxmlformats.org/presentationml/2006/main">
-  <p:cSld>
-    <p:spTree>
-      <p:nvGrpSpPr>
-        <p:cNvPr id="1" name=""/>
-        <p:cNvGrpSpPr/>
-        <p:nvPr/>
-      </p:nvGrpSpPr>
-      <p:grpSpPr>
-        <a:xfrm>
-          <a:off x="0" y="0"/>
-          <a:ext cx="0" cy="0"/>
-          <a:chOff x="0" y="0"/>
-          <a:chExt cx="0" cy="0"/>
-        </a:xfrm>
-      </p:grpSpPr>
-      <p:sp>
-        <p:nvSpPr>
-          <p:cNvPr id="8" name="TextBox 7"/>
-          <p:cNvSpPr txBox="1"/>
-          <p:nvPr/>
-        </p:nvSpPr>
-        <p:spPr>
-          <a:xfrm>
-            <a:off x="398301" y="333450"/>
-            <a:ext cx="11457545" cy="693051"/>
-          </a:xfrm>
-          <a:prstGeom prst="rect">
-            <a:avLst/>
-          </a:prstGeom>
-          <a:noFill/>
-        </p:spPr>
-        <p:txBody>
-          <a:bodyPr wrap="square" lIns="121898" tIns="60948" rIns="121898" bIns="60948" rtlCol="0">
-            <a:spAutoFit/>
-          </a:bodyPr>
-          <a:lstStyle/>
-          <a:p>
-            <a:pPr algn="just">
-              <a:lnSpc>
-                <a:spcPct val="150000"/>
-              </a:lnSpc>
-              <a:spcAft>
-                <a:spcPts val="0"/>
-              </a:spcAft>
-              <a:tabLst>
-                <a:tab pos="1890395" algn="l"/>
-              </a:tabLst>
-            </a:pPr>
-            <a:r>
-              <a:rPr lang="zh-CN" altLang="en-US" sz="2800" b="1" kern="100">
-                <a:solidFill>
-                  <a:srgbClr val="C00000"/>
-                </a:solidFill>
-                <a:latin typeface="Times New Roman"/>
-                <a:ea typeface="微软雅黑"/>
-                <a:cs typeface="Times New Roman"/>
-              </a:rPr>
-              <a:t>类型三　化简求值</a:t>
-            </a:r>
-            <a:endParaRPr lang="zh-CN" altLang="zh-CN" sz="2800" b="1" kern="100" dirty="0">
-              <a:solidFill>
-                <a:srgbClr val="C00000"/>
-              </a:solidFill>
-              <a:latin typeface="Times New Roman"/>
-              <a:ea typeface="微软雅黑"/>
-              <a:cs typeface="Times New Roman"/>
-            </a:endParaRPr>
-          </a:p>
-        </p:txBody>
-      </p:sp>
-      <p:sp>
-        <p:nvSpPr>
-          <p:cNvPr id="11" name="矩形 10"/>
-          <p:cNvSpPr/>
-          <p:nvPr/>
-        </p:nvSpPr>
-        <p:spPr>
-          <a:xfrm>
-            <a:off x="478582" y="1053530"/>
-            <a:ext cx="11161240" cy="688626"/>
-          </a:xfrm>
-          <a:prstGeom prst="rect">
-            <a:avLst/>
-          </a:prstGeom>
-        </p:spPr>
-        <p:txBody>
-          <a:bodyPr wrap="square" lIns="121898" tIns="60948" rIns="121898" bIns="60948">
-            <a:spAutoFit/>
-          </a:bodyPr>
-          <a:lstStyle/>
-          <a:p>
-            <a:pPr algn="just">
-              <a:lnSpc>
-                <a:spcPct val="150000"/>
-              </a:lnSpc>
-              <a:spcAft>
-                <a:spcPts val="0"/>
-              </a:spcAft>
-              <a:tabLst>
-                <a:tab pos="1890395" algn="l"/>
-              </a:tabLst>
-            </a:pPr>
-            <a:r>
-              <a:rPr lang="zh-CN" altLang="zh-CN" sz="2800" b="1" kern="100" dirty="0" smtClean="0">
-                <a:solidFill>
-                  <a:srgbClr val="0000FF"/>
-                </a:solidFill>
-                <a:latin typeface="Times New Roman"/>
-                <a:ea typeface="微软雅黑"/>
-                <a:cs typeface="Times New Roman"/>
-              </a:rPr>
-              <a:t>例</a:t>
-            </a:r>
-            <a:r>
-              <a:rPr lang="en-US" altLang="zh-CN" sz="2800" b="1" kern="100" dirty="0">
-                <a:solidFill>
-                  <a:srgbClr val="0000FF"/>
-                </a:solidFill>
-                <a:latin typeface="Times New Roman"/>
-                <a:ea typeface="微软雅黑"/>
-                <a:cs typeface="Courier New"/>
-              </a:rPr>
-              <a:t>4</a:t>
-            </a:r>
-            <a:r>
-              <a:rPr lang="zh-CN" altLang="zh-CN" sz="2800" b="1" kern="100" dirty="0">
-                <a:solidFill>
-                  <a:srgbClr val="0000FF"/>
-                </a:solidFill>
-                <a:latin typeface="Times New Roman"/>
-                <a:ea typeface="微软雅黑"/>
-                <a:cs typeface="Times New Roman"/>
-              </a:rPr>
-              <a:t>　</a:t>
-            </a:r>
-            <a:r>
-              <a:rPr lang="zh-CN" altLang="zh-CN" sz="2800" kern="100" dirty="0">
-                <a:latin typeface="Times New Roman"/>
-                <a:ea typeface="华文细黑"/>
-                <a:cs typeface="Times New Roman"/>
-              </a:rPr>
-              <a:t>已知</a:t>
-            </a:r>
-            <a:r>
-              <a:rPr lang="en-US" altLang="zh-CN" sz="2800" kern="100" dirty="0" err="1">
-                <a:latin typeface="Times New Roman"/>
-                <a:ea typeface="华文细黑"/>
-                <a:cs typeface="Courier New"/>
-              </a:rPr>
-              <a:t>log</a:t>
-            </a:r>
-            <a:r>
-              <a:rPr lang="en-US" altLang="zh-CN" sz="2800" i="1" kern="100" baseline="-25000" dirty="0" err="1">
-                <a:latin typeface="Times New Roman"/>
-                <a:ea typeface="华文细黑"/>
-                <a:cs typeface="Courier New"/>
-              </a:rPr>
-              <a:t>a</a:t>
-            </a:r>
-            <a:r>
-              <a:rPr lang="en-US" altLang="zh-CN" sz="2800" i="1" kern="100" dirty="0" err="1">
-                <a:latin typeface="Times New Roman"/>
-                <a:ea typeface="华文细黑"/>
-                <a:cs typeface="Courier New"/>
-              </a:rPr>
-              <a:t>x</a:t>
-            </a:r>
-            <a:r>
-              <a:rPr lang="zh-CN" altLang="zh-CN" sz="2800" kern="100" dirty="0">
-                <a:latin typeface="Times New Roman"/>
-                <a:ea typeface="华文细黑"/>
-                <a:cs typeface="Times New Roman"/>
-              </a:rPr>
-              <a:t>＝</a:t>
-            </a:r>
-            <a:r>
-              <a:rPr lang="en-US" altLang="zh-CN" sz="2800" kern="100" dirty="0" err="1">
-                <a:latin typeface="Times New Roman"/>
-                <a:ea typeface="华文细黑"/>
-                <a:cs typeface="Courier New"/>
-              </a:rPr>
-              <a:t>log</a:t>
-            </a:r>
-            <a:r>
-              <a:rPr lang="en-US" altLang="zh-CN" sz="2800" i="1" kern="100" baseline="-25000" dirty="0" err="1">
-                <a:latin typeface="Times New Roman"/>
-                <a:ea typeface="华文细黑"/>
-                <a:cs typeface="Courier New"/>
-              </a:rPr>
-              <a:t>a</a:t>
-            </a:r>
-            <a:r>
-              <a:rPr lang="en-US" altLang="zh-CN" sz="2800" i="1" kern="100" dirty="0" err="1">
-                <a:latin typeface="Times New Roman"/>
-                <a:ea typeface="华文细黑"/>
-                <a:cs typeface="Courier New"/>
-              </a:rPr>
-              <a:t>c</a:t>
-            </a:r>
-            <a:r>
-              <a:rPr lang="zh-CN" altLang="zh-CN" sz="2800" kern="100" dirty="0">
-                <a:latin typeface="Times New Roman"/>
-                <a:ea typeface="华文细黑"/>
-                <a:cs typeface="Times New Roman"/>
-              </a:rPr>
-              <a:t>＋</a:t>
-            </a:r>
-            <a:r>
-              <a:rPr lang="en-US" altLang="zh-CN" sz="2800" i="1" kern="100" dirty="0">
-                <a:latin typeface="Times New Roman"/>
-                <a:ea typeface="华文细黑"/>
-                <a:cs typeface="Courier New"/>
-              </a:rPr>
-              <a:t>b</a:t>
-            </a:r>
-            <a:r>
-              <a:rPr lang="zh-CN" altLang="zh-CN" sz="2800" kern="100" dirty="0">
-                <a:latin typeface="Times New Roman"/>
-                <a:ea typeface="华文细黑"/>
-                <a:cs typeface="Times New Roman"/>
-              </a:rPr>
-              <a:t>，求</a:t>
-            </a:r>
-            <a:r>
-              <a:rPr lang="en-US" altLang="zh-CN" sz="2800" i="1" kern="100" dirty="0">
-                <a:latin typeface="Times New Roman"/>
-                <a:ea typeface="华文细黑"/>
-                <a:cs typeface="Courier New"/>
-              </a:rPr>
-              <a:t>x</a:t>
-            </a:r>
-            <a:r>
-              <a:rPr lang="en-US" altLang="zh-CN" sz="2800" kern="100" dirty="0">
-                <a:latin typeface="Times New Roman"/>
-                <a:ea typeface="华文细黑"/>
-                <a:cs typeface="Courier New"/>
-              </a:rPr>
-              <a:t>.</a:t>
-            </a:r>
-            <a:endParaRPr lang="zh-CN" altLang="zh-CN" sz="1050" kern="100" dirty="0">
-              <a:effectLst/>
-              <a:latin typeface="宋体"/>
-              <a:cs typeface="Courier New"/>
-            </a:endParaRPr>
-          </a:p>
-        </p:txBody>
-      </p:sp>
-      <p:graphicFrame>
-        <p:nvGraphicFramePr>
-          <p:cNvPr id="12" name="对象 11"/>
-          <p:cNvGraphicFramePr>
-            <a:graphicFrameLocks noChangeAspect="1"/>
-          </p:cNvGraphicFramePr>
-          <p:nvPr>
-            <p:extLst>
-              <p:ext uri="{D42A27DB-BD31-4B8C-83A1-F6EECF244321}">
-                <p14:modId xmlns:p14="http://schemas.microsoft.com/office/powerpoint/2010/main" val="3875002074"/>
-              </p:ext>
-            </p:extLst>
-          </p:nvPr>
-        </p:nvGraphicFramePr>
-        <p:xfrm>
-          <a:off x="605680" y="3454206"/>
-          <a:ext cx="11106150" cy="1362075"/>
-        </p:xfrm>
-        <a:graphic>
-          <a:graphicData uri="http://schemas.openxmlformats.org/presentationml/2006/ole">
-            <mc:AlternateContent xmlns:mc="http://schemas.openxmlformats.org/markup-compatibility/2006">
-              <mc:Choice xmlns:v="urn:schemas-microsoft-com:vml" Requires="v">
-                <p:oleObj spid="_x0000_s45110" name="文档" r:id="rId3" imgW="11108055" imgH="1363833" progId="Word.Document.12">
-                  <p:embed/>
-                </p:oleObj>
-              </mc:Choice>
-              <mc:Fallback>
-                <p:oleObj name="文档" r:id="rId3" imgW="11108055" imgH="1363833" progId="Word.Document.12">
-                  <p:embed/>
-                  <p:pic>
-                    <p:nvPicPr>
-                      <p:cNvPr id="0" name=""/>
-                      <p:cNvPicPr/>
-                      <p:nvPr/>
-                    </p:nvPicPr>
-                    <p:blipFill>
-                      <a:blip r:embed="rId4"/>
-                      <a:stretch>
-                        <a:fillRect/>
-                      </a:stretch>
-                    </p:blipFill>
-                    <p:spPr>
-                      <a:xfrm>
-                        <a:off x="605680" y="3454206"/>
-                        <a:ext cx="11106150" cy="1362075"/>
-                      </a:xfrm>
-                      <a:prstGeom prst="rect">
-                        <a:avLst/>
-                      </a:prstGeom>
-                    </p:spPr>
-                  </p:pic>
-                </p:oleObj>
-              </mc:Fallback>
-            </mc:AlternateContent>
-          </a:graphicData>
-        </a:graphic>
-      </p:graphicFrame>
-      <p:sp>
-        <p:nvSpPr>
-          <p:cNvPr id="10" name="矩形 9"/>
-          <p:cNvSpPr/>
-          <p:nvPr/>
-        </p:nvSpPr>
-        <p:spPr>
-          <a:xfrm>
-            <a:off x="470309" y="1870030"/>
-            <a:ext cx="11161240" cy="688626"/>
-          </a:xfrm>
-          <a:prstGeom prst="rect">
-            <a:avLst/>
-          </a:prstGeom>
-        </p:spPr>
-        <p:txBody>
-          <a:bodyPr wrap="square" lIns="121898" tIns="60948" rIns="121898" bIns="60948">
-            <a:spAutoFit/>
-          </a:bodyPr>
-          <a:lstStyle/>
-          <a:p>
-            <a:pPr algn="just">
-              <a:lnSpc>
-                <a:spcPct val="150000"/>
-              </a:lnSpc>
-              <a:spcAft>
-                <a:spcPts val="0"/>
-              </a:spcAft>
-              <a:tabLst>
-                <a:tab pos="1890395" algn="l"/>
-              </a:tabLst>
-            </a:pPr>
-            <a:r>
-              <a:rPr lang="zh-CN" altLang="zh-CN" sz="2800" b="1" kern="100">
-                <a:solidFill>
-                  <a:srgbClr val="0000FF"/>
-                </a:solidFill>
-                <a:latin typeface="Times New Roman"/>
-                <a:ea typeface="微软雅黑"/>
-                <a:cs typeface="Times New Roman"/>
-              </a:rPr>
-              <a:t>解　</a:t>
-            </a:r>
-            <a:r>
-              <a:rPr lang="zh-CN" altLang="zh-CN" sz="2800" kern="100">
-                <a:latin typeface="Times New Roman"/>
-                <a:ea typeface="华文细黑"/>
-                <a:cs typeface="Times New Roman"/>
-              </a:rPr>
-              <a:t>方法一　由对数定义可知：</a:t>
-            </a:r>
-            <a:endParaRPr lang="zh-CN" altLang="zh-CN" sz="1050" kern="100">
-              <a:effectLst/>
-              <a:latin typeface="宋体"/>
-              <a:cs typeface="Courier New"/>
-            </a:endParaRPr>
-          </a:p>
-        </p:txBody>
-      </p:sp>
-      <p:sp>
-        <p:nvSpPr>
-          <p:cNvPr id="2" name="Rectangle 15"/>
-          <p:cNvSpPr>
-            <a:spLocks noChangeArrowheads="1"/>
-          </p:cNvSpPr>
-          <p:nvPr/>
-        </p:nvSpPr>
-        <p:spPr bwMode="auto">
-          <a:xfrm>
-            <a:off x="0" y="0"/>
-            <a:ext cx="12190413" cy="457200"/>
-          </a:xfrm>
-          <a:prstGeom prst="rect">
-            <a:avLst/>
-          </a:prstGeom>
-          <a:noFill/>
-          <a:ln>
-            <a:noFill/>
-          </a:ln>
-          <a:effectLst/>
-          <a:extLst>
-            <a:ext uri="{909E8E84-426E-40DD-AFC4-6F175D3DCCD1}">
-              <a14:hiddenFill xmlns:a14="http://schemas.microsoft.com/office/drawing/2010/main">
-                <a:solidFill>
-                  <a:schemeClr val="accent1"/>
-                </a:solidFill>
-              </a14:hiddenFill>
-            </a:ext>
-            <a:ext uri="{91240B29-F687-4F45-9708-019B960494DF}">
-              <a14:hiddenLine xmlns:a14="http://schemas.microsoft.com/office/drawing/2010/main" w="9525">
-                <a:solidFill>
-                  <a:schemeClr val="tx1"/>
-                </a:solidFill>
-                <a:miter lim="800000"/>
-                <a:headEnd/>
-                <a:tailEnd/>
-              </a14:hiddenLine>
-            </a:ext>
-            <a:ext uri="{AF507438-7753-43E0-B8FC-AC1667EBCBE1}">
-              <a14:hiddenEffects xmlns:a14="http://schemas.microsoft.com/office/drawing/2010/main">
-                <a:effectLst>
-                  <a:outerShdw dist="35921" dir="2700000" algn="ctr" rotWithShape="0">
-                    <a:schemeClr val="bg2"/>
-                  </a:outerShdw>
-                </a:effectLst>
-              </a14:hiddenEffects>
-            </a:ext>
-          </a:extLst>
-        </p:spPr>
-        <p:txBody>
-          <a:bodyPr vert="horz" wrap="none" lIns="91440" tIns="45720" rIns="91440" bIns="45720" numCol="1" anchor="ctr" anchorCtr="0" compatLnSpc="1">
-            <a:prstTxWarp prst="textNoShape">
-              <a:avLst/>
-            </a:prstTxWarp>
-            <a:spAutoFit/>
-          </a:bodyPr>
-          <a:lstStyle/>
-          <a:p>
-            <a:endParaRPr lang="zh-CN" altLang="en-US"/>
-          </a:p>
-        </p:txBody>
-      </p:sp>
-      <p:graphicFrame>
-        <p:nvGraphicFramePr>
-          <p:cNvPr id="3" name="对象 2"/>
-          <p:cNvGraphicFramePr>
-            <a:graphicFrameLocks noChangeAspect="1"/>
-          </p:cNvGraphicFramePr>
-          <p:nvPr>
-            <p:extLst>
-              <p:ext uri="{D42A27DB-BD31-4B8C-83A1-F6EECF244321}">
-                <p14:modId xmlns:p14="http://schemas.microsoft.com/office/powerpoint/2010/main" val="1015452614"/>
-              </p:ext>
-            </p:extLst>
-          </p:nvPr>
-        </p:nvGraphicFramePr>
-        <p:xfrm>
-          <a:off x="5497271" y="1937165"/>
-          <a:ext cx="4098825" cy="494687"/>
-        </p:xfrm>
-        <a:graphic>
-          <a:graphicData uri="http://schemas.openxmlformats.org/presentationml/2006/ole">
-            <mc:AlternateContent xmlns:mc="http://schemas.openxmlformats.org/markup-compatibility/2006">
-              <mc:Choice xmlns:v="urn:schemas-microsoft-com:vml" Requires="v">
-                <p:oleObj spid="_x0000_s45111" name="Equation" r:id="rId5" imgW="1651000" imgH="203200" progId="Equation.DSMT4">
-                  <p:embed/>
-                </p:oleObj>
-              </mc:Choice>
-              <mc:Fallback>
-                <p:oleObj name="Equation" r:id="rId5" imgW="1651000" imgH="203200" progId="Equation.DSMT4">
-                  <p:embed/>
-                  <p:pic>
-                    <p:nvPicPr>
-                      <p:cNvPr id="0" name="Object 14"/>
-                      <p:cNvPicPr>
-                        <a:picLocks noChangeAspect="1" noChangeArrowheads="1"/>
-                      </p:cNvPicPr>
-                      <p:nvPr/>
-                    </p:nvPicPr>
-                    <p:blipFill>
-                      <a:blip r:embed="rId6">
-                        <a:extLst>
-                          <a:ext uri="{28A0092B-C50C-407E-A947-70E740481C1C}">
-                            <a14:useLocalDpi xmlns:a14="http://schemas.microsoft.com/office/drawing/2010/main" val="0"/>
-                          </a:ext>
-                        </a:extLst>
-                      </a:blip>
-                      <a:srcRect/>
-                      <a:stretch>
-                        <a:fillRect/>
-                      </a:stretch>
-                    </p:blipFill>
-                    <p:spPr bwMode="auto">
-                      <a:xfrm>
-                        <a:off x="5497271" y="1937165"/>
-                        <a:ext cx="4098825" cy="494687"/>
-                      </a:xfrm>
-                      <a:prstGeom prst="rect">
-                        <a:avLst/>
-                      </a:prstGeom>
-                      <a:noFill/>
-                      <a:extLst>
-                        <a:ext uri="{909E8E84-426E-40DD-AFC4-6F175D3DCCD1}">
-                          <a14:hiddenFill xmlns:a14="http://schemas.microsoft.com/office/drawing/2010/main">
-                            <a:solidFill>
-                              <a:srgbClr val="FFFFFF"/>
-                            </a:solidFill>
-                          </a14:hiddenFill>
-                        </a:ext>
-                      </a:extLst>
-                    </p:spPr>
-                  </p:pic>
-                </p:oleObj>
-              </mc:Fallback>
-            </mc:AlternateContent>
-          </a:graphicData>
-        </a:graphic>
-      </p:graphicFrame>
-      <p:sp>
-        <p:nvSpPr>
-          <p:cNvPr id="13" name="矩形 12"/>
-          <p:cNvSpPr/>
-          <p:nvPr/>
-        </p:nvSpPr>
-        <p:spPr>
-          <a:xfrm>
-            <a:off x="470309" y="2621564"/>
-            <a:ext cx="11161240" cy="688626"/>
-          </a:xfrm>
-          <a:prstGeom prst="rect">
-            <a:avLst/>
-          </a:prstGeom>
-        </p:spPr>
-        <p:txBody>
-          <a:bodyPr wrap="square" lIns="121898" tIns="60948" rIns="121898" bIns="60948">
-            <a:spAutoFit/>
-          </a:bodyPr>
-          <a:lstStyle/>
-          <a:p>
-            <a:pPr algn="just">
-              <a:lnSpc>
-                <a:spcPct val="150000"/>
-              </a:lnSpc>
-              <a:spcAft>
-                <a:spcPts val="0"/>
-              </a:spcAft>
-              <a:tabLst>
-                <a:tab pos="1890395" algn="l"/>
-              </a:tabLst>
-            </a:pPr>
-            <a:r>
-              <a:rPr lang="zh-CN" altLang="zh-CN" sz="2800" kern="100">
-                <a:latin typeface="Times New Roman"/>
-                <a:ea typeface="华文细黑"/>
-                <a:cs typeface="Times New Roman"/>
-              </a:rPr>
-              <a:t>方法二　由已知移项可得：</a:t>
-            </a:r>
-            <a:r>
-              <a:rPr lang="en-US" altLang="zh-CN" sz="2800" kern="100">
-                <a:latin typeface="Times New Roman"/>
-                <a:ea typeface="华文细黑"/>
-                <a:cs typeface="Courier New"/>
-              </a:rPr>
-              <a:t>log</a:t>
-            </a:r>
-            <a:r>
-              <a:rPr lang="en-US" altLang="zh-CN" sz="2800" i="1" kern="100" baseline="-25000">
-                <a:latin typeface="Times New Roman"/>
-                <a:ea typeface="华文细黑"/>
-                <a:cs typeface="Courier New"/>
-              </a:rPr>
-              <a:t>a</a:t>
-            </a:r>
-            <a:r>
-              <a:rPr lang="en-US" altLang="zh-CN" sz="2800" i="1" kern="100">
-                <a:latin typeface="Times New Roman"/>
-                <a:ea typeface="华文细黑"/>
-                <a:cs typeface="Courier New"/>
-              </a:rPr>
-              <a:t>x</a:t>
-            </a:r>
-            <a:r>
-              <a:rPr lang="zh-CN" altLang="zh-CN" sz="2800" kern="100">
-                <a:latin typeface="Times New Roman"/>
-                <a:ea typeface="华文细黑"/>
-                <a:cs typeface="Times New Roman"/>
-              </a:rPr>
-              <a:t>－</a:t>
-            </a:r>
-            <a:r>
-              <a:rPr lang="en-US" altLang="zh-CN" sz="2800" kern="100">
-                <a:latin typeface="Times New Roman"/>
-                <a:ea typeface="华文细黑"/>
-                <a:cs typeface="Courier New"/>
-              </a:rPr>
-              <a:t>log</a:t>
-            </a:r>
-            <a:r>
-              <a:rPr lang="en-US" altLang="zh-CN" sz="2800" i="1" kern="100" baseline="-25000">
-                <a:latin typeface="Times New Roman"/>
-                <a:ea typeface="华文细黑"/>
-                <a:cs typeface="Courier New"/>
-              </a:rPr>
-              <a:t>a</a:t>
-            </a:r>
-            <a:r>
-              <a:rPr lang="en-US" altLang="zh-CN" sz="2800" i="1" kern="100">
-                <a:latin typeface="Times New Roman"/>
-                <a:ea typeface="华文细黑"/>
-                <a:cs typeface="Courier New"/>
-              </a:rPr>
-              <a:t>c</a:t>
-            </a:r>
-            <a:r>
-              <a:rPr lang="zh-CN" altLang="zh-CN" sz="2800" kern="100">
-                <a:latin typeface="Times New Roman"/>
-                <a:ea typeface="华文细黑"/>
-                <a:cs typeface="Times New Roman"/>
-              </a:rPr>
-              <a:t>＝</a:t>
-            </a:r>
-            <a:r>
-              <a:rPr lang="en-US" altLang="zh-CN" sz="2800" i="1" kern="100">
-                <a:latin typeface="Times New Roman"/>
-                <a:ea typeface="华文细黑"/>
-                <a:cs typeface="Courier New"/>
-              </a:rPr>
-              <a:t>b</a:t>
-            </a:r>
-            <a:r>
-              <a:rPr lang="zh-CN" altLang="zh-CN" sz="2800" kern="100">
-                <a:latin typeface="Times New Roman"/>
-                <a:ea typeface="华文细黑"/>
-                <a:cs typeface="Times New Roman"/>
-              </a:rPr>
-              <a:t>，</a:t>
-            </a:r>
-            <a:endParaRPr lang="zh-CN" altLang="zh-CN" sz="1050" kern="100">
-              <a:effectLst/>
-              <a:latin typeface="宋体"/>
-              <a:cs typeface="Courier New"/>
-            </a:endParaRPr>
-          </a:p>
-        </p:txBody>
-      </p:sp>
-      <p:sp>
-        <p:nvSpPr>
-          <p:cNvPr id="14" name="矩形 13"/>
-          <p:cNvSpPr/>
-          <p:nvPr/>
-        </p:nvSpPr>
-        <p:spPr>
-          <a:xfrm>
-            <a:off x="478582" y="4318302"/>
-            <a:ext cx="11161240" cy="1415748"/>
-          </a:xfrm>
-          <a:prstGeom prst="rect">
-            <a:avLst/>
-          </a:prstGeom>
-        </p:spPr>
-        <p:txBody>
-          <a:bodyPr wrap="square" lIns="121898" tIns="60948" rIns="121898" bIns="60948">
-            <a:spAutoFit/>
-          </a:bodyPr>
-          <a:lstStyle/>
-          <a:p>
-            <a:pPr algn="just">
-              <a:lnSpc>
-                <a:spcPct val="150000"/>
-              </a:lnSpc>
-              <a:spcAft>
-                <a:spcPts val="0"/>
-              </a:spcAft>
-              <a:tabLst>
-                <a:tab pos="1890395" algn="l"/>
-              </a:tabLst>
-            </a:pPr>
-            <a:r>
-              <a:rPr lang="zh-CN" altLang="zh-CN" sz="2800" kern="100">
-                <a:latin typeface="Times New Roman"/>
-                <a:ea typeface="华文细黑"/>
-                <a:cs typeface="Times New Roman"/>
-              </a:rPr>
-              <a:t>方法三　</a:t>
-            </a:r>
-            <a:r>
-              <a:rPr lang="en-US" altLang="zh-CN" sz="2800" kern="100">
-                <a:latin typeface="宋体"/>
-                <a:ea typeface="华文细黑"/>
-                <a:cs typeface="Times New Roman"/>
-              </a:rPr>
-              <a:t>∵</a:t>
-            </a:r>
-            <a:r>
-              <a:rPr lang="en-US" altLang="zh-CN" sz="2800" i="1" kern="100">
-                <a:latin typeface="Times New Roman"/>
-                <a:ea typeface="华文细黑"/>
-                <a:cs typeface="Courier New"/>
-              </a:rPr>
-              <a:t>b</a:t>
-            </a:r>
-            <a:r>
-              <a:rPr lang="zh-CN" altLang="zh-CN" sz="2800" kern="100">
-                <a:latin typeface="Times New Roman"/>
-                <a:ea typeface="华文细黑"/>
-                <a:cs typeface="Times New Roman"/>
-              </a:rPr>
-              <a:t>＝</a:t>
-            </a:r>
-            <a:r>
-              <a:rPr lang="en-US" altLang="zh-CN" sz="2800" kern="100">
-                <a:latin typeface="Times New Roman"/>
-                <a:ea typeface="华文细黑"/>
-                <a:cs typeface="Courier New"/>
-              </a:rPr>
-              <a:t>log</a:t>
-            </a:r>
-            <a:r>
-              <a:rPr lang="en-US" altLang="zh-CN" sz="2800" i="1" kern="100" baseline="-25000">
-                <a:latin typeface="Times New Roman"/>
-                <a:ea typeface="华文细黑"/>
-                <a:cs typeface="Courier New"/>
-              </a:rPr>
-              <a:t>a</a:t>
-            </a:r>
-            <a:r>
-              <a:rPr lang="en-US" altLang="zh-CN" sz="2800" i="1" kern="100">
-                <a:latin typeface="Times New Roman"/>
-                <a:ea typeface="华文细黑"/>
-                <a:cs typeface="Courier New"/>
-              </a:rPr>
-              <a:t>a</a:t>
-            </a:r>
-            <a:r>
-              <a:rPr lang="en-US" altLang="zh-CN" sz="2800" i="1" kern="100" baseline="30000">
-                <a:latin typeface="Times New Roman"/>
-                <a:ea typeface="华文细黑"/>
-                <a:cs typeface="Courier New"/>
-              </a:rPr>
-              <a:t>b</a:t>
-            </a:r>
-            <a:r>
-              <a:rPr lang="zh-CN" altLang="zh-CN" sz="2800" kern="100">
-                <a:latin typeface="Times New Roman"/>
-                <a:ea typeface="华文细黑"/>
-                <a:cs typeface="Times New Roman"/>
-              </a:rPr>
-              <a:t>，</a:t>
-            </a:r>
-            <a:endParaRPr lang="en-US" altLang="zh-CN" sz="2800" kern="100">
-              <a:latin typeface="Times New Roman"/>
-              <a:ea typeface="华文细黑"/>
-              <a:cs typeface="Times New Roman"/>
-            </a:endParaRPr>
-          </a:p>
-          <a:p>
-            <a:pPr algn="just">
-              <a:lnSpc>
-                <a:spcPct val="150000"/>
-              </a:lnSpc>
-              <a:spcAft>
-                <a:spcPts val="0"/>
-              </a:spcAft>
-              <a:tabLst>
-                <a:tab pos="1890395" algn="l"/>
-              </a:tabLst>
-            </a:pPr>
-            <a:r>
-              <a:rPr lang="en-US" altLang="zh-CN" sz="2800" kern="100">
-                <a:latin typeface="宋体"/>
-                <a:ea typeface="华文细黑"/>
-                <a:cs typeface="Times New Roman"/>
-              </a:rPr>
-              <a:t>∴</a:t>
-            </a:r>
-            <a:r>
-              <a:rPr lang="en-US" altLang="zh-CN" sz="2800" kern="100">
-                <a:latin typeface="Times New Roman"/>
-                <a:ea typeface="华文细黑"/>
-                <a:cs typeface="Courier New"/>
-              </a:rPr>
-              <a:t>log</a:t>
-            </a:r>
-            <a:r>
-              <a:rPr lang="en-US" altLang="zh-CN" sz="2800" i="1" kern="100" baseline="-25000">
-                <a:latin typeface="Times New Roman"/>
-                <a:ea typeface="华文细黑"/>
-                <a:cs typeface="Courier New"/>
-              </a:rPr>
-              <a:t>a</a:t>
-            </a:r>
-            <a:r>
-              <a:rPr lang="en-US" altLang="zh-CN" sz="2800" i="1" kern="100">
-                <a:latin typeface="Times New Roman"/>
-                <a:ea typeface="华文细黑"/>
-                <a:cs typeface="Courier New"/>
-              </a:rPr>
-              <a:t>x</a:t>
-            </a:r>
-            <a:r>
-              <a:rPr lang="zh-CN" altLang="zh-CN" sz="2800" kern="100">
-                <a:latin typeface="Times New Roman"/>
-                <a:ea typeface="华文细黑"/>
-                <a:cs typeface="Times New Roman"/>
-              </a:rPr>
-              <a:t>＝</a:t>
-            </a:r>
-            <a:r>
-              <a:rPr lang="en-US" altLang="zh-CN" sz="2800" kern="100">
-                <a:latin typeface="Times New Roman"/>
-                <a:ea typeface="华文细黑"/>
-                <a:cs typeface="Courier New"/>
-              </a:rPr>
-              <a:t>log</a:t>
-            </a:r>
-            <a:r>
-              <a:rPr lang="en-US" altLang="zh-CN" sz="2800" i="1" kern="100" baseline="-25000">
-                <a:latin typeface="Times New Roman"/>
-                <a:ea typeface="华文细黑"/>
-                <a:cs typeface="Courier New"/>
-              </a:rPr>
-              <a:t>a</a:t>
-            </a:r>
-            <a:r>
-              <a:rPr lang="en-US" altLang="zh-CN" sz="2800" i="1" kern="100">
-                <a:latin typeface="Times New Roman"/>
-                <a:ea typeface="华文细黑"/>
-                <a:cs typeface="Courier New"/>
-              </a:rPr>
-              <a:t>c</a:t>
-            </a:r>
-            <a:r>
-              <a:rPr lang="zh-CN" altLang="zh-CN" sz="2800" kern="100">
-                <a:latin typeface="Times New Roman"/>
-                <a:ea typeface="华文细黑"/>
-                <a:cs typeface="Times New Roman"/>
-              </a:rPr>
-              <a:t>＋</a:t>
-            </a:r>
-            <a:r>
-              <a:rPr lang="en-US" altLang="zh-CN" sz="2800" kern="100">
-                <a:latin typeface="Times New Roman"/>
-                <a:ea typeface="华文细黑"/>
-                <a:cs typeface="Courier New"/>
-              </a:rPr>
-              <a:t>log</a:t>
-            </a:r>
-            <a:r>
-              <a:rPr lang="en-US" altLang="zh-CN" sz="2800" i="1" kern="100" baseline="-25000">
-                <a:latin typeface="Times New Roman"/>
-                <a:ea typeface="华文细黑"/>
-                <a:cs typeface="Courier New"/>
-              </a:rPr>
-              <a:t>a</a:t>
-            </a:r>
-            <a:r>
-              <a:rPr lang="en-US" altLang="zh-CN" sz="2800" i="1" kern="100">
-                <a:latin typeface="Times New Roman"/>
-                <a:ea typeface="华文细黑"/>
-                <a:cs typeface="Courier New"/>
-              </a:rPr>
-              <a:t>a</a:t>
-            </a:r>
-            <a:r>
-              <a:rPr lang="en-US" altLang="zh-CN" sz="2800" i="1" kern="100" baseline="30000">
-                <a:latin typeface="Times New Roman"/>
-                <a:ea typeface="华文细黑"/>
-                <a:cs typeface="Courier New"/>
-              </a:rPr>
-              <a:t>b</a:t>
-            </a:r>
-            <a:r>
-              <a:rPr lang="zh-CN" altLang="zh-CN" sz="2800" kern="100">
-                <a:latin typeface="Times New Roman"/>
-                <a:ea typeface="华文细黑"/>
-                <a:cs typeface="Times New Roman"/>
-              </a:rPr>
-              <a:t>＝</a:t>
-            </a:r>
-            <a:r>
-              <a:rPr lang="en-US" altLang="zh-CN" sz="2800" kern="100">
-                <a:latin typeface="Times New Roman"/>
-                <a:ea typeface="华文细黑"/>
-                <a:cs typeface="Courier New"/>
-              </a:rPr>
-              <a:t>log</a:t>
-            </a:r>
-            <a:r>
-              <a:rPr lang="en-US" altLang="zh-CN" sz="2800" i="1" kern="100" baseline="-25000">
-                <a:latin typeface="Times New Roman"/>
-                <a:ea typeface="华文细黑"/>
-                <a:cs typeface="Courier New"/>
-              </a:rPr>
-              <a:t>a</a:t>
-            </a:r>
-            <a:r>
-              <a:rPr lang="en-US" altLang="zh-CN" sz="2800" kern="100">
-                <a:latin typeface="Times New Roman"/>
-                <a:ea typeface="华文细黑"/>
-                <a:cs typeface="Courier New"/>
-              </a:rPr>
-              <a:t>(</a:t>
-            </a:r>
-            <a:r>
-              <a:rPr lang="en-US" altLang="zh-CN" sz="2800" i="1" kern="100">
-                <a:latin typeface="Times New Roman"/>
-                <a:ea typeface="华文细黑"/>
-                <a:cs typeface="Courier New"/>
-              </a:rPr>
-              <a:t>c</a:t>
-            </a:r>
-            <a:r>
-              <a:rPr lang="en-US" altLang="zh-CN" sz="2800" kern="100">
-                <a:latin typeface="Times New Roman"/>
-                <a:ea typeface="华文细黑"/>
-                <a:cs typeface="Courier New"/>
-              </a:rPr>
-              <a:t>·</a:t>
-            </a:r>
-            <a:r>
-              <a:rPr lang="en-US" altLang="zh-CN" sz="2800" i="1" kern="100">
-                <a:latin typeface="Times New Roman"/>
-                <a:ea typeface="华文细黑"/>
-                <a:cs typeface="Courier New"/>
-              </a:rPr>
-              <a:t>a</a:t>
-            </a:r>
-            <a:r>
-              <a:rPr lang="en-US" altLang="zh-CN" sz="2800" i="1" kern="100" baseline="30000">
-                <a:latin typeface="Times New Roman"/>
-                <a:ea typeface="华文细黑"/>
-                <a:cs typeface="Courier New"/>
-              </a:rPr>
-              <a:t>b</a:t>
-            </a:r>
-            <a:r>
-              <a:rPr lang="en-US" altLang="zh-CN" sz="2800" kern="100">
-                <a:latin typeface="Times New Roman"/>
-                <a:ea typeface="华文细黑"/>
-                <a:cs typeface="Courier New"/>
-              </a:rPr>
-              <a:t>)</a:t>
-            </a:r>
-            <a:r>
-              <a:rPr lang="zh-CN" altLang="zh-CN" sz="2800" kern="100">
-                <a:latin typeface="Times New Roman"/>
-                <a:ea typeface="华文细黑"/>
-                <a:cs typeface="Times New Roman"/>
-              </a:rPr>
-              <a:t>，</a:t>
-            </a:r>
-            <a:r>
-              <a:rPr lang="en-US" altLang="zh-CN" sz="2800" kern="100">
-                <a:latin typeface="宋体"/>
-                <a:ea typeface="华文细黑"/>
-                <a:cs typeface="Times New Roman"/>
-              </a:rPr>
-              <a:t>∴</a:t>
-            </a:r>
-            <a:r>
-              <a:rPr lang="en-US" altLang="zh-CN" sz="2800" i="1" kern="100">
-                <a:latin typeface="Times New Roman"/>
-                <a:ea typeface="华文细黑"/>
-                <a:cs typeface="Courier New"/>
-              </a:rPr>
-              <a:t>x</a:t>
-            </a:r>
-            <a:r>
-              <a:rPr lang="zh-CN" altLang="zh-CN" sz="2800" kern="100">
-                <a:latin typeface="Times New Roman"/>
-                <a:ea typeface="华文细黑"/>
-                <a:cs typeface="Times New Roman"/>
-              </a:rPr>
-              <a:t>＝</a:t>
-            </a:r>
-            <a:r>
-              <a:rPr lang="en-US" altLang="zh-CN" sz="2800" i="1" kern="100">
-                <a:latin typeface="Times New Roman"/>
-                <a:ea typeface="华文细黑"/>
-                <a:cs typeface="Courier New"/>
-              </a:rPr>
-              <a:t>c</a:t>
-            </a:r>
-            <a:r>
-              <a:rPr lang="en-US" altLang="zh-CN" sz="2800" kern="100">
-                <a:latin typeface="Times New Roman"/>
-                <a:ea typeface="华文细黑"/>
-                <a:cs typeface="Courier New"/>
-              </a:rPr>
-              <a:t>·</a:t>
-            </a:r>
-            <a:r>
-              <a:rPr lang="en-US" altLang="zh-CN" sz="2800" i="1" kern="100">
-                <a:latin typeface="Times New Roman"/>
-                <a:ea typeface="华文细黑"/>
-                <a:cs typeface="Courier New"/>
-              </a:rPr>
-              <a:t>a</a:t>
-            </a:r>
-            <a:r>
-              <a:rPr lang="en-US" altLang="zh-CN" sz="2800" i="1" kern="100" baseline="30000">
-                <a:latin typeface="Times New Roman"/>
-                <a:ea typeface="华文细黑"/>
-                <a:cs typeface="Courier New"/>
-              </a:rPr>
-              <a:t>b</a:t>
-            </a:r>
-            <a:r>
-              <a:rPr lang="en-US" altLang="zh-CN" sz="2800" kern="100">
-                <a:latin typeface="Times New Roman"/>
-                <a:ea typeface="华文细黑"/>
-                <a:cs typeface="Courier New"/>
-              </a:rPr>
-              <a:t>.</a:t>
-            </a:r>
-            <a:endParaRPr lang="zh-CN" altLang="zh-CN" sz="1050" kern="100">
-              <a:effectLst/>
-              <a:latin typeface="宋体"/>
-              <a:cs typeface="Courier New"/>
-            </a:endParaRPr>
-          </a:p>
-        </p:txBody>
-      </p:sp>
-    </p:spTree>
-    <p:extLst>
-      <p:ext uri="{BB962C8B-B14F-4D97-AF65-F5344CB8AC3E}">
-        <p14:creationId xmlns:p14="http://schemas.microsoft.com/office/powerpoint/2010/main" val="3786953225"/>
-      </p:ext>
-    </p:extLst>
-  </p:cSld>
-  <p:clrMapOvr>
-    <a:masterClrMapping/>
-  </p:clrMapOvr>
-  <p:timing>
-    <p:tnLst>
-      <p:par>
-        <p:cTn id="1" dur="indefinite" restart="never" nodeType="tmRoot">
-          <p:childTnLst>
-            <p:seq concurrent="1" nextAc="seek">
-              <p:cTn id="2" dur="indefinite" nodeType="mainSeq">
-                <p:childTnLst>
-                  <p:par>
-                    <p:cTn id="3" fill="hold">
-                      <p:stCondLst>
-                        <p:cond delay="indefinite"/>
-                      </p:stCondLst>
-                      <p:childTnLst>
-                        <p:par>
-                          <p:cTn id="4" fill="hold">
-                            <p:stCondLst>
-                              <p:cond delay="0"/>
-                            </p:stCondLst>
-                            <p:childTnLst>
-                              <p:par>
-                                <p:cTn id="5" presetID="3" presetClass="entr" presetSubtype="10" fill="hold" nodeType="clickEffect">
-                                  <p:stCondLst>
-                                    <p:cond delay="0"/>
-                                  </p:stCondLst>
-                                  <p:childTnLst>
-                                    <p:set>
-                                      <p:cBhvr>
-                                        <p:cTn id="6" dur="1" fill="hold">
-                                          <p:stCondLst>
-                                            <p:cond delay="0"/>
-                                          </p:stCondLst>
-                                        </p:cTn>
-                                        <p:tgtEl>
-                                          <p:spTgt spid="3"/>
-                                        </p:tgtEl>
-                                        <p:attrNameLst>
-                                          <p:attrName>style.visibility</p:attrName>
-                                        </p:attrNameLst>
-                                      </p:cBhvr>
-                                      <p:to>
-                                        <p:strVal val="visible"/>
-                                      </p:to>
-                                    </p:set>
-                                    <p:animEffect transition="in" filter="blinds(horizontal)">
-                                      <p:cBhvr>
-                                        <p:cTn id="7" dur="500"/>
-                                        <p:tgtEl>
-                                          <p:spTgt spid="3"/>
-                                        </p:tgtEl>
-                                      </p:cBhvr>
-                                    </p:animEffect>
-                                  </p:childTnLst>
-                                </p:cTn>
-                              </p:par>
-                              <p:par>
-                                <p:cTn id="8" presetID="3" presetClass="entr" presetSubtype="10" fill="hold" grpId="0" nodeType="withEffect">
-                                  <p:stCondLst>
-                                    <p:cond delay="0"/>
-                                  </p:stCondLst>
-                                  <p:childTnLst>
-                                    <p:set>
-                                      <p:cBhvr>
-                                        <p:cTn id="9" dur="1" fill="hold">
-                                          <p:stCondLst>
-                                            <p:cond delay="0"/>
-                                          </p:stCondLst>
-                                        </p:cTn>
-                                        <p:tgtEl>
-                                          <p:spTgt spid="10"/>
-                                        </p:tgtEl>
-                                        <p:attrNameLst>
-                                          <p:attrName>style.visibility</p:attrName>
-                                        </p:attrNameLst>
-                                      </p:cBhvr>
-                                      <p:to>
-                                        <p:strVal val="visible"/>
-                                      </p:to>
-                                    </p:set>
-                                    <p:animEffect transition="in" filter="blinds(horizontal)">
-                                      <p:cBhvr>
-                                        <p:cTn id="10" dur="500"/>
-                                        <p:tgtEl>
-                                          <p:spTgt spid="10"/>
-                                        </p:tgtEl>
-                                      </p:cBhvr>
-                                    </p:animEffect>
-                                  </p:childTnLst>
-                                </p:cTn>
-                              </p:par>
-                            </p:childTnLst>
-                          </p:cTn>
-                        </p:par>
-                      </p:childTnLst>
-                    </p:cTn>
-                  </p:par>
-                  <p:par>
-                    <p:cTn id="11" fill="hold">
-                      <p:stCondLst>
-                        <p:cond delay="indefinite"/>
-                      </p:stCondLst>
-                      <p:childTnLst>
-                        <p:par>
-                          <p:cTn id="12" fill="hold">
-                            <p:stCondLst>
-                              <p:cond delay="0"/>
-                            </p:stCondLst>
-                            <p:childTnLst>
-                              <p:par>
-                                <p:cTn id="13" presetID="3" presetClass="entr" presetSubtype="10" fill="hold" grpId="0" nodeType="clickEffect">
-                                  <p:stCondLst>
-                                    <p:cond delay="0"/>
-                                  </p:stCondLst>
-                                  <p:childTnLst>
-                                    <p:set>
-                                      <p:cBhvr>
-                                        <p:cTn id="14" dur="1" fill="hold">
-                                          <p:stCondLst>
-                                            <p:cond delay="0"/>
-                                          </p:stCondLst>
-                                        </p:cTn>
-                                        <p:tgtEl>
-                                          <p:spTgt spid="13"/>
-                                        </p:tgtEl>
-                                        <p:attrNameLst>
-                                          <p:attrName>style.visibility</p:attrName>
-                                        </p:attrNameLst>
-                                      </p:cBhvr>
-                                      <p:to>
-                                        <p:strVal val="visible"/>
-                                      </p:to>
-                                    </p:set>
-                                    <p:animEffect transition="in" filter="blinds(horizontal)">
-                                      <p:cBhvr>
-                                        <p:cTn id="15" dur="500"/>
-                                        <p:tgtEl>
-                                          <p:spTgt spid="13"/>
-                                        </p:tgtEl>
-                                      </p:cBhvr>
-                                    </p:animEffect>
-                                  </p:childTnLst>
-                                </p:cTn>
-                              </p:par>
-                            </p:childTnLst>
-                          </p:cTn>
-                        </p:par>
-                      </p:childTnLst>
-                    </p:cTn>
-                  </p:par>
-                  <p:par>
-                    <p:cTn id="16" fill="hold">
-                      <p:stCondLst>
-                        <p:cond delay="indefinite"/>
-                      </p:stCondLst>
-                      <p:childTnLst>
-                        <p:par>
-                          <p:cTn id="17" fill="hold">
-                            <p:stCondLst>
-                              <p:cond delay="0"/>
-                            </p:stCondLst>
-                            <p:childTnLst>
-                              <p:par>
-                                <p:cTn id="18" presetID="3" presetClass="entr" presetSubtype="10" fill="hold" nodeType="clickEffect">
-                                  <p:stCondLst>
-                                    <p:cond delay="0"/>
-                                  </p:stCondLst>
-                                  <p:childTnLst>
-                                    <p:set>
-                                      <p:cBhvr>
-                                        <p:cTn id="19" dur="1" fill="hold">
-                                          <p:stCondLst>
-                                            <p:cond delay="0"/>
-                                          </p:stCondLst>
-                                        </p:cTn>
-                                        <p:tgtEl>
-                                          <p:spTgt spid="12"/>
-                                        </p:tgtEl>
-                                        <p:attrNameLst>
-                                          <p:attrName>style.visibility</p:attrName>
-                                        </p:attrNameLst>
-                                      </p:cBhvr>
-                                      <p:to>
-                                        <p:strVal val="visible"/>
-                                      </p:to>
-                                    </p:set>
-                                    <p:animEffect transition="in" filter="blinds(horizontal)">
-                                      <p:cBhvr>
-                                        <p:cTn id="20" dur="500"/>
-                                        <p:tgtEl>
-                                          <p:spTgt spid="12"/>
-                                        </p:tgtEl>
-                                      </p:cBhvr>
-                                    </p:animEffect>
-                                  </p:childTnLst>
-                                </p:cTn>
-                              </p:par>
-                            </p:childTnLst>
-                          </p:cTn>
-                        </p:par>
-                      </p:childTnLst>
-                    </p:cTn>
-                  </p:par>
-                  <p:par>
-                    <p:cTn id="21" fill="hold">
-                      <p:stCondLst>
-                        <p:cond delay="indefinite"/>
-                      </p:stCondLst>
-                      <p:childTnLst>
-                        <p:par>
-                          <p:cTn id="22" fill="hold">
-                            <p:stCondLst>
-                              <p:cond delay="0"/>
-                            </p:stCondLst>
-                            <p:childTnLst>
-                              <p:par>
-                                <p:cTn id="23" presetID="3" presetClass="entr" presetSubtype="10" fill="hold" nodeType="clickEffect">
-                                  <p:stCondLst>
-                                    <p:cond delay="0"/>
-                                  </p:stCondLst>
-                                  <p:childTnLst>
-                                    <p:set>
-                                      <p:cBhvr>
-                                        <p:cTn id="24" dur="1" fill="hold">
-                                          <p:stCondLst>
-                                            <p:cond delay="0"/>
-                                          </p:stCondLst>
-                                        </p:cTn>
-                                        <p:tgtEl>
-                                          <p:spTgt spid="14">
-                                            <p:txEl>
-                                              <p:pRg st="0" end="0"/>
-                                            </p:txEl>
-                                          </p:spTgt>
-                                        </p:tgtEl>
-                                        <p:attrNameLst>
-                                          <p:attrName>style.visibility</p:attrName>
-                                        </p:attrNameLst>
-                                      </p:cBhvr>
-                                      <p:to>
-                                        <p:strVal val="visible"/>
-                                      </p:to>
-                                    </p:set>
-                                    <p:animEffect transition="in" filter="blinds(horizontal)">
-                                      <p:cBhvr>
-                                        <p:cTn id="25" dur="500"/>
-                                        <p:tgtEl>
-                                          <p:spTgt spid="14">
-                                            <p:txEl>
-                                              <p:pRg st="0" end="0"/>
-                                            </p:txEl>
-                                          </p:spTgt>
-                                        </p:tgtEl>
-                                      </p:cBhvr>
-                                    </p:animEffect>
-                                  </p:childTnLst>
-                                </p:cTn>
-                              </p:par>
-                            </p:childTnLst>
-                          </p:cTn>
-                        </p:par>
-                      </p:childTnLst>
-                    </p:cTn>
-                  </p:par>
-                  <p:par>
-                    <p:cTn id="26" fill="hold">
-                      <p:stCondLst>
-                        <p:cond delay="indefinite"/>
-                      </p:stCondLst>
-                      <p:childTnLst>
-                        <p:par>
-                          <p:cTn id="27" fill="hold">
-                            <p:stCondLst>
-                              <p:cond delay="0"/>
-                            </p:stCondLst>
-                            <p:childTnLst>
-                              <p:par>
-                                <p:cTn id="28" presetID="3" presetClass="entr" presetSubtype="10" fill="hold" nodeType="clickEffect">
-                                  <p:stCondLst>
-                                    <p:cond delay="0"/>
-                                  </p:stCondLst>
-                                  <p:childTnLst>
-                                    <p:set>
-                                      <p:cBhvr>
-                                        <p:cTn id="29" dur="1" fill="hold">
-                                          <p:stCondLst>
-                                            <p:cond delay="0"/>
-                                          </p:stCondLst>
-                                        </p:cTn>
-                                        <p:tgtEl>
-                                          <p:spTgt spid="14">
-                                            <p:txEl>
-                                              <p:pRg st="1" end="1"/>
-                                            </p:txEl>
-                                          </p:spTgt>
-                                        </p:tgtEl>
-                                        <p:attrNameLst>
-                                          <p:attrName>style.visibility</p:attrName>
-                                        </p:attrNameLst>
-                                      </p:cBhvr>
-                                      <p:to>
-                                        <p:strVal val="visible"/>
-                                      </p:to>
-                                    </p:set>
-                                    <p:animEffect transition="in" filter="blinds(horizontal)">
-                                      <p:cBhvr>
-                                        <p:cTn id="30" dur="500"/>
-                                        <p:tgtEl>
-                                          <p:spTgt spid="14">
-                                            <p:txEl>
-                                              <p:pRg st="1" end="1"/>
-                                            </p:txEl>
-                                          </p:spTgt>
-                                        </p:tgtEl>
-                                      </p:cBhvr>
-                                    </p:animEffect>
-                                  </p:childTnLst>
-                                </p:cTn>
-                              </p:par>
-                            </p:childTnLst>
-                          </p:cTn>
-                        </p:par>
-                      </p:childTnLst>
-                    </p:cTn>
-                  </p:par>
-                  <p:par>
-                    <p:cTn id="31" fill="hold">
-                      <p:stCondLst>
-                        <p:cond delay="indefinite"/>
-                      </p:stCondLst>
-                      <p:childTnLst>
-                        <p:par>
-                          <p:cTn id="32" fill="hold">
-                            <p:stCondLst>
-                              <p:cond delay="0"/>
-                            </p:stCondLst>
-                            <p:childTnLst>
-                              <p:par>
-                                <p:cTn id="33" presetID="10" presetClass="exit" presetSubtype="0" fill="hold" nodeType="clickEffect">
-                                  <p:stCondLst>
-                                    <p:cond delay="0"/>
-                                  </p:stCondLst>
-                                  <p:childTnLst>
-                                    <p:animEffect transition="out" filter="fade">
-                                      <p:cBhvr>
-                                        <p:cTn id="34" dur="500"/>
-                                        <p:tgtEl>
-                                          <p:spTgt spid="3"/>
-                                        </p:tgtEl>
-                                      </p:cBhvr>
-                                    </p:animEffect>
-                                    <p:set>
-                                      <p:cBhvr>
-                                        <p:cTn id="35" dur="1" fill="hold">
-                                          <p:stCondLst>
-                                            <p:cond delay="499"/>
-                                          </p:stCondLst>
-                                        </p:cTn>
-                                        <p:tgtEl>
-                                          <p:spTgt spid="3"/>
-                                        </p:tgtEl>
-                                        <p:attrNameLst>
-                                          <p:attrName>style.visibility</p:attrName>
-                                        </p:attrNameLst>
-                                      </p:cBhvr>
-                                      <p:to>
-                                        <p:strVal val="hidden"/>
-                                      </p:to>
-                                    </p:set>
-                                  </p:childTnLst>
-                                </p:cTn>
-                              </p:par>
-                              <p:par>
-                                <p:cTn id="36" presetID="10" presetClass="exit" presetSubtype="0" fill="hold" grpId="1" nodeType="withEffect">
-                                  <p:stCondLst>
-                                    <p:cond delay="0"/>
-                                  </p:stCondLst>
-                                  <p:childTnLst>
-                                    <p:animEffect transition="out" filter="fade">
-                                      <p:cBhvr>
-                                        <p:cTn id="37" dur="500"/>
-                                        <p:tgtEl>
-                                          <p:spTgt spid="10"/>
-                                        </p:tgtEl>
-                                      </p:cBhvr>
-                                    </p:animEffect>
-                                    <p:set>
-                                      <p:cBhvr>
-                                        <p:cTn id="38" dur="1" fill="hold">
-                                          <p:stCondLst>
-                                            <p:cond delay="499"/>
-                                          </p:stCondLst>
-                                        </p:cTn>
-                                        <p:tgtEl>
-                                          <p:spTgt spid="10"/>
-                                        </p:tgtEl>
-                                        <p:attrNameLst>
-                                          <p:attrName>style.visibility</p:attrName>
-                                        </p:attrNameLst>
-                                      </p:cBhvr>
-                                      <p:to>
-                                        <p:strVal val="hidden"/>
-                                      </p:to>
-                                    </p:set>
-                                  </p:childTnLst>
-                                </p:cTn>
-                              </p:par>
-                              <p:par>
-                                <p:cTn id="39" presetID="10" presetClass="exit" presetSubtype="0" fill="hold" grpId="1" nodeType="withEffect">
-                                  <p:stCondLst>
-                                    <p:cond delay="0"/>
-                                  </p:stCondLst>
-                                  <p:childTnLst>
-                                    <p:animEffect transition="out" filter="fade">
-                                      <p:cBhvr>
-                                        <p:cTn id="40" dur="500"/>
-                                        <p:tgtEl>
-                                          <p:spTgt spid="13"/>
-                                        </p:tgtEl>
-                                      </p:cBhvr>
-                                    </p:animEffect>
-                                    <p:set>
-                                      <p:cBhvr>
-                                        <p:cTn id="41" dur="1" fill="hold">
-                                          <p:stCondLst>
-                                            <p:cond delay="499"/>
-                                          </p:stCondLst>
-                                        </p:cTn>
-                                        <p:tgtEl>
-                                          <p:spTgt spid="13"/>
-                                        </p:tgtEl>
-                                        <p:attrNameLst>
-                                          <p:attrName>style.visibility</p:attrName>
-                                        </p:attrNameLst>
-                                      </p:cBhvr>
-                                      <p:to>
-                                        <p:strVal val="hidden"/>
-                                      </p:to>
-                                    </p:set>
-                                  </p:childTnLst>
-                                </p:cTn>
-                              </p:par>
-                              <p:par>
-                                <p:cTn id="42" presetID="10" presetClass="exit" presetSubtype="0" fill="hold" nodeType="withEffect">
-                                  <p:stCondLst>
-                                    <p:cond delay="0"/>
-                                  </p:stCondLst>
-                                  <p:childTnLst>
-                                    <p:animEffect transition="out" filter="fade">
-                                      <p:cBhvr>
-                                        <p:cTn id="43" dur="500"/>
-                                        <p:tgtEl>
-                                          <p:spTgt spid="12"/>
-                                        </p:tgtEl>
-                                      </p:cBhvr>
-                                    </p:animEffect>
-                                    <p:set>
-                                      <p:cBhvr>
-                                        <p:cTn id="44" dur="1" fill="hold">
-                                          <p:stCondLst>
-                                            <p:cond delay="499"/>
-                                          </p:stCondLst>
-                                        </p:cTn>
-                                        <p:tgtEl>
-                                          <p:spTgt spid="12"/>
-                                        </p:tgtEl>
-                                        <p:attrNameLst>
-                                          <p:attrName>style.visibility</p:attrName>
-                                        </p:attrNameLst>
-                                      </p:cBhvr>
-                                      <p:to>
-                                        <p:strVal val="hidden"/>
-                                      </p:to>
-                                    </p:set>
-                                  </p:childTnLst>
-                                </p:cTn>
-                              </p:par>
-                              <p:par>
-                                <p:cTn id="45" presetID="10" presetClass="exit" presetSubtype="0" fill="hold" grpId="0" nodeType="withEffect">
-                                  <p:stCondLst>
-                                    <p:cond delay="0"/>
-                                  </p:stCondLst>
-                                  <p:childTnLst>
-                                    <p:animEffect transition="out" filter="fade">
-                                      <p:cBhvr>
-                                        <p:cTn id="46" dur="500"/>
-                                        <p:tgtEl>
-                                          <p:spTgt spid="14">
-                                            <p:txEl>
-                                              <p:pRg st="0" end="0"/>
-                                            </p:txEl>
-                                          </p:spTgt>
-                                        </p:tgtEl>
-                                      </p:cBhvr>
-                                    </p:animEffect>
-                                    <p:set>
-                                      <p:cBhvr>
-                                        <p:cTn id="47" dur="1" fill="hold">
-                                          <p:stCondLst>
-                                            <p:cond delay="499"/>
-                                          </p:stCondLst>
-                                        </p:cTn>
-                                        <p:tgtEl>
-                                          <p:spTgt spid="14">
-                                            <p:txEl>
-                                              <p:pRg st="0" end="0"/>
-                                            </p:txEl>
-                                          </p:spTgt>
-                                        </p:tgtEl>
-                                        <p:attrNameLst>
-                                          <p:attrName>style.visibility</p:attrName>
-                                        </p:attrNameLst>
-                                      </p:cBhvr>
-                                      <p:to>
-                                        <p:strVal val="hidden"/>
-                                      </p:to>
-                                    </p:set>
-                                  </p:childTnLst>
-                                </p:cTn>
-                              </p:par>
-                              <p:par>
-                                <p:cTn id="48" presetID="10" presetClass="exit" presetSubtype="0" fill="hold" grpId="0" nodeType="withEffect">
-                                  <p:stCondLst>
-                                    <p:cond delay="0"/>
-                                  </p:stCondLst>
-                                  <p:childTnLst>
-                                    <p:animEffect transition="out" filter="fade">
-                                      <p:cBhvr>
-                                        <p:cTn id="49" dur="500"/>
-                                        <p:tgtEl>
-                                          <p:spTgt spid="14">
-                                            <p:txEl>
-                                              <p:pRg st="1" end="1"/>
-                                            </p:txEl>
-                                          </p:spTgt>
-                                        </p:tgtEl>
-                                      </p:cBhvr>
-                                    </p:animEffect>
-                                    <p:set>
-                                      <p:cBhvr>
-                                        <p:cTn id="50" dur="1" fill="hold">
-                                          <p:stCondLst>
-                                            <p:cond delay="499"/>
-                                          </p:stCondLst>
-                                        </p:cTn>
-                                        <p:tgtEl>
-                                          <p:spTgt spid="14">
-                                            <p:txEl>
-                                              <p:pRg st="1" end="1"/>
-                                            </p:txEl>
-                                          </p:spTgt>
-                                        </p:tgtEl>
-                                        <p:attrNameLst>
-                                          <p:attrName>style.visibility</p:attrName>
-                                        </p:attrNameLst>
-                                      </p:cBhvr>
-                                      <p:to>
-                                        <p:strVal val="hidden"/>
-                                      </p:to>
-                                    </p:set>
-                                  </p:childTnLst>
-                                </p:cTn>
-                              </p:par>
-                            </p:childTnLst>
-                          </p:cTn>
-                        </p:par>
-                      </p:childTnLst>
-                    </p:cTn>
-                  </p:par>
-                </p:childTnLst>
-              </p:cTn>
-              <p:prevCondLst>
-                <p:cond evt="onPrev" delay="0">
-                  <p:tgtEl>
-                    <p:sldTgt/>
-                  </p:tgtEl>
-                </p:cond>
-              </p:prevCondLst>
-              <p:nextCondLst>
-                <p:cond evt="onNext" delay="0">
-                  <p:tgtEl>
-                    <p:sldTgt/>
-                  </p:tgtEl>
-                </p:cond>
-              </p:nextCondLst>
-            </p:seq>
-          </p:childTnLst>
-        </p:cTn>
-      </p:par>
-    </p:tnLst>
-    <p:bldLst>
-      <p:bldP spid="10" grpId="0"/>
-      <p:bldP spid="10" grpId="1"/>
-      <p:bldP spid="13" grpId="0"/>
-      <p:bldP spid="13" grpId="1"/>
-      <p:bldP spid="14" grpId="0" build="allAtOnce"/>
-    </p:bldLst>
-  </p:timing>
-</p:sld>
-</file>
-
-<file path=ppt/slides/slide17.xml><?xml version="1.0" encoding="utf-8"?>
+<file path=ppt/slides/slide15.xml><?xml version="1.0" encoding="utf-8"?>
 <p:sld xmlns:a="http://schemas.openxmlformats.org/drawingml/2006/main" xmlns:r="http://schemas.openxmlformats.org/officeDocument/2006/relationships" xmlns:p="http://schemas.openxmlformats.org/presentationml/2006/main">
   <p:cSld>
     <p:spTree>
@@ -7310,7 +5425,7 @@
 </p:sld>
 </file>
 
-<file path=ppt/slides/slide18.xml><?xml version="1.0" encoding="utf-8"?>
+<file path=ppt/slides/slide16.xml><?xml version="1.0" encoding="utf-8"?>
 <p:sld xmlns:a="http://schemas.openxmlformats.org/drawingml/2006/main" xmlns:r="http://schemas.openxmlformats.org/officeDocument/2006/relationships" xmlns:p="http://schemas.openxmlformats.org/presentationml/2006/main">
   <p:cSld>
     <p:spTree>
@@ -8014,7 +6129,7 @@
           <a:graphicData uri="http://schemas.openxmlformats.org/presentationml/2006/ole">
             <mc:AlternateContent xmlns:mc="http://schemas.openxmlformats.org/markup-compatibility/2006">
               <mc:Choice xmlns:v="urn:schemas-microsoft-com:vml" Requires="v">
-                <p:oleObj spid="_x0000_s22597" name="Document" r:id="rId8" imgW="8218328" imgH="5386735" progId="Word.Document.8">
+                <p:oleObj spid="_x0000_s22599" name="Document" r:id="rId8" imgW="8218328" imgH="5386735" progId="Word.Document.8">
                   <p:embed/>
                 </p:oleObj>
               </mc:Choice>
@@ -8238,7 +6353,7 @@
 </p:sld>
 </file>
 
-<file path=ppt/slides/slide19.xml><?xml version="1.0" encoding="utf-8"?>
+<file path=ppt/slides/slide17.xml><?xml version="1.0" encoding="utf-8"?>
 <p:sld xmlns:a="http://schemas.openxmlformats.org/drawingml/2006/main" xmlns:r="http://schemas.openxmlformats.org/officeDocument/2006/relationships" xmlns:p="http://schemas.openxmlformats.org/presentationml/2006/main">
   <p:cSld>
     <p:spTree>
@@ -8693,7 +6808,7 @@
           <a:graphicData uri="http://schemas.openxmlformats.org/presentationml/2006/ole">
             <mc:AlternateContent xmlns:mc="http://schemas.openxmlformats.org/markup-compatibility/2006">
               <mc:Choice xmlns:v="urn:schemas-microsoft-com:vml" Requires="v">
-                <p:oleObj spid="_x0000_s57349" name="Document" r:id="rId8" imgW="10615175" imgH="5383860" progId="Word.Document.8">
+                <p:oleObj spid="_x0000_s57351" name="Document" r:id="rId8" imgW="10615175" imgH="5383860" progId="Word.Document.8">
                   <p:embed/>
                 </p:oleObj>
               </mc:Choice>
@@ -8768,6 +6883,1431 @@
     <p:extLst>
       <p:ext uri="{BB962C8B-B14F-4D97-AF65-F5344CB8AC3E}">
         <p14:creationId xmlns:p14="http://schemas.microsoft.com/office/powerpoint/2010/main" val="1150584230"/>
+      </p:ext>
+    </p:extLst>
+  </p:cSld>
+  <p:clrMapOvr>
+    <a:masterClrMapping/>
+  </p:clrMapOvr>
+  <p:timing>
+    <p:tnLst>
+      <p:par>
+        <p:cTn id="1" dur="indefinite" restart="never" nodeType="tmRoot">
+          <p:childTnLst>
+            <p:seq concurrent="1" nextAc="seek">
+              <p:cTn id="2" dur="indefinite" nodeType="mainSeq">
+                <p:childTnLst>
+                  <p:par>
+                    <p:cTn id="3" fill="hold">
+                      <p:stCondLst>
+                        <p:cond delay="indefinite"/>
+                      </p:stCondLst>
+                      <p:childTnLst>
+                        <p:par>
+                          <p:cTn id="4" fill="hold">
+                            <p:stCondLst>
+                              <p:cond delay="0"/>
+                            </p:stCondLst>
+                            <p:childTnLst>
+                              <p:par>
+                                <p:cTn id="5" presetID="3" presetClass="entr" presetSubtype="10" fill="hold" grpId="0" nodeType="clickEffect">
+                                  <p:stCondLst>
+                                    <p:cond delay="0"/>
+                                  </p:stCondLst>
+                                  <p:childTnLst>
+                                    <p:set>
+                                      <p:cBhvr>
+                                        <p:cTn id="6" dur="1" fill="hold">
+                                          <p:stCondLst>
+                                            <p:cond delay="0"/>
+                                          </p:stCondLst>
+                                        </p:cTn>
+                                        <p:tgtEl>
+                                          <p:spTgt spid="3"/>
+                                        </p:tgtEl>
+                                        <p:attrNameLst>
+                                          <p:attrName>style.visibility</p:attrName>
+                                        </p:attrNameLst>
+                                      </p:cBhvr>
+                                      <p:to>
+                                        <p:strVal val="visible"/>
+                                      </p:to>
+                                    </p:set>
+                                    <p:animEffect transition="in" filter="blinds(horizontal)">
+                                      <p:cBhvr>
+                                        <p:cTn id="7" dur="500"/>
+                                        <p:tgtEl>
+                                          <p:spTgt spid="3"/>
+                                        </p:tgtEl>
+                                      </p:cBhvr>
+                                    </p:animEffect>
+                                  </p:childTnLst>
+                                </p:cTn>
+                              </p:par>
+                            </p:childTnLst>
+                          </p:cTn>
+                        </p:par>
+                      </p:childTnLst>
+                    </p:cTn>
+                  </p:par>
+                  <p:par>
+                    <p:cTn id="8" fill="hold">
+                      <p:stCondLst>
+                        <p:cond delay="indefinite"/>
+                      </p:stCondLst>
+                      <p:childTnLst>
+                        <p:par>
+                          <p:cTn id="9" fill="hold">
+                            <p:stCondLst>
+                              <p:cond delay="0"/>
+                            </p:stCondLst>
+                            <p:childTnLst>
+                              <p:par>
+                                <p:cTn id="10" presetID="10" presetClass="exit" presetSubtype="0" fill="hold" grpId="1" nodeType="clickEffect">
+                                  <p:stCondLst>
+                                    <p:cond delay="0"/>
+                                  </p:stCondLst>
+                                  <p:childTnLst>
+                                    <p:animEffect transition="out" filter="fade">
+                                      <p:cBhvr>
+                                        <p:cTn id="11" dur="500"/>
+                                        <p:tgtEl>
+                                          <p:spTgt spid="3"/>
+                                        </p:tgtEl>
+                                      </p:cBhvr>
+                                    </p:animEffect>
+                                    <p:set>
+                                      <p:cBhvr>
+                                        <p:cTn id="12" dur="1" fill="hold">
+                                          <p:stCondLst>
+                                            <p:cond delay="499"/>
+                                          </p:stCondLst>
+                                        </p:cTn>
+                                        <p:tgtEl>
+                                          <p:spTgt spid="3"/>
+                                        </p:tgtEl>
+                                        <p:attrNameLst>
+                                          <p:attrName>style.visibility</p:attrName>
+                                        </p:attrNameLst>
+                                      </p:cBhvr>
+                                      <p:to>
+                                        <p:strVal val="hidden"/>
+                                      </p:to>
+                                    </p:set>
+                                  </p:childTnLst>
+                                </p:cTn>
+                              </p:par>
+                            </p:childTnLst>
+                          </p:cTn>
+                        </p:par>
+                      </p:childTnLst>
+                    </p:cTn>
+                  </p:par>
+                </p:childTnLst>
+              </p:cTn>
+              <p:prevCondLst>
+                <p:cond evt="onPrev" delay="0">
+                  <p:tgtEl>
+                    <p:sldTgt/>
+                  </p:tgtEl>
+                </p:cond>
+              </p:prevCondLst>
+              <p:nextCondLst>
+                <p:cond evt="onNext" delay="0">
+                  <p:tgtEl>
+                    <p:sldTgt/>
+                  </p:tgtEl>
+                </p:cond>
+              </p:nextCondLst>
+            </p:seq>
+          </p:childTnLst>
+        </p:cTn>
+      </p:par>
+    </p:tnLst>
+    <p:bldLst>
+      <p:bldP spid="3" grpId="0"/>
+      <p:bldP spid="3" grpId="1"/>
+    </p:bldLst>
+  </p:timing>
+</p:sld>
+</file>
+
+<file path=ppt/slides/slide18.xml><?xml version="1.0" encoding="utf-8"?>
+<p:sld xmlns:a="http://schemas.openxmlformats.org/drawingml/2006/main" xmlns:r="http://schemas.openxmlformats.org/officeDocument/2006/relationships" xmlns:p="http://schemas.openxmlformats.org/presentationml/2006/main">
+  <p:cSld>
+    <p:spTree>
+      <p:nvGrpSpPr>
+        <p:cNvPr id="1" name=""/>
+        <p:cNvGrpSpPr/>
+        <p:nvPr/>
+      </p:nvGrpSpPr>
+      <p:grpSpPr>
+        <a:xfrm>
+          <a:off x="0" y="0"/>
+          <a:ext cx="0" cy="0"/>
+          <a:chOff x="0" y="0"/>
+          <a:chExt cx="0" cy="0"/>
+        </a:xfrm>
+      </p:grpSpPr>
+      <p:sp>
+        <p:nvSpPr>
+          <p:cNvPr id="19" name="Rectangle 21">
+            <a:hlinkClick r:id="rId3" action="ppaction://hlinksldjump"/>
+          </p:cNvPr>
+          <p:cNvSpPr>
+            <a:spLocks noChangeArrowheads="1"/>
+          </p:cNvSpPr>
+          <p:nvPr/>
+        </p:nvSpPr>
+        <p:spPr bwMode="auto">
+          <a:xfrm>
+            <a:off x="9983638" y="45615"/>
+            <a:ext cx="360288" cy="575867"/>
+          </a:xfrm>
+          <a:prstGeom prst="rect">
+            <a:avLst/>
+          </a:prstGeom>
+          <a:noFill/>
+          <a:ln>
+            <a:noFill/>
+          </a:ln>
+          <a:effectLst/>
+          <a:extLst>
+            <a:ext uri="{909E8E84-426E-40DD-AFC4-6F175D3DCCD1}">
+              <a14:hiddenFill xmlns:a14="http://schemas.microsoft.com/office/drawing/2010/main">
+                <a:solidFill>
+                  <a:schemeClr val="bg1"/>
+                </a:solidFill>
+              </a14:hiddenFill>
+            </a:ext>
+            <a:ext uri="{91240B29-F687-4F45-9708-019B960494DF}">
+              <a14:hiddenLine xmlns:a14="http://schemas.microsoft.com/office/drawing/2010/main" w="9525">
+                <a:solidFill>
+                  <a:schemeClr val="tx1"/>
+                </a:solidFill>
+                <a:miter lim="800000"/>
+                <a:headEnd/>
+                <a:tailEnd/>
+              </a14:hiddenLine>
+            </a:ext>
+            <a:ext uri="{AF507438-7753-43E0-B8FC-AC1667EBCBE1}">
+              <a14:hiddenEffects xmlns:a14="http://schemas.microsoft.com/office/drawing/2010/main">
+                <a:effectLst>
+                  <a:outerShdw dist="35921" dir="2700000" algn="ctr" rotWithShape="0">
+                    <a:schemeClr val="bg2"/>
+                  </a:outerShdw>
+                </a:effectLst>
+              </a14:hiddenEffects>
+            </a:ext>
+          </a:extLst>
+        </p:spPr>
+        <p:txBody>
+          <a:bodyPr wrap="none" lIns="121898" tIns="60948" rIns="121898" bIns="60948" anchor="ctr"/>
+          <a:lstStyle/>
+          <a:p>
+            <a:pPr algn="r" defTabSz="914400"/>
+            <a:r>
+              <a:rPr lang="en-US" altLang="zh-CN" sz="2000" dirty="0">
+                <a:effectLst>
+                  <a:reflection blurRad="6350" stA="55000" endA="300" endPos="45500" dir="5400000" sy="-100000" algn="bl" rotWithShape="0"/>
+                </a:effectLst>
+                <a:latin typeface="Broadway" pitchFamily="82" charset="0"/>
+                <a:ea typeface="楷体" pitchFamily="49" charset="-122"/>
+                <a:cs typeface="经典繁仿黑" pitchFamily="49" charset="-122"/>
+              </a:rPr>
+              <a:t>1</a:t>
+            </a:r>
+          </a:p>
+        </p:txBody>
+      </p:sp>
+      <p:sp>
+        <p:nvSpPr>
+          <p:cNvPr id="21" name="Rectangle 21">
+            <a:hlinkClick r:id="rId4" action="ppaction://hlinksldjump"/>
+          </p:cNvPr>
+          <p:cNvSpPr>
+            <a:spLocks noChangeArrowheads="1"/>
+          </p:cNvSpPr>
+          <p:nvPr/>
+        </p:nvSpPr>
+        <p:spPr bwMode="auto">
+          <a:xfrm>
+            <a:off x="10416350" y="45615"/>
+            <a:ext cx="360288" cy="575867"/>
+          </a:xfrm>
+          <a:prstGeom prst="rect">
+            <a:avLst/>
+          </a:prstGeom>
+          <a:noFill/>
+          <a:ln>
+            <a:noFill/>
+          </a:ln>
+          <a:effectLst/>
+          <a:extLst>
+            <a:ext uri="{909E8E84-426E-40DD-AFC4-6F175D3DCCD1}">
+              <a14:hiddenFill xmlns:a14="http://schemas.microsoft.com/office/drawing/2010/main">
+                <a:solidFill>
+                  <a:schemeClr val="bg1"/>
+                </a:solidFill>
+              </a14:hiddenFill>
+            </a:ext>
+            <a:ext uri="{91240B29-F687-4F45-9708-019B960494DF}">
+              <a14:hiddenLine xmlns:a14="http://schemas.microsoft.com/office/drawing/2010/main" w="9525">
+                <a:solidFill>
+                  <a:schemeClr val="tx1"/>
+                </a:solidFill>
+                <a:miter lim="800000"/>
+                <a:headEnd/>
+                <a:tailEnd/>
+              </a14:hiddenLine>
+            </a:ext>
+            <a:ext uri="{AF507438-7753-43E0-B8FC-AC1667EBCBE1}">
+              <a14:hiddenEffects xmlns:a14="http://schemas.microsoft.com/office/drawing/2010/main">
+                <a:effectLst>
+                  <a:outerShdw dist="35921" dir="2700000" algn="ctr" rotWithShape="0">
+                    <a:schemeClr val="bg2"/>
+                  </a:outerShdw>
+                </a:effectLst>
+              </a14:hiddenEffects>
+            </a:ext>
+          </a:extLst>
+        </p:spPr>
+        <p:txBody>
+          <a:bodyPr wrap="none" lIns="121898" tIns="60948" rIns="121898" bIns="60948" anchor="ctr"/>
+          <a:lstStyle/>
+          <a:p>
+            <a:pPr algn="ctr" defTabSz="914400"/>
+            <a:r>
+              <a:rPr lang="en-US" altLang="zh-CN" sz="2000" dirty="0">
+                <a:effectLst>
+                  <a:reflection blurRad="6350" stA="55000" endA="300" endPos="45500" dir="5400000" sy="-100000" algn="bl" rotWithShape="0"/>
+                </a:effectLst>
+                <a:latin typeface="Broadway" pitchFamily="82" charset="0"/>
+                <a:ea typeface="楷体" pitchFamily="49" charset="-122"/>
+                <a:cs typeface="经典繁仿黑" pitchFamily="49" charset="-122"/>
+              </a:rPr>
+              <a:t>2</a:t>
+            </a:r>
+          </a:p>
+        </p:txBody>
+      </p:sp>
+      <p:sp>
+        <p:nvSpPr>
+          <p:cNvPr id="22" name="Rectangle 21">
+            <a:hlinkClick r:id="rId5" action="ppaction://hlinksldjump"/>
+          </p:cNvPr>
+          <p:cNvSpPr>
+            <a:spLocks noChangeArrowheads="1"/>
+          </p:cNvSpPr>
+          <p:nvPr/>
+        </p:nvSpPr>
+        <p:spPr bwMode="auto">
+          <a:xfrm>
+            <a:off x="10849062" y="45615"/>
+            <a:ext cx="360288" cy="575867"/>
+          </a:xfrm>
+          <a:prstGeom prst="rect">
+            <a:avLst/>
+          </a:prstGeom>
+          <a:noFill/>
+          <a:ln>
+            <a:noFill/>
+          </a:ln>
+          <a:effectLst/>
+          <a:extLst>
+            <a:ext uri="{909E8E84-426E-40DD-AFC4-6F175D3DCCD1}">
+              <a14:hiddenFill xmlns:a14="http://schemas.microsoft.com/office/drawing/2010/main">
+                <a:solidFill>
+                  <a:schemeClr val="bg1"/>
+                </a:solidFill>
+              </a14:hiddenFill>
+            </a:ext>
+            <a:ext uri="{91240B29-F687-4F45-9708-019B960494DF}">
+              <a14:hiddenLine xmlns:a14="http://schemas.microsoft.com/office/drawing/2010/main" w="9525">
+                <a:solidFill>
+                  <a:schemeClr val="tx1"/>
+                </a:solidFill>
+                <a:miter lim="800000"/>
+                <a:headEnd/>
+                <a:tailEnd/>
+              </a14:hiddenLine>
+            </a:ext>
+            <a:ext uri="{AF507438-7753-43E0-B8FC-AC1667EBCBE1}">
+              <a14:hiddenEffects xmlns:a14="http://schemas.microsoft.com/office/drawing/2010/main">
+                <a:effectLst>
+                  <a:outerShdw dist="35921" dir="2700000" algn="ctr" rotWithShape="0">
+                    <a:schemeClr val="bg2"/>
+                  </a:outerShdw>
+                </a:effectLst>
+              </a14:hiddenEffects>
+            </a:ext>
+          </a:extLst>
+        </p:spPr>
+        <p:txBody>
+          <a:bodyPr wrap="none" lIns="121898" tIns="60948" rIns="121898" bIns="60948" anchor="ctr"/>
+          <a:lstStyle/>
+          <a:p>
+            <a:pPr algn="ctr" defTabSz="914400"/>
+            <a:r>
+              <a:rPr lang="en-US" altLang="zh-CN" sz="2000" dirty="0">
+                <a:solidFill>
+                  <a:srgbClr val="0000FF"/>
+                </a:solidFill>
+                <a:effectLst>
+                  <a:reflection blurRad="6350" stA="55000" endA="300" endPos="45500" dir="5400000" sy="-100000" algn="bl" rotWithShape="0"/>
+                </a:effectLst>
+                <a:latin typeface="Broadway" pitchFamily="82" charset="0"/>
+                <a:ea typeface="楷体" pitchFamily="49" charset="-122"/>
+                <a:cs typeface="经典繁仿黑" pitchFamily="49" charset="-122"/>
+              </a:rPr>
+              <a:t>3</a:t>
+            </a:r>
+          </a:p>
+        </p:txBody>
+      </p:sp>
+      <p:sp>
+        <p:nvSpPr>
+          <p:cNvPr id="25" name="Rectangle 21">
+            <a:hlinkClick r:id="rId6" action="ppaction://hlinksldjump"/>
+          </p:cNvPr>
+          <p:cNvSpPr>
+            <a:spLocks noChangeArrowheads="1"/>
+          </p:cNvSpPr>
+          <p:nvPr/>
+        </p:nvSpPr>
+        <p:spPr bwMode="auto">
+          <a:xfrm>
+            <a:off x="11297920" y="45418"/>
+            <a:ext cx="360288" cy="575867"/>
+          </a:xfrm>
+          <a:prstGeom prst="rect">
+            <a:avLst/>
+          </a:prstGeom>
+          <a:noFill/>
+          <a:ln>
+            <a:noFill/>
+          </a:ln>
+          <a:effectLst/>
+          <a:extLst>
+            <a:ext uri="{909E8E84-426E-40DD-AFC4-6F175D3DCCD1}">
+              <a14:hiddenFill xmlns:a14="http://schemas.microsoft.com/office/drawing/2010/main">
+                <a:solidFill>
+                  <a:schemeClr val="bg1"/>
+                </a:solidFill>
+              </a14:hiddenFill>
+            </a:ext>
+            <a:ext uri="{91240B29-F687-4F45-9708-019B960494DF}">
+              <a14:hiddenLine xmlns:a14="http://schemas.microsoft.com/office/drawing/2010/main" w="9525">
+                <a:solidFill>
+                  <a:schemeClr val="tx1"/>
+                </a:solidFill>
+                <a:miter lim="800000"/>
+                <a:headEnd/>
+                <a:tailEnd/>
+              </a14:hiddenLine>
+            </a:ext>
+            <a:ext uri="{AF507438-7753-43E0-B8FC-AC1667EBCBE1}">
+              <a14:hiddenEffects xmlns:a14="http://schemas.microsoft.com/office/drawing/2010/main">
+                <a:effectLst>
+                  <a:outerShdw dist="35921" dir="2700000" algn="ctr" rotWithShape="0">
+                    <a:schemeClr val="bg2"/>
+                  </a:outerShdw>
+                </a:effectLst>
+              </a14:hiddenEffects>
+            </a:ext>
+          </a:extLst>
+        </p:spPr>
+        <p:txBody>
+          <a:bodyPr wrap="none" lIns="121898" tIns="60948" rIns="121898" bIns="60948" anchor="ctr"/>
+          <a:lstStyle/>
+          <a:p>
+            <a:pPr algn="ctr" defTabSz="914400"/>
+            <a:r>
+              <a:rPr lang="en-US" altLang="zh-CN" sz="2000">
+                <a:effectLst>
+                  <a:reflection blurRad="6350" stA="55000" endA="300" endPos="45500" dir="5400000" sy="-100000" algn="bl" rotWithShape="0"/>
+                </a:effectLst>
+                <a:latin typeface="Broadway" pitchFamily="82" charset="0"/>
+                <a:ea typeface="楷体" pitchFamily="49" charset="-122"/>
+                <a:cs typeface="经典繁仿黑" pitchFamily="49" charset="-122"/>
+              </a:rPr>
+              <a:t>4</a:t>
+            </a:r>
+            <a:endParaRPr lang="en-US" altLang="zh-CN" sz="2000" dirty="0">
+              <a:effectLst>
+                <a:reflection blurRad="6350" stA="55000" endA="300" endPos="45500" dir="5400000" sy="-100000" algn="bl" rotWithShape="0"/>
+              </a:effectLst>
+              <a:latin typeface="Broadway" pitchFamily="82" charset="0"/>
+              <a:ea typeface="楷体" pitchFamily="49" charset="-122"/>
+              <a:cs typeface="经典繁仿黑" pitchFamily="49" charset="-122"/>
+            </a:endParaRPr>
+          </a:p>
+        </p:txBody>
+      </p:sp>
+      <p:sp>
+        <p:nvSpPr>
+          <p:cNvPr id="26" name="Rectangle 21">
+            <a:hlinkClick r:id="rId7" action="ppaction://hlinksldjump"/>
+          </p:cNvPr>
+          <p:cNvSpPr>
+            <a:spLocks noChangeArrowheads="1"/>
+          </p:cNvSpPr>
+          <p:nvPr/>
+        </p:nvSpPr>
+        <p:spPr bwMode="auto">
+          <a:xfrm>
+            <a:off x="11730632" y="45418"/>
+            <a:ext cx="360288" cy="575867"/>
+          </a:xfrm>
+          <a:prstGeom prst="rect">
+            <a:avLst/>
+          </a:prstGeom>
+          <a:noFill/>
+          <a:ln>
+            <a:noFill/>
+          </a:ln>
+          <a:effectLst/>
+          <a:extLst>
+            <a:ext uri="{909E8E84-426E-40DD-AFC4-6F175D3DCCD1}">
+              <a14:hiddenFill xmlns:a14="http://schemas.microsoft.com/office/drawing/2010/main">
+                <a:solidFill>
+                  <a:schemeClr val="bg1"/>
+                </a:solidFill>
+              </a14:hiddenFill>
+            </a:ext>
+            <a:ext uri="{91240B29-F687-4F45-9708-019B960494DF}">
+              <a14:hiddenLine xmlns:a14="http://schemas.microsoft.com/office/drawing/2010/main" w="9525">
+                <a:solidFill>
+                  <a:schemeClr val="tx1"/>
+                </a:solidFill>
+                <a:miter lim="800000"/>
+                <a:headEnd/>
+                <a:tailEnd/>
+              </a14:hiddenLine>
+            </a:ext>
+            <a:ext uri="{AF507438-7753-43E0-B8FC-AC1667EBCBE1}">
+              <a14:hiddenEffects xmlns:a14="http://schemas.microsoft.com/office/drawing/2010/main">
+                <a:effectLst>
+                  <a:outerShdw dist="35921" dir="2700000" algn="ctr" rotWithShape="0">
+                    <a:schemeClr val="bg2"/>
+                  </a:outerShdw>
+                </a:effectLst>
+              </a14:hiddenEffects>
+            </a:ext>
+          </a:extLst>
+        </p:spPr>
+        <p:txBody>
+          <a:bodyPr wrap="none" lIns="121898" tIns="60948" rIns="121898" bIns="60948" anchor="ctr"/>
+          <a:lstStyle/>
+          <a:p>
+            <a:pPr algn="ctr" defTabSz="914400"/>
+            <a:r>
+              <a:rPr lang="en-US" altLang="zh-CN" sz="2000" dirty="0">
+                <a:effectLst>
+                  <a:reflection blurRad="6350" stA="55000" endA="300" endPos="45500" dir="5400000" sy="-100000" algn="bl" rotWithShape="0"/>
+                </a:effectLst>
+                <a:latin typeface="Broadway" pitchFamily="82" charset="0"/>
+                <a:ea typeface="楷体" pitchFamily="49" charset="-122"/>
+                <a:cs typeface="经典繁仿黑" pitchFamily="49" charset="-122"/>
+              </a:rPr>
+              <a:t>5</a:t>
+            </a:r>
+          </a:p>
+        </p:txBody>
+      </p:sp>
+      <p:graphicFrame>
+        <p:nvGraphicFramePr>
+          <p:cNvPr id="18" name="对象 17"/>
+          <p:cNvGraphicFramePr>
+            <a:graphicFrameLocks noChangeAspect="1"/>
+          </p:cNvGraphicFramePr>
+          <p:nvPr>
+            <p:extLst>
+              <p:ext uri="{D42A27DB-BD31-4B8C-83A1-F6EECF244321}">
+                <p14:modId xmlns:p14="http://schemas.microsoft.com/office/powerpoint/2010/main" val="2977690533"/>
+              </p:ext>
+            </p:extLst>
+          </p:nvPr>
+        </p:nvGraphicFramePr>
+        <p:xfrm>
+          <a:off x="514006" y="1090085"/>
+          <a:ext cx="11182350" cy="2276475"/>
+        </p:xfrm>
+        <a:graphic>
+          <a:graphicData uri="http://schemas.openxmlformats.org/presentationml/2006/ole">
+            <mc:AlternateContent xmlns:mc="http://schemas.openxmlformats.org/markup-compatibility/2006">
+              <mc:Choice xmlns:v="urn:schemas-microsoft-com:vml" Requires="v">
+                <p:oleObj spid="_x0000_s10341" name="文档" r:id="rId8" imgW="11183980" imgH="2286033" progId="Word.Document.12">
+                  <p:embed/>
+                </p:oleObj>
+              </mc:Choice>
+              <mc:Fallback>
+                <p:oleObj name="文档" r:id="rId8" imgW="11183980" imgH="2286033" progId="Word.Document.12">
+                  <p:embed/>
+                  <p:pic>
+                    <p:nvPicPr>
+                      <p:cNvPr id="0" name=""/>
+                      <p:cNvPicPr/>
+                      <p:nvPr/>
+                    </p:nvPicPr>
+                    <p:blipFill>
+                      <a:blip r:embed="rId9"/>
+                      <a:stretch>
+                        <a:fillRect/>
+                      </a:stretch>
+                    </p:blipFill>
+                    <p:spPr>
+                      <a:xfrm>
+                        <a:off x="514006" y="1090085"/>
+                        <a:ext cx="11182350" cy="2276475"/>
+                      </a:xfrm>
+                      <a:prstGeom prst="rect">
+                        <a:avLst/>
+                      </a:prstGeom>
+                    </p:spPr>
+                  </p:pic>
+                </p:oleObj>
+              </mc:Fallback>
+            </mc:AlternateContent>
+          </a:graphicData>
+        </a:graphic>
+      </p:graphicFrame>
+      <p:sp>
+        <p:nvSpPr>
+          <p:cNvPr id="2" name="Rectangle 58"/>
+          <p:cNvSpPr>
+            <a:spLocks noChangeArrowheads="1"/>
+          </p:cNvSpPr>
+          <p:nvPr/>
+        </p:nvSpPr>
+        <p:spPr bwMode="auto">
+          <a:xfrm>
+            <a:off x="0" y="0"/>
+            <a:ext cx="12190413" cy="0"/>
+          </a:xfrm>
+          <a:prstGeom prst="rect">
+            <a:avLst/>
+          </a:prstGeom>
+          <a:noFill/>
+          <a:ln>
+            <a:noFill/>
+          </a:ln>
+          <a:effectLst/>
+          <a:extLst>
+            <a:ext uri="{909E8E84-426E-40DD-AFC4-6F175D3DCCD1}">
+              <a14:hiddenFill xmlns:a14="http://schemas.microsoft.com/office/drawing/2010/main">
+                <a:solidFill>
+                  <a:schemeClr val="accent1"/>
+                </a:solidFill>
+              </a14:hiddenFill>
+            </a:ext>
+            <a:ext uri="{91240B29-F687-4F45-9708-019B960494DF}">
+              <a14:hiddenLine xmlns:a14="http://schemas.microsoft.com/office/drawing/2010/main" w="9525">
+                <a:solidFill>
+                  <a:schemeClr val="tx1"/>
+                </a:solidFill>
+                <a:miter lim="800000"/>
+                <a:headEnd/>
+                <a:tailEnd/>
+              </a14:hiddenLine>
+            </a:ext>
+            <a:ext uri="{AF507438-7753-43E0-B8FC-AC1667EBCBE1}">
+              <a14:hiddenEffects xmlns:a14="http://schemas.microsoft.com/office/drawing/2010/main">
+                <a:effectLst>
+                  <a:outerShdw dist="35921" dir="2700000" algn="ctr" rotWithShape="0">
+                    <a:schemeClr val="bg2"/>
+                  </a:outerShdw>
+                </a:effectLst>
+              </a14:hiddenEffects>
+            </a:ext>
+          </a:extLst>
+        </p:spPr>
+        <p:txBody>
+          <a:bodyPr vert="horz" wrap="none" lIns="91440" tIns="45720" rIns="91440" bIns="45720" numCol="1" anchor="ctr" anchorCtr="0" compatLnSpc="1">
+            <a:prstTxWarp prst="textNoShape">
+              <a:avLst/>
+            </a:prstTxWarp>
+            <a:spAutoFit/>
+          </a:bodyPr>
+          <a:lstStyle/>
+          <a:p>
+            <a:endParaRPr lang="zh-CN" altLang="en-US"/>
+          </a:p>
+        </p:txBody>
+      </p:sp>
+      <p:graphicFrame>
+        <p:nvGraphicFramePr>
+          <p:cNvPr id="3" name="对象 2"/>
+          <p:cNvGraphicFramePr>
+            <a:graphicFrameLocks noChangeAspect="1"/>
+          </p:cNvGraphicFramePr>
+          <p:nvPr>
+            <p:extLst>
+              <p:ext uri="{D42A27DB-BD31-4B8C-83A1-F6EECF244321}">
+                <p14:modId xmlns:p14="http://schemas.microsoft.com/office/powerpoint/2010/main" val="3098637769"/>
+              </p:ext>
+            </p:extLst>
+          </p:nvPr>
+        </p:nvGraphicFramePr>
+        <p:xfrm>
+          <a:off x="838622" y="1035224"/>
+          <a:ext cx="1200270" cy="675152"/>
+        </p:xfrm>
+        <a:graphic>
+          <a:graphicData uri="http://schemas.openxmlformats.org/presentationml/2006/ole">
+            <mc:AlternateContent xmlns:mc="http://schemas.openxmlformats.org/markup-compatibility/2006">
+              <mc:Choice xmlns:v="urn:schemas-microsoft-com:vml" Requires="v">
+                <p:oleObj spid="_x0000_s10342" name="Equation" r:id="rId10" imgW="457002" imgH="253890" progId="Equation.DSMT4">
+                  <p:embed/>
+                </p:oleObj>
+              </mc:Choice>
+              <mc:Fallback>
+                <p:oleObj name="Equation" r:id="rId10" imgW="457002" imgH="253890" progId="Equation.DSMT4">
+                  <p:embed/>
+                  <p:pic>
+                    <p:nvPicPr>
+                      <p:cNvPr id="0" name="Object 57"/>
+                      <p:cNvPicPr>
+                        <a:picLocks noChangeAspect="1" noChangeArrowheads="1"/>
+                      </p:cNvPicPr>
+                      <p:nvPr/>
+                    </p:nvPicPr>
+                    <p:blipFill>
+                      <a:blip r:embed="rId11">
+                        <a:extLst>
+                          <a:ext uri="{28A0092B-C50C-407E-A947-70E740481C1C}">
+                            <a14:useLocalDpi xmlns:a14="http://schemas.microsoft.com/office/drawing/2010/main" val="0"/>
+                          </a:ext>
+                        </a:extLst>
+                      </a:blip>
+                      <a:srcRect/>
+                      <a:stretch>
+                        <a:fillRect/>
+                      </a:stretch>
+                    </p:blipFill>
+                    <p:spPr bwMode="auto">
+                      <a:xfrm>
+                        <a:off x="838622" y="1035224"/>
+                        <a:ext cx="1200270" cy="675152"/>
+                      </a:xfrm>
+                      <a:prstGeom prst="rect">
+                        <a:avLst/>
+                      </a:prstGeom>
+                      <a:noFill/>
+                      <a:extLst>
+                        <a:ext uri="{909E8E84-426E-40DD-AFC4-6F175D3DCCD1}">
+                          <a14:hiddenFill xmlns:a14="http://schemas.microsoft.com/office/drawing/2010/main">
+                            <a:solidFill>
+                              <a:srgbClr val="FFFFFF"/>
+                            </a:solidFill>
+                          </a14:hiddenFill>
+                        </a:ext>
+                      </a:extLst>
+                    </p:spPr>
+                  </p:pic>
+                </p:oleObj>
+              </mc:Fallback>
+            </mc:AlternateContent>
+          </a:graphicData>
+        </a:graphic>
+      </p:graphicFrame>
+      <p:sp>
+        <p:nvSpPr>
+          <p:cNvPr id="5" name="矩形 4"/>
+          <p:cNvSpPr/>
+          <p:nvPr/>
+        </p:nvSpPr>
+        <p:spPr>
+          <a:xfrm>
+            <a:off x="2986558" y="909514"/>
+            <a:ext cx="444352" cy="656846"/>
+          </a:xfrm>
+          <a:prstGeom prst="rect">
+            <a:avLst/>
+          </a:prstGeom>
+        </p:spPr>
+        <p:txBody>
+          <a:bodyPr wrap="none">
+            <a:spAutoFit/>
+          </a:bodyPr>
+          <a:lstStyle/>
+          <a:p>
+            <a:pPr algn="just">
+              <a:lnSpc>
+                <a:spcPct val="150000"/>
+              </a:lnSpc>
+              <a:spcAft>
+                <a:spcPts val="0"/>
+              </a:spcAft>
+              <a:tabLst>
+                <a:tab pos="1890395" algn="l"/>
+              </a:tabLst>
+            </a:pPr>
+            <a:r>
+              <a:rPr lang="en-US" altLang="zh-CN" sz="2800" b="1" kern="100" dirty="0">
+                <a:solidFill>
+                  <a:srgbClr val="C00000"/>
+                </a:solidFill>
+                <a:latin typeface="Times New Roman"/>
+                <a:ea typeface="华文细黑"/>
+                <a:cs typeface="Courier New"/>
+              </a:rPr>
+              <a:t>D</a:t>
+            </a:r>
+            <a:endParaRPr lang="zh-CN" altLang="zh-CN" sz="2800" b="1" kern="100" dirty="0">
+              <a:solidFill>
+                <a:srgbClr val="C00000"/>
+              </a:solidFill>
+              <a:effectLst/>
+              <a:latin typeface="宋体"/>
+              <a:cs typeface="Courier New"/>
+            </a:endParaRPr>
+          </a:p>
+        </p:txBody>
+      </p:sp>
+    </p:spTree>
+    <p:extLst>
+      <p:ext uri="{BB962C8B-B14F-4D97-AF65-F5344CB8AC3E}">
+        <p14:creationId xmlns:p14="http://schemas.microsoft.com/office/powerpoint/2010/main" val="3802869915"/>
+      </p:ext>
+    </p:extLst>
+  </p:cSld>
+  <p:clrMapOvr>
+    <a:masterClrMapping/>
+  </p:clrMapOvr>
+  <p:timing>
+    <p:tnLst>
+      <p:par>
+        <p:cTn id="1" dur="indefinite" restart="never" nodeType="tmRoot">
+          <p:childTnLst>
+            <p:seq concurrent="1" nextAc="seek">
+              <p:cTn id="2" dur="indefinite" nodeType="mainSeq">
+                <p:childTnLst>
+                  <p:par>
+                    <p:cTn id="3" fill="hold">
+                      <p:stCondLst>
+                        <p:cond delay="indefinite"/>
+                      </p:stCondLst>
+                      <p:childTnLst>
+                        <p:par>
+                          <p:cTn id="4" fill="hold">
+                            <p:stCondLst>
+                              <p:cond delay="0"/>
+                            </p:stCondLst>
+                            <p:childTnLst>
+                              <p:par>
+                                <p:cTn id="5" presetID="3" presetClass="entr" presetSubtype="10" fill="hold" grpId="0" nodeType="clickEffect">
+                                  <p:stCondLst>
+                                    <p:cond delay="0"/>
+                                  </p:stCondLst>
+                                  <p:childTnLst>
+                                    <p:set>
+                                      <p:cBhvr>
+                                        <p:cTn id="6" dur="1" fill="hold">
+                                          <p:stCondLst>
+                                            <p:cond delay="0"/>
+                                          </p:stCondLst>
+                                        </p:cTn>
+                                        <p:tgtEl>
+                                          <p:spTgt spid="5"/>
+                                        </p:tgtEl>
+                                        <p:attrNameLst>
+                                          <p:attrName>style.visibility</p:attrName>
+                                        </p:attrNameLst>
+                                      </p:cBhvr>
+                                      <p:to>
+                                        <p:strVal val="visible"/>
+                                      </p:to>
+                                    </p:set>
+                                    <p:animEffect transition="in" filter="blinds(horizontal)">
+                                      <p:cBhvr>
+                                        <p:cTn id="7" dur="500"/>
+                                        <p:tgtEl>
+                                          <p:spTgt spid="5"/>
+                                        </p:tgtEl>
+                                      </p:cBhvr>
+                                    </p:animEffect>
+                                  </p:childTnLst>
+                                </p:cTn>
+                              </p:par>
+                            </p:childTnLst>
+                          </p:cTn>
+                        </p:par>
+                      </p:childTnLst>
+                    </p:cTn>
+                  </p:par>
+                  <p:par>
+                    <p:cTn id="8" fill="hold">
+                      <p:stCondLst>
+                        <p:cond delay="indefinite"/>
+                      </p:stCondLst>
+                      <p:childTnLst>
+                        <p:par>
+                          <p:cTn id="9" fill="hold">
+                            <p:stCondLst>
+                              <p:cond delay="0"/>
+                            </p:stCondLst>
+                            <p:childTnLst>
+                              <p:par>
+                                <p:cTn id="10" presetID="10" presetClass="exit" presetSubtype="0" fill="hold" grpId="1" nodeType="clickEffect">
+                                  <p:stCondLst>
+                                    <p:cond delay="0"/>
+                                  </p:stCondLst>
+                                  <p:childTnLst>
+                                    <p:animEffect transition="out" filter="fade">
+                                      <p:cBhvr>
+                                        <p:cTn id="11" dur="500"/>
+                                        <p:tgtEl>
+                                          <p:spTgt spid="5"/>
+                                        </p:tgtEl>
+                                      </p:cBhvr>
+                                    </p:animEffect>
+                                    <p:set>
+                                      <p:cBhvr>
+                                        <p:cTn id="12" dur="1" fill="hold">
+                                          <p:stCondLst>
+                                            <p:cond delay="499"/>
+                                          </p:stCondLst>
+                                        </p:cTn>
+                                        <p:tgtEl>
+                                          <p:spTgt spid="5"/>
+                                        </p:tgtEl>
+                                        <p:attrNameLst>
+                                          <p:attrName>style.visibility</p:attrName>
+                                        </p:attrNameLst>
+                                      </p:cBhvr>
+                                      <p:to>
+                                        <p:strVal val="hidden"/>
+                                      </p:to>
+                                    </p:set>
+                                  </p:childTnLst>
+                                </p:cTn>
+                              </p:par>
+                            </p:childTnLst>
+                          </p:cTn>
+                        </p:par>
+                      </p:childTnLst>
+                    </p:cTn>
+                  </p:par>
+                </p:childTnLst>
+              </p:cTn>
+              <p:prevCondLst>
+                <p:cond evt="onPrev" delay="0">
+                  <p:tgtEl>
+                    <p:sldTgt/>
+                  </p:tgtEl>
+                </p:cond>
+              </p:prevCondLst>
+              <p:nextCondLst>
+                <p:cond evt="onNext" delay="0">
+                  <p:tgtEl>
+                    <p:sldTgt/>
+                  </p:tgtEl>
+                </p:cond>
+              </p:nextCondLst>
+            </p:seq>
+          </p:childTnLst>
+        </p:cTn>
+      </p:par>
+    </p:tnLst>
+    <p:bldLst>
+      <p:bldP spid="5" grpId="0"/>
+      <p:bldP spid="5" grpId="1"/>
+    </p:bldLst>
+  </p:timing>
+</p:sld>
+</file>
+
+<file path=ppt/slides/slide19.xml><?xml version="1.0" encoding="utf-8"?>
+<p:sld xmlns:a="http://schemas.openxmlformats.org/drawingml/2006/main" xmlns:r="http://schemas.openxmlformats.org/officeDocument/2006/relationships" xmlns:p="http://schemas.openxmlformats.org/presentationml/2006/main">
+  <p:cSld>
+    <p:spTree>
+      <p:nvGrpSpPr>
+        <p:cNvPr id="1" name=""/>
+        <p:cNvGrpSpPr/>
+        <p:nvPr/>
+      </p:nvGrpSpPr>
+      <p:grpSpPr>
+        <a:xfrm>
+          <a:off x="0" y="0"/>
+          <a:ext cx="0" cy="0"/>
+          <a:chOff x="0" y="0"/>
+          <a:chExt cx="0" cy="0"/>
+        </a:xfrm>
+      </p:grpSpPr>
+      <p:sp>
+        <p:nvSpPr>
+          <p:cNvPr id="14" name="Rectangle 21">
+            <a:hlinkClick r:id="rId3" action="ppaction://hlinksldjump"/>
+          </p:cNvPr>
+          <p:cNvSpPr>
+            <a:spLocks noChangeArrowheads="1"/>
+          </p:cNvSpPr>
+          <p:nvPr/>
+        </p:nvSpPr>
+        <p:spPr bwMode="auto">
+          <a:xfrm>
+            <a:off x="9983638" y="45615"/>
+            <a:ext cx="360288" cy="575867"/>
+          </a:xfrm>
+          <a:prstGeom prst="rect">
+            <a:avLst/>
+          </a:prstGeom>
+          <a:noFill/>
+          <a:ln>
+            <a:noFill/>
+          </a:ln>
+          <a:effectLst/>
+          <a:extLst>
+            <a:ext uri="{909E8E84-426E-40DD-AFC4-6F175D3DCCD1}">
+              <a14:hiddenFill xmlns:a14="http://schemas.microsoft.com/office/drawing/2010/main">
+                <a:solidFill>
+                  <a:schemeClr val="bg1"/>
+                </a:solidFill>
+              </a14:hiddenFill>
+            </a:ext>
+            <a:ext uri="{91240B29-F687-4F45-9708-019B960494DF}">
+              <a14:hiddenLine xmlns:a14="http://schemas.microsoft.com/office/drawing/2010/main" w="9525">
+                <a:solidFill>
+                  <a:schemeClr val="tx1"/>
+                </a:solidFill>
+                <a:miter lim="800000"/>
+                <a:headEnd/>
+                <a:tailEnd/>
+              </a14:hiddenLine>
+            </a:ext>
+            <a:ext uri="{AF507438-7753-43E0-B8FC-AC1667EBCBE1}">
+              <a14:hiddenEffects xmlns:a14="http://schemas.microsoft.com/office/drawing/2010/main">
+                <a:effectLst>
+                  <a:outerShdw dist="35921" dir="2700000" algn="ctr" rotWithShape="0">
+                    <a:schemeClr val="bg2"/>
+                  </a:outerShdw>
+                </a:effectLst>
+              </a14:hiddenEffects>
+            </a:ext>
+          </a:extLst>
+        </p:spPr>
+        <p:txBody>
+          <a:bodyPr wrap="none" lIns="121898" tIns="60948" rIns="121898" bIns="60948" anchor="ctr"/>
+          <a:lstStyle/>
+          <a:p>
+            <a:pPr algn="r" defTabSz="914400"/>
+            <a:r>
+              <a:rPr lang="en-US" altLang="zh-CN" sz="2000" dirty="0">
+                <a:effectLst>
+                  <a:reflection blurRad="6350" stA="55000" endA="300" endPos="45500" dir="5400000" sy="-100000" algn="bl" rotWithShape="0"/>
+                </a:effectLst>
+                <a:latin typeface="Broadway" pitchFamily="82" charset="0"/>
+                <a:ea typeface="楷体" pitchFamily="49" charset="-122"/>
+                <a:cs typeface="经典繁仿黑" pitchFamily="49" charset="-122"/>
+              </a:rPr>
+              <a:t>1</a:t>
+            </a:r>
+          </a:p>
+        </p:txBody>
+      </p:sp>
+      <p:sp>
+        <p:nvSpPr>
+          <p:cNvPr id="15" name="Rectangle 21">
+            <a:hlinkClick r:id="rId4" action="ppaction://hlinksldjump"/>
+          </p:cNvPr>
+          <p:cNvSpPr>
+            <a:spLocks noChangeArrowheads="1"/>
+          </p:cNvSpPr>
+          <p:nvPr/>
+        </p:nvSpPr>
+        <p:spPr bwMode="auto">
+          <a:xfrm>
+            <a:off x="10416350" y="45615"/>
+            <a:ext cx="360288" cy="575867"/>
+          </a:xfrm>
+          <a:prstGeom prst="rect">
+            <a:avLst/>
+          </a:prstGeom>
+          <a:noFill/>
+          <a:ln>
+            <a:noFill/>
+          </a:ln>
+          <a:effectLst/>
+          <a:extLst>
+            <a:ext uri="{909E8E84-426E-40DD-AFC4-6F175D3DCCD1}">
+              <a14:hiddenFill xmlns:a14="http://schemas.microsoft.com/office/drawing/2010/main">
+                <a:solidFill>
+                  <a:schemeClr val="bg1"/>
+                </a:solidFill>
+              </a14:hiddenFill>
+            </a:ext>
+            <a:ext uri="{91240B29-F687-4F45-9708-019B960494DF}">
+              <a14:hiddenLine xmlns:a14="http://schemas.microsoft.com/office/drawing/2010/main" w="9525">
+                <a:solidFill>
+                  <a:schemeClr val="tx1"/>
+                </a:solidFill>
+                <a:miter lim="800000"/>
+                <a:headEnd/>
+                <a:tailEnd/>
+              </a14:hiddenLine>
+            </a:ext>
+            <a:ext uri="{AF507438-7753-43E0-B8FC-AC1667EBCBE1}">
+              <a14:hiddenEffects xmlns:a14="http://schemas.microsoft.com/office/drawing/2010/main">
+                <a:effectLst>
+                  <a:outerShdw dist="35921" dir="2700000" algn="ctr" rotWithShape="0">
+                    <a:schemeClr val="bg2"/>
+                  </a:outerShdw>
+                </a:effectLst>
+              </a14:hiddenEffects>
+            </a:ext>
+          </a:extLst>
+        </p:spPr>
+        <p:txBody>
+          <a:bodyPr wrap="none" lIns="121898" tIns="60948" rIns="121898" bIns="60948" anchor="ctr"/>
+          <a:lstStyle/>
+          <a:p>
+            <a:pPr algn="ctr" defTabSz="914400"/>
+            <a:r>
+              <a:rPr lang="en-US" altLang="zh-CN" sz="2000" dirty="0">
+                <a:effectLst>
+                  <a:reflection blurRad="6350" stA="55000" endA="300" endPos="45500" dir="5400000" sy="-100000" algn="bl" rotWithShape="0"/>
+                </a:effectLst>
+                <a:latin typeface="Broadway" pitchFamily="82" charset="0"/>
+                <a:ea typeface="楷体" pitchFamily="49" charset="-122"/>
+                <a:cs typeface="经典繁仿黑" pitchFamily="49" charset="-122"/>
+              </a:rPr>
+              <a:t>2</a:t>
+            </a:r>
+          </a:p>
+        </p:txBody>
+      </p:sp>
+      <p:sp>
+        <p:nvSpPr>
+          <p:cNvPr id="16" name="Rectangle 21">
+            <a:hlinkClick r:id="rId5" action="ppaction://hlinksldjump"/>
+          </p:cNvPr>
+          <p:cNvSpPr>
+            <a:spLocks noChangeArrowheads="1"/>
+          </p:cNvSpPr>
+          <p:nvPr/>
+        </p:nvSpPr>
+        <p:spPr bwMode="auto">
+          <a:xfrm>
+            <a:off x="10849062" y="45615"/>
+            <a:ext cx="360288" cy="575867"/>
+          </a:xfrm>
+          <a:prstGeom prst="rect">
+            <a:avLst/>
+          </a:prstGeom>
+          <a:noFill/>
+          <a:ln>
+            <a:noFill/>
+          </a:ln>
+          <a:effectLst/>
+          <a:extLst>
+            <a:ext uri="{909E8E84-426E-40DD-AFC4-6F175D3DCCD1}">
+              <a14:hiddenFill xmlns:a14="http://schemas.microsoft.com/office/drawing/2010/main">
+                <a:solidFill>
+                  <a:schemeClr val="bg1"/>
+                </a:solidFill>
+              </a14:hiddenFill>
+            </a:ext>
+            <a:ext uri="{91240B29-F687-4F45-9708-019B960494DF}">
+              <a14:hiddenLine xmlns:a14="http://schemas.microsoft.com/office/drawing/2010/main" w="9525">
+                <a:solidFill>
+                  <a:schemeClr val="tx1"/>
+                </a:solidFill>
+                <a:miter lim="800000"/>
+                <a:headEnd/>
+                <a:tailEnd/>
+              </a14:hiddenLine>
+            </a:ext>
+            <a:ext uri="{AF507438-7753-43E0-B8FC-AC1667EBCBE1}">
+              <a14:hiddenEffects xmlns:a14="http://schemas.microsoft.com/office/drawing/2010/main">
+                <a:effectLst>
+                  <a:outerShdw dist="35921" dir="2700000" algn="ctr" rotWithShape="0">
+                    <a:schemeClr val="bg2"/>
+                  </a:outerShdw>
+                </a:effectLst>
+              </a14:hiddenEffects>
+            </a:ext>
+          </a:extLst>
+        </p:spPr>
+        <p:txBody>
+          <a:bodyPr wrap="none" lIns="121898" tIns="60948" rIns="121898" bIns="60948" anchor="ctr"/>
+          <a:lstStyle/>
+          <a:p>
+            <a:pPr algn="ctr" defTabSz="914400"/>
+            <a:r>
+              <a:rPr lang="en-US" altLang="zh-CN" sz="2000" dirty="0">
+                <a:effectLst>
+                  <a:reflection blurRad="6350" stA="55000" endA="300" endPos="45500" dir="5400000" sy="-100000" algn="bl" rotWithShape="0"/>
+                </a:effectLst>
+                <a:latin typeface="Broadway" pitchFamily="82" charset="0"/>
+                <a:ea typeface="楷体" pitchFamily="49" charset="-122"/>
+                <a:cs typeface="经典繁仿黑" pitchFamily="49" charset="-122"/>
+              </a:rPr>
+              <a:t>3</a:t>
+            </a:r>
+          </a:p>
+        </p:txBody>
+      </p:sp>
+      <p:sp>
+        <p:nvSpPr>
+          <p:cNvPr id="17" name="Rectangle 21">
+            <a:hlinkClick r:id="rId6" action="ppaction://hlinksldjump"/>
+          </p:cNvPr>
+          <p:cNvSpPr>
+            <a:spLocks noChangeArrowheads="1"/>
+          </p:cNvSpPr>
+          <p:nvPr/>
+        </p:nvSpPr>
+        <p:spPr bwMode="auto">
+          <a:xfrm>
+            <a:off x="11297920" y="45418"/>
+            <a:ext cx="360288" cy="575867"/>
+          </a:xfrm>
+          <a:prstGeom prst="rect">
+            <a:avLst/>
+          </a:prstGeom>
+          <a:noFill/>
+          <a:ln>
+            <a:noFill/>
+          </a:ln>
+          <a:effectLst/>
+          <a:extLst>
+            <a:ext uri="{909E8E84-426E-40DD-AFC4-6F175D3DCCD1}">
+              <a14:hiddenFill xmlns:a14="http://schemas.microsoft.com/office/drawing/2010/main">
+                <a:solidFill>
+                  <a:schemeClr val="bg1"/>
+                </a:solidFill>
+              </a14:hiddenFill>
+            </a:ext>
+            <a:ext uri="{91240B29-F687-4F45-9708-019B960494DF}">
+              <a14:hiddenLine xmlns:a14="http://schemas.microsoft.com/office/drawing/2010/main" w="9525">
+                <a:solidFill>
+                  <a:schemeClr val="tx1"/>
+                </a:solidFill>
+                <a:miter lim="800000"/>
+                <a:headEnd/>
+                <a:tailEnd/>
+              </a14:hiddenLine>
+            </a:ext>
+            <a:ext uri="{AF507438-7753-43E0-B8FC-AC1667EBCBE1}">
+              <a14:hiddenEffects xmlns:a14="http://schemas.microsoft.com/office/drawing/2010/main">
+                <a:effectLst>
+                  <a:outerShdw dist="35921" dir="2700000" algn="ctr" rotWithShape="0">
+                    <a:schemeClr val="bg2"/>
+                  </a:outerShdw>
+                </a:effectLst>
+              </a14:hiddenEffects>
+            </a:ext>
+          </a:extLst>
+        </p:spPr>
+        <p:txBody>
+          <a:bodyPr wrap="none" lIns="121898" tIns="60948" rIns="121898" bIns="60948" anchor="ctr"/>
+          <a:lstStyle/>
+          <a:p>
+            <a:pPr algn="ctr" defTabSz="914400"/>
+            <a:r>
+              <a:rPr lang="en-US" altLang="zh-CN" sz="2000" dirty="0">
+                <a:solidFill>
+                  <a:srgbClr val="0000FF"/>
+                </a:solidFill>
+                <a:effectLst>
+                  <a:reflection blurRad="6350" stA="55000" endA="300" endPos="45500" dir="5400000" sy="-100000" algn="bl" rotWithShape="0"/>
+                </a:effectLst>
+                <a:latin typeface="Broadway" pitchFamily="82" charset="0"/>
+                <a:ea typeface="楷体" pitchFamily="49" charset="-122"/>
+                <a:cs typeface="经典繁仿黑" pitchFamily="49" charset="-122"/>
+              </a:rPr>
+              <a:t>4</a:t>
+            </a:r>
+          </a:p>
+        </p:txBody>
+      </p:sp>
+      <p:sp>
+        <p:nvSpPr>
+          <p:cNvPr id="18" name="Rectangle 21">
+            <a:hlinkClick r:id="rId7" action="ppaction://hlinksldjump"/>
+          </p:cNvPr>
+          <p:cNvSpPr>
+            <a:spLocks noChangeArrowheads="1"/>
+          </p:cNvSpPr>
+          <p:nvPr/>
+        </p:nvSpPr>
+        <p:spPr bwMode="auto">
+          <a:xfrm>
+            <a:off x="11730632" y="45418"/>
+            <a:ext cx="360288" cy="575867"/>
+          </a:xfrm>
+          <a:prstGeom prst="rect">
+            <a:avLst/>
+          </a:prstGeom>
+          <a:noFill/>
+          <a:ln>
+            <a:noFill/>
+          </a:ln>
+          <a:effectLst/>
+          <a:extLst>
+            <a:ext uri="{909E8E84-426E-40DD-AFC4-6F175D3DCCD1}">
+              <a14:hiddenFill xmlns:a14="http://schemas.microsoft.com/office/drawing/2010/main">
+                <a:solidFill>
+                  <a:schemeClr val="bg1"/>
+                </a:solidFill>
+              </a14:hiddenFill>
+            </a:ext>
+            <a:ext uri="{91240B29-F687-4F45-9708-019B960494DF}">
+              <a14:hiddenLine xmlns:a14="http://schemas.microsoft.com/office/drawing/2010/main" w="9525">
+                <a:solidFill>
+                  <a:schemeClr val="tx1"/>
+                </a:solidFill>
+                <a:miter lim="800000"/>
+                <a:headEnd/>
+                <a:tailEnd/>
+              </a14:hiddenLine>
+            </a:ext>
+            <a:ext uri="{AF507438-7753-43E0-B8FC-AC1667EBCBE1}">
+              <a14:hiddenEffects xmlns:a14="http://schemas.microsoft.com/office/drawing/2010/main">
+                <a:effectLst>
+                  <a:outerShdw dist="35921" dir="2700000" algn="ctr" rotWithShape="0">
+                    <a:schemeClr val="bg2"/>
+                  </a:outerShdw>
+                </a:effectLst>
+              </a14:hiddenEffects>
+            </a:ext>
+          </a:extLst>
+        </p:spPr>
+        <p:txBody>
+          <a:bodyPr wrap="none" lIns="121898" tIns="60948" rIns="121898" bIns="60948" anchor="ctr"/>
+          <a:lstStyle/>
+          <a:p>
+            <a:pPr algn="ctr" defTabSz="914400"/>
+            <a:r>
+              <a:rPr lang="en-US" altLang="zh-CN" sz="2000" dirty="0">
+                <a:effectLst>
+                  <a:reflection blurRad="6350" stA="55000" endA="300" endPos="45500" dir="5400000" sy="-100000" algn="bl" rotWithShape="0"/>
+                </a:effectLst>
+                <a:latin typeface="Broadway" pitchFamily="82" charset="0"/>
+                <a:ea typeface="楷体" pitchFamily="49" charset="-122"/>
+                <a:cs typeface="经典繁仿黑" pitchFamily="49" charset="-122"/>
+              </a:rPr>
+              <a:t>5</a:t>
+            </a:r>
+          </a:p>
+        </p:txBody>
+      </p:sp>
+      <p:graphicFrame>
+        <p:nvGraphicFramePr>
+          <p:cNvPr id="23" name="对象 22"/>
+          <p:cNvGraphicFramePr>
+            <a:graphicFrameLocks noChangeAspect="1"/>
+          </p:cNvGraphicFramePr>
+          <p:nvPr>
+            <p:extLst>
+              <p:ext uri="{D42A27DB-BD31-4B8C-83A1-F6EECF244321}">
+                <p14:modId xmlns:p14="http://schemas.microsoft.com/office/powerpoint/2010/main" val="965378805"/>
+              </p:ext>
+            </p:extLst>
+          </p:nvPr>
+        </p:nvGraphicFramePr>
+        <p:xfrm>
+          <a:off x="514006" y="937295"/>
+          <a:ext cx="11182350" cy="2276475"/>
+        </p:xfrm>
+        <a:graphic>
+          <a:graphicData uri="http://schemas.openxmlformats.org/presentationml/2006/ole">
+            <mc:AlternateContent xmlns:mc="http://schemas.openxmlformats.org/markup-compatibility/2006">
+              <mc:Choice xmlns:v="urn:schemas-microsoft-com:vml" Requires="v">
+                <p:oleObj spid="_x0000_s32813" name="文档" r:id="rId8" imgW="11183980" imgH="2282788" progId="Word.Document.12">
+                  <p:embed/>
+                </p:oleObj>
+              </mc:Choice>
+              <mc:Fallback>
+                <p:oleObj name="文档" r:id="rId8" imgW="11183980" imgH="2282788" progId="Word.Document.12">
+                  <p:embed/>
+                  <p:pic>
+                    <p:nvPicPr>
+                      <p:cNvPr id="0" name=""/>
+                      <p:cNvPicPr/>
+                      <p:nvPr/>
+                    </p:nvPicPr>
+                    <p:blipFill>
+                      <a:blip r:embed="rId9"/>
+                      <a:stretch>
+                        <a:fillRect/>
+                      </a:stretch>
+                    </p:blipFill>
+                    <p:spPr>
+                      <a:xfrm>
+                        <a:off x="514006" y="937295"/>
+                        <a:ext cx="11182350" cy="2276475"/>
+                      </a:xfrm>
+                      <a:prstGeom prst="rect">
+                        <a:avLst/>
+                      </a:prstGeom>
+                    </p:spPr>
+                  </p:pic>
+                </p:oleObj>
+              </mc:Fallback>
+            </mc:AlternateContent>
+          </a:graphicData>
+        </a:graphic>
+      </p:graphicFrame>
+      <p:sp>
+        <p:nvSpPr>
+          <p:cNvPr id="3" name="矩形 2"/>
+          <p:cNvSpPr/>
+          <p:nvPr/>
+        </p:nvSpPr>
+        <p:spPr>
+          <a:xfrm>
+            <a:off x="2575348" y="765498"/>
+            <a:ext cx="423514" cy="656846"/>
+          </a:xfrm>
+          <a:prstGeom prst="rect">
+            <a:avLst/>
+          </a:prstGeom>
+        </p:spPr>
+        <p:txBody>
+          <a:bodyPr wrap="none">
+            <a:spAutoFit/>
+          </a:bodyPr>
+          <a:lstStyle/>
+          <a:p>
+            <a:pPr algn="just">
+              <a:lnSpc>
+                <a:spcPct val="150000"/>
+              </a:lnSpc>
+              <a:spcAft>
+                <a:spcPts val="0"/>
+              </a:spcAft>
+              <a:tabLst>
+                <a:tab pos="1890395" algn="l"/>
+              </a:tabLst>
+            </a:pPr>
+            <a:r>
+              <a:rPr lang="en-US" altLang="zh-CN" sz="2800" b="1" kern="100" dirty="0">
+                <a:solidFill>
+                  <a:srgbClr val="C00000"/>
+                </a:solidFill>
+                <a:latin typeface="Times New Roman"/>
+                <a:ea typeface="华文细黑"/>
+                <a:cs typeface="Courier New"/>
+              </a:rPr>
+              <a:t>B</a:t>
+            </a:r>
+            <a:endParaRPr lang="zh-CN" altLang="zh-CN" sz="2800" b="1" kern="100" dirty="0">
+              <a:solidFill>
+                <a:srgbClr val="C00000"/>
+              </a:solidFill>
+              <a:effectLst/>
+              <a:latin typeface="宋体"/>
+              <a:cs typeface="Courier New"/>
+            </a:endParaRPr>
+          </a:p>
+        </p:txBody>
+      </p:sp>
+    </p:spTree>
+    <p:extLst>
+      <p:ext uri="{BB962C8B-B14F-4D97-AF65-F5344CB8AC3E}">
+        <p14:creationId xmlns:p14="http://schemas.microsoft.com/office/powerpoint/2010/main" val="1437909693"/>
       </p:ext>
     </p:extLst>
   </p:cSld>
@@ -10485,1431 +10025,6 @@
       </p:grpSpPr>
       <p:sp>
         <p:nvSpPr>
-          <p:cNvPr id="19" name="Rectangle 21">
-            <a:hlinkClick r:id="rId3" action="ppaction://hlinksldjump"/>
-          </p:cNvPr>
-          <p:cNvSpPr>
-            <a:spLocks noChangeArrowheads="1"/>
-          </p:cNvSpPr>
-          <p:nvPr/>
-        </p:nvSpPr>
-        <p:spPr bwMode="auto">
-          <a:xfrm>
-            <a:off x="9983638" y="45615"/>
-            <a:ext cx="360288" cy="575867"/>
-          </a:xfrm>
-          <a:prstGeom prst="rect">
-            <a:avLst/>
-          </a:prstGeom>
-          <a:noFill/>
-          <a:ln>
-            <a:noFill/>
-          </a:ln>
-          <a:effectLst/>
-          <a:extLst>
-            <a:ext uri="{909E8E84-426E-40DD-AFC4-6F175D3DCCD1}">
-              <a14:hiddenFill xmlns:a14="http://schemas.microsoft.com/office/drawing/2010/main">
-                <a:solidFill>
-                  <a:schemeClr val="bg1"/>
-                </a:solidFill>
-              </a14:hiddenFill>
-            </a:ext>
-            <a:ext uri="{91240B29-F687-4F45-9708-019B960494DF}">
-              <a14:hiddenLine xmlns:a14="http://schemas.microsoft.com/office/drawing/2010/main" w="9525">
-                <a:solidFill>
-                  <a:schemeClr val="tx1"/>
-                </a:solidFill>
-                <a:miter lim="800000"/>
-                <a:headEnd/>
-                <a:tailEnd/>
-              </a14:hiddenLine>
-            </a:ext>
-            <a:ext uri="{AF507438-7753-43E0-B8FC-AC1667EBCBE1}">
-              <a14:hiddenEffects xmlns:a14="http://schemas.microsoft.com/office/drawing/2010/main">
-                <a:effectLst>
-                  <a:outerShdw dist="35921" dir="2700000" algn="ctr" rotWithShape="0">
-                    <a:schemeClr val="bg2"/>
-                  </a:outerShdw>
-                </a:effectLst>
-              </a14:hiddenEffects>
-            </a:ext>
-          </a:extLst>
-        </p:spPr>
-        <p:txBody>
-          <a:bodyPr wrap="none" lIns="121898" tIns="60948" rIns="121898" bIns="60948" anchor="ctr"/>
-          <a:lstStyle/>
-          <a:p>
-            <a:pPr algn="r" defTabSz="914400"/>
-            <a:r>
-              <a:rPr lang="en-US" altLang="zh-CN" sz="2000" dirty="0">
-                <a:effectLst>
-                  <a:reflection blurRad="6350" stA="55000" endA="300" endPos="45500" dir="5400000" sy="-100000" algn="bl" rotWithShape="0"/>
-                </a:effectLst>
-                <a:latin typeface="Broadway" pitchFamily="82" charset="0"/>
-                <a:ea typeface="楷体" pitchFamily="49" charset="-122"/>
-                <a:cs typeface="经典繁仿黑" pitchFamily="49" charset="-122"/>
-              </a:rPr>
-              <a:t>1</a:t>
-            </a:r>
-          </a:p>
-        </p:txBody>
-      </p:sp>
-      <p:sp>
-        <p:nvSpPr>
-          <p:cNvPr id="21" name="Rectangle 21">
-            <a:hlinkClick r:id="rId4" action="ppaction://hlinksldjump"/>
-          </p:cNvPr>
-          <p:cNvSpPr>
-            <a:spLocks noChangeArrowheads="1"/>
-          </p:cNvSpPr>
-          <p:nvPr/>
-        </p:nvSpPr>
-        <p:spPr bwMode="auto">
-          <a:xfrm>
-            <a:off x="10416350" y="45615"/>
-            <a:ext cx="360288" cy="575867"/>
-          </a:xfrm>
-          <a:prstGeom prst="rect">
-            <a:avLst/>
-          </a:prstGeom>
-          <a:noFill/>
-          <a:ln>
-            <a:noFill/>
-          </a:ln>
-          <a:effectLst/>
-          <a:extLst>
-            <a:ext uri="{909E8E84-426E-40DD-AFC4-6F175D3DCCD1}">
-              <a14:hiddenFill xmlns:a14="http://schemas.microsoft.com/office/drawing/2010/main">
-                <a:solidFill>
-                  <a:schemeClr val="bg1"/>
-                </a:solidFill>
-              </a14:hiddenFill>
-            </a:ext>
-            <a:ext uri="{91240B29-F687-4F45-9708-019B960494DF}">
-              <a14:hiddenLine xmlns:a14="http://schemas.microsoft.com/office/drawing/2010/main" w="9525">
-                <a:solidFill>
-                  <a:schemeClr val="tx1"/>
-                </a:solidFill>
-                <a:miter lim="800000"/>
-                <a:headEnd/>
-                <a:tailEnd/>
-              </a14:hiddenLine>
-            </a:ext>
-            <a:ext uri="{AF507438-7753-43E0-B8FC-AC1667EBCBE1}">
-              <a14:hiddenEffects xmlns:a14="http://schemas.microsoft.com/office/drawing/2010/main">
-                <a:effectLst>
-                  <a:outerShdw dist="35921" dir="2700000" algn="ctr" rotWithShape="0">
-                    <a:schemeClr val="bg2"/>
-                  </a:outerShdw>
-                </a:effectLst>
-              </a14:hiddenEffects>
-            </a:ext>
-          </a:extLst>
-        </p:spPr>
-        <p:txBody>
-          <a:bodyPr wrap="none" lIns="121898" tIns="60948" rIns="121898" bIns="60948" anchor="ctr"/>
-          <a:lstStyle/>
-          <a:p>
-            <a:pPr algn="ctr" defTabSz="914400"/>
-            <a:r>
-              <a:rPr lang="en-US" altLang="zh-CN" sz="2000" dirty="0">
-                <a:effectLst>
-                  <a:reflection blurRad="6350" stA="55000" endA="300" endPos="45500" dir="5400000" sy="-100000" algn="bl" rotWithShape="0"/>
-                </a:effectLst>
-                <a:latin typeface="Broadway" pitchFamily="82" charset="0"/>
-                <a:ea typeface="楷体" pitchFamily="49" charset="-122"/>
-                <a:cs typeface="经典繁仿黑" pitchFamily="49" charset="-122"/>
-              </a:rPr>
-              <a:t>2</a:t>
-            </a:r>
-          </a:p>
-        </p:txBody>
-      </p:sp>
-      <p:sp>
-        <p:nvSpPr>
-          <p:cNvPr id="22" name="Rectangle 21">
-            <a:hlinkClick r:id="rId5" action="ppaction://hlinksldjump"/>
-          </p:cNvPr>
-          <p:cNvSpPr>
-            <a:spLocks noChangeArrowheads="1"/>
-          </p:cNvSpPr>
-          <p:nvPr/>
-        </p:nvSpPr>
-        <p:spPr bwMode="auto">
-          <a:xfrm>
-            <a:off x="10849062" y="45615"/>
-            <a:ext cx="360288" cy="575867"/>
-          </a:xfrm>
-          <a:prstGeom prst="rect">
-            <a:avLst/>
-          </a:prstGeom>
-          <a:noFill/>
-          <a:ln>
-            <a:noFill/>
-          </a:ln>
-          <a:effectLst/>
-          <a:extLst>
-            <a:ext uri="{909E8E84-426E-40DD-AFC4-6F175D3DCCD1}">
-              <a14:hiddenFill xmlns:a14="http://schemas.microsoft.com/office/drawing/2010/main">
-                <a:solidFill>
-                  <a:schemeClr val="bg1"/>
-                </a:solidFill>
-              </a14:hiddenFill>
-            </a:ext>
-            <a:ext uri="{91240B29-F687-4F45-9708-019B960494DF}">
-              <a14:hiddenLine xmlns:a14="http://schemas.microsoft.com/office/drawing/2010/main" w="9525">
-                <a:solidFill>
-                  <a:schemeClr val="tx1"/>
-                </a:solidFill>
-                <a:miter lim="800000"/>
-                <a:headEnd/>
-                <a:tailEnd/>
-              </a14:hiddenLine>
-            </a:ext>
-            <a:ext uri="{AF507438-7753-43E0-B8FC-AC1667EBCBE1}">
-              <a14:hiddenEffects xmlns:a14="http://schemas.microsoft.com/office/drawing/2010/main">
-                <a:effectLst>
-                  <a:outerShdw dist="35921" dir="2700000" algn="ctr" rotWithShape="0">
-                    <a:schemeClr val="bg2"/>
-                  </a:outerShdw>
-                </a:effectLst>
-              </a14:hiddenEffects>
-            </a:ext>
-          </a:extLst>
-        </p:spPr>
-        <p:txBody>
-          <a:bodyPr wrap="none" lIns="121898" tIns="60948" rIns="121898" bIns="60948" anchor="ctr"/>
-          <a:lstStyle/>
-          <a:p>
-            <a:pPr algn="ctr" defTabSz="914400"/>
-            <a:r>
-              <a:rPr lang="en-US" altLang="zh-CN" sz="2000" dirty="0">
-                <a:solidFill>
-                  <a:srgbClr val="0000FF"/>
-                </a:solidFill>
-                <a:effectLst>
-                  <a:reflection blurRad="6350" stA="55000" endA="300" endPos="45500" dir="5400000" sy="-100000" algn="bl" rotWithShape="0"/>
-                </a:effectLst>
-                <a:latin typeface="Broadway" pitchFamily="82" charset="0"/>
-                <a:ea typeface="楷体" pitchFamily="49" charset="-122"/>
-                <a:cs typeface="经典繁仿黑" pitchFamily="49" charset="-122"/>
-              </a:rPr>
-              <a:t>3</a:t>
-            </a:r>
-          </a:p>
-        </p:txBody>
-      </p:sp>
-      <p:sp>
-        <p:nvSpPr>
-          <p:cNvPr id="25" name="Rectangle 21">
-            <a:hlinkClick r:id="rId6" action="ppaction://hlinksldjump"/>
-          </p:cNvPr>
-          <p:cNvSpPr>
-            <a:spLocks noChangeArrowheads="1"/>
-          </p:cNvSpPr>
-          <p:nvPr/>
-        </p:nvSpPr>
-        <p:spPr bwMode="auto">
-          <a:xfrm>
-            <a:off x="11297920" y="45418"/>
-            <a:ext cx="360288" cy="575867"/>
-          </a:xfrm>
-          <a:prstGeom prst="rect">
-            <a:avLst/>
-          </a:prstGeom>
-          <a:noFill/>
-          <a:ln>
-            <a:noFill/>
-          </a:ln>
-          <a:effectLst/>
-          <a:extLst>
-            <a:ext uri="{909E8E84-426E-40DD-AFC4-6F175D3DCCD1}">
-              <a14:hiddenFill xmlns:a14="http://schemas.microsoft.com/office/drawing/2010/main">
-                <a:solidFill>
-                  <a:schemeClr val="bg1"/>
-                </a:solidFill>
-              </a14:hiddenFill>
-            </a:ext>
-            <a:ext uri="{91240B29-F687-4F45-9708-019B960494DF}">
-              <a14:hiddenLine xmlns:a14="http://schemas.microsoft.com/office/drawing/2010/main" w="9525">
-                <a:solidFill>
-                  <a:schemeClr val="tx1"/>
-                </a:solidFill>
-                <a:miter lim="800000"/>
-                <a:headEnd/>
-                <a:tailEnd/>
-              </a14:hiddenLine>
-            </a:ext>
-            <a:ext uri="{AF507438-7753-43E0-B8FC-AC1667EBCBE1}">
-              <a14:hiddenEffects xmlns:a14="http://schemas.microsoft.com/office/drawing/2010/main">
-                <a:effectLst>
-                  <a:outerShdw dist="35921" dir="2700000" algn="ctr" rotWithShape="0">
-                    <a:schemeClr val="bg2"/>
-                  </a:outerShdw>
-                </a:effectLst>
-              </a14:hiddenEffects>
-            </a:ext>
-          </a:extLst>
-        </p:spPr>
-        <p:txBody>
-          <a:bodyPr wrap="none" lIns="121898" tIns="60948" rIns="121898" bIns="60948" anchor="ctr"/>
-          <a:lstStyle/>
-          <a:p>
-            <a:pPr algn="ctr" defTabSz="914400"/>
-            <a:r>
-              <a:rPr lang="en-US" altLang="zh-CN" sz="2000">
-                <a:effectLst>
-                  <a:reflection blurRad="6350" stA="55000" endA="300" endPos="45500" dir="5400000" sy="-100000" algn="bl" rotWithShape="0"/>
-                </a:effectLst>
-                <a:latin typeface="Broadway" pitchFamily="82" charset="0"/>
-                <a:ea typeface="楷体" pitchFamily="49" charset="-122"/>
-                <a:cs typeface="经典繁仿黑" pitchFamily="49" charset="-122"/>
-              </a:rPr>
-              <a:t>4</a:t>
-            </a:r>
-            <a:endParaRPr lang="en-US" altLang="zh-CN" sz="2000" dirty="0">
-              <a:effectLst>
-                <a:reflection blurRad="6350" stA="55000" endA="300" endPos="45500" dir="5400000" sy="-100000" algn="bl" rotWithShape="0"/>
-              </a:effectLst>
-              <a:latin typeface="Broadway" pitchFamily="82" charset="0"/>
-              <a:ea typeface="楷体" pitchFamily="49" charset="-122"/>
-              <a:cs typeface="经典繁仿黑" pitchFamily="49" charset="-122"/>
-            </a:endParaRPr>
-          </a:p>
-        </p:txBody>
-      </p:sp>
-      <p:sp>
-        <p:nvSpPr>
-          <p:cNvPr id="26" name="Rectangle 21">
-            <a:hlinkClick r:id="rId7" action="ppaction://hlinksldjump"/>
-          </p:cNvPr>
-          <p:cNvSpPr>
-            <a:spLocks noChangeArrowheads="1"/>
-          </p:cNvSpPr>
-          <p:nvPr/>
-        </p:nvSpPr>
-        <p:spPr bwMode="auto">
-          <a:xfrm>
-            <a:off x="11730632" y="45418"/>
-            <a:ext cx="360288" cy="575867"/>
-          </a:xfrm>
-          <a:prstGeom prst="rect">
-            <a:avLst/>
-          </a:prstGeom>
-          <a:noFill/>
-          <a:ln>
-            <a:noFill/>
-          </a:ln>
-          <a:effectLst/>
-          <a:extLst>
-            <a:ext uri="{909E8E84-426E-40DD-AFC4-6F175D3DCCD1}">
-              <a14:hiddenFill xmlns:a14="http://schemas.microsoft.com/office/drawing/2010/main">
-                <a:solidFill>
-                  <a:schemeClr val="bg1"/>
-                </a:solidFill>
-              </a14:hiddenFill>
-            </a:ext>
-            <a:ext uri="{91240B29-F687-4F45-9708-019B960494DF}">
-              <a14:hiddenLine xmlns:a14="http://schemas.microsoft.com/office/drawing/2010/main" w="9525">
-                <a:solidFill>
-                  <a:schemeClr val="tx1"/>
-                </a:solidFill>
-                <a:miter lim="800000"/>
-                <a:headEnd/>
-                <a:tailEnd/>
-              </a14:hiddenLine>
-            </a:ext>
-            <a:ext uri="{AF507438-7753-43E0-B8FC-AC1667EBCBE1}">
-              <a14:hiddenEffects xmlns:a14="http://schemas.microsoft.com/office/drawing/2010/main">
-                <a:effectLst>
-                  <a:outerShdw dist="35921" dir="2700000" algn="ctr" rotWithShape="0">
-                    <a:schemeClr val="bg2"/>
-                  </a:outerShdw>
-                </a:effectLst>
-              </a14:hiddenEffects>
-            </a:ext>
-          </a:extLst>
-        </p:spPr>
-        <p:txBody>
-          <a:bodyPr wrap="none" lIns="121898" tIns="60948" rIns="121898" bIns="60948" anchor="ctr"/>
-          <a:lstStyle/>
-          <a:p>
-            <a:pPr algn="ctr" defTabSz="914400"/>
-            <a:r>
-              <a:rPr lang="en-US" altLang="zh-CN" sz="2000" dirty="0">
-                <a:effectLst>
-                  <a:reflection blurRad="6350" stA="55000" endA="300" endPos="45500" dir="5400000" sy="-100000" algn="bl" rotWithShape="0"/>
-                </a:effectLst>
-                <a:latin typeface="Broadway" pitchFamily="82" charset="0"/>
-                <a:ea typeface="楷体" pitchFamily="49" charset="-122"/>
-                <a:cs typeface="经典繁仿黑" pitchFamily="49" charset="-122"/>
-              </a:rPr>
-              <a:t>5</a:t>
-            </a:r>
-          </a:p>
-        </p:txBody>
-      </p:sp>
-      <p:graphicFrame>
-        <p:nvGraphicFramePr>
-          <p:cNvPr id="18" name="对象 17"/>
-          <p:cNvGraphicFramePr>
-            <a:graphicFrameLocks noChangeAspect="1"/>
-          </p:cNvGraphicFramePr>
-          <p:nvPr>
-            <p:extLst>
-              <p:ext uri="{D42A27DB-BD31-4B8C-83A1-F6EECF244321}">
-                <p14:modId xmlns:p14="http://schemas.microsoft.com/office/powerpoint/2010/main" val="2977690533"/>
-              </p:ext>
-            </p:extLst>
-          </p:nvPr>
-        </p:nvGraphicFramePr>
-        <p:xfrm>
-          <a:off x="514006" y="1090085"/>
-          <a:ext cx="11182350" cy="2276475"/>
-        </p:xfrm>
-        <a:graphic>
-          <a:graphicData uri="http://schemas.openxmlformats.org/presentationml/2006/ole">
-            <mc:AlternateContent xmlns:mc="http://schemas.openxmlformats.org/markup-compatibility/2006">
-              <mc:Choice xmlns:v="urn:schemas-microsoft-com:vml" Requires="v">
-                <p:oleObj spid="_x0000_s10337" name="文档" r:id="rId8" imgW="11183980" imgH="2286033" progId="Word.Document.12">
-                  <p:embed/>
-                </p:oleObj>
-              </mc:Choice>
-              <mc:Fallback>
-                <p:oleObj name="文档" r:id="rId8" imgW="11183980" imgH="2286033" progId="Word.Document.12">
-                  <p:embed/>
-                  <p:pic>
-                    <p:nvPicPr>
-                      <p:cNvPr id="0" name=""/>
-                      <p:cNvPicPr/>
-                      <p:nvPr/>
-                    </p:nvPicPr>
-                    <p:blipFill>
-                      <a:blip r:embed="rId9"/>
-                      <a:stretch>
-                        <a:fillRect/>
-                      </a:stretch>
-                    </p:blipFill>
-                    <p:spPr>
-                      <a:xfrm>
-                        <a:off x="514006" y="1090085"/>
-                        <a:ext cx="11182350" cy="2276475"/>
-                      </a:xfrm>
-                      <a:prstGeom prst="rect">
-                        <a:avLst/>
-                      </a:prstGeom>
-                    </p:spPr>
-                  </p:pic>
-                </p:oleObj>
-              </mc:Fallback>
-            </mc:AlternateContent>
-          </a:graphicData>
-        </a:graphic>
-      </p:graphicFrame>
-      <p:sp>
-        <p:nvSpPr>
-          <p:cNvPr id="2" name="Rectangle 58"/>
-          <p:cNvSpPr>
-            <a:spLocks noChangeArrowheads="1"/>
-          </p:cNvSpPr>
-          <p:nvPr/>
-        </p:nvSpPr>
-        <p:spPr bwMode="auto">
-          <a:xfrm>
-            <a:off x="0" y="0"/>
-            <a:ext cx="12190413" cy="0"/>
-          </a:xfrm>
-          <a:prstGeom prst="rect">
-            <a:avLst/>
-          </a:prstGeom>
-          <a:noFill/>
-          <a:ln>
-            <a:noFill/>
-          </a:ln>
-          <a:effectLst/>
-          <a:extLst>
-            <a:ext uri="{909E8E84-426E-40DD-AFC4-6F175D3DCCD1}">
-              <a14:hiddenFill xmlns:a14="http://schemas.microsoft.com/office/drawing/2010/main">
-                <a:solidFill>
-                  <a:schemeClr val="accent1"/>
-                </a:solidFill>
-              </a14:hiddenFill>
-            </a:ext>
-            <a:ext uri="{91240B29-F687-4F45-9708-019B960494DF}">
-              <a14:hiddenLine xmlns:a14="http://schemas.microsoft.com/office/drawing/2010/main" w="9525">
-                <a:solidFill>
-                  <a:schemeClr val="tx1"/>
-                </a:solidFill>
-                <a:miter lim="800000"/>
-                <a:headEnd/>
-                <a:tailEnd/>
-              </a14:hiddenLine>
-            </a:ext>
-            <a:ext uri="{AF507438-7753-43E0-B8FC-AC1667EBCBE1}">
-              <a14:hiddenEffects xmlns:a14="http://schemas.microsoft.com/office/drawing/2010/main">
-                <a:effectLst>
-                  <a:outerShdw dist="35921" dir="2700000" algn="ctr" rotWithShape="0">
-                    <a:schemeClr val="bg2"/>
-                  </a:outerShdw>
-                </a:effectLst>
-              </a14:hiddenEffects>
-            </a:ext>
-          </a:extLst>
-        </p:spPr>
-        <p:txBody>
-          <a:bodyPr vert="horz" wrap="none" lIns="91440" tIns="45720" rIns="91440" bIns="45720" numCol="1" anchor="ctr" anchorCtr="0" compatLnSpc="1">
-            <a:prstTxWarp prst="textNoShape">
-              <a:avLst/>
-            </a:prstTxWarp>
-            <a:spAutoFit/>
-          </a:bodyPr>
-          <a:lstStyle/>
-          <a:p>
-            <a:endParaRPr lang="zh-CN" altLang="en-US"/>
-          </a:p>
-        </p:txBody>
-      </p:sp>
-      <p:graphicFrame>
-        <p:nvGraphicFramePr>
-          <p:cNvPr id="3" name="对象 2"/>
-          <p:cNvGraphicFramePr>
-            <a:graphicFrameLocks noChangeAspect="1"/>
-          </p:cNvGraphicFramePr>
-          <p:nvPr>
-            <p:extLst>
-              <p:ext uri="{D42A27DB-BD31-4B8C-83A1-F6EECF244321}">
-                <p14:modId xmlns:p14="http://schemas.microsoft.com/office/powerpoint/2010/main" val="3098637769"/>
-              </p:ext>
-            </p:extLst>
-          </p:nvPr>
-        </p:nvGraphicFramePr>
-        <p:xfrm>
-          <a:off x="838622" y="1035224"/>
-          <a:ext cx="1200270" cy="675152"/>
-        </p:xfrm>
-        <a:graphic>
-          <a:graphicData uri="http://schemas.openxmlformats.org/presentationml/2006/ole">
-            <mc:AlternateContent xmlns:mc="http://schemas.openxmlformats.org/markup-compatibility/2006">
-              <mc:Choice xmlns:v="urn:schemas-microsoft-com:vml" Requires="v">
-                <p:oleObj spid="_x0000_s10338" name="Equation" r:id="rId10" imgW="457002" imgH="253890" progId="Equation.DSMT4">
-                  <p:embed/>
-                </p:oleObj>
-              </mc:Choice>
-              <mc:Fallback>
-                <p:oleObj name="Equation" r:id="rId10" imgW="457002" imgH="253890" progId="Equation.DSMT4">
-                  <p:embed/>
-                  <p:pic>
-                    <p:nvPicPr>
-                      <p:cNvPr id="0" name="Object 57"/>
-                      <p:cNvPicPr>
-                        <a:picLocks noChangeAspect="1" noChangeArrowheads="1"/>
-                      </p:cNvPicPr>
-                      <p:nvPr/>
-                    </p:nvPicPr>
-                    <p:blipFill>
-                      <a:blip r:embed="rId11">
-                        <a:extLst>
-                          <a:ext uri="{28A0092B-C50C-407E-A947-70E740481C1C}">
-                            <a14:useLocalDpi xmlns:a14="http://schemas.microsoft.com/office/drawing/2010/main" val="0"/>
-                          </a:ext>
-                        </a:extLst>
-                      </a:blip>
-                      <a:srcRect/>
-                      <a:stretch>
-                        <a:fillRect/>
-                      </a:stretch>
-                    </p:blipFill>
-                    <p:spPr bwMode="auto">
-                      <a:xfrm>
-                        <a:off x="838622" y="1035224"/>
-                        <a:ext cx="1200270" cy="675152"/>
-                      </a:xfrm>
-                      <a:prstGeom prst="rect">
-                        <a:avLst/>
-                      </a:prstGeom>
-                      <a:noFill/>
-                      <a:extLst>
-                        <a:ext uri="{909E8E84-426E-40DD-AFC4-6F175D3DCCD1}">
-                          <a14:hiddenFill xmlns:a14="http://schemas.microsoft.com/office/drawing/2010/main">
-                            <a:solidFill>
-                              <a:srgbClr val="FFFFFF"/>
-                            </a:solidFill>
-                          </a14:hiddenFill>
-                        </a:ext>
-                      </a:extLst>
-                    </p:spPr>
-                  </p:pic>
-                </p:oleObj>
-              </mc:Fallback>
-            </mc:AlternateContent>
-          </a:graphicData>
-        </a:graphic>
-      </p:graphicFrame>
-      <p:sp>
-        <p:nvSpPr>
-          <p:cNvPr id="5" name="矩形 4"/>
-          <p:cNvSpPr/>
-          <p:nvPr/>
-        </p:nvSpPr>
-        <p:spPr>
-          <a:xfrm>
-            <a:off x="2986558" y="909514"/>
-            <a:ext cx="444352" cy="656846"/>
-          </a:xfrm>
-          <a:prstGeom prst="rect">
-            <a:avLst/>
-          </a:prstGeom>
-        </p:spPr>
-        <p:txBody>
-          <a:bodyPr wrap="none">
-            <a:spAutoFit/>
-          </a:bodyPr>
-          <a:lstStyle/>
-          <a:p>
-            <a:pPr algn="just">
-              <a:lnSpc>
-                <a:spcPct val="150000"/>
-              </a:lnSpc>
-              <a:spcAft>
-                <a:spcPts val="0"/>
-              </a:spcAft>
-              <a:tabLst>
-                <a:tab pos="1890395" algn="l"/>
-              </a:tabLst>
-            </a:pPr>
-            <a:r>
-              <a:rPr lang="en-US" altLang="zh-CN" sz="2800" b="1" kern="100" dirty="0">
-                <a:solidFill>
-                  <a:srgbClr val="C00000"/>
-                </a:solidFill>
-                <a:latin typeface="Times New Roman"/>
-                <a:ea typeface="华文细黑"/>
-                <a:cs typeface="Courier New"/>
-              </a:rPr>
-              <a:t>D</a:t>
-            </a:r>
-            <a:endParaRPr lang="zh-CN" altLang="zh-CN" sz="2800" b="1" kern="100" dirty="0">
-              <a:solidFill>
-                <a:srgbClr val="C00000"/>
-              </a:solidFill>
-              <a:effectLst/>
-              <a:latin typeface="宋体"/>
-              <a:cs typeface="Courier New"/>
-            </a:endParaRPr>
-          </a:p>
-        </p:txBody>
-      </p:sp>
-    </p:spTree>
-    <p:extLst>
-      <p:ext uri="{BB962C8B-B14F-4D97-AF65-F5344CB8AC3E}">
-        <p14:creationId xmlns:p14="http://schemas.microsoft.com/office/powerpoint/2010/main" val="3802869915"/>
-      </p:ext>
-    </p:extLst>
-  </p:cSld>
-  <p:clrMapOvr>
-    <a:masterClrMapping/>
-  </p:clrMapOvr>
-  <p:timing>
-    <p:tnLst>
-      <p:par>
-        <p:cTn id="1" dur="indefinite" restart="never" nodeType="tmRoot">
-          <p:childTnLst>
-            <p:seq concurrent="1" nextAc="seek">
-              <p:cTn id="2" dur="indefinite" nodeType="mainSeq">
-                <p:childTnLst>
-                  <p:par>
-                    <p:cTn id="3" fill="hold">
-                      <p:stCondLst>
-                        <p:cond delay="indefinite"/>
-                      </p:stCondLst>
-                      <p:childTnLst>
-                        <p:par>
-                          <p:cTn id="4" fill="hold">
-                            <p:stCondLst>
-                              <p:cond delay="0"/>
-                            </p:stCondLst>
-                            <p:childTnLst>
-                              <p:par>
-                                <p:cTn id="5" presetID="3" presetClass="entr" presetSubtype="10" fill="hold" grpId="0" nodeType="clickEffect">
-                                  <p:stCondLst>
-                                    <p:cond delay="0"/>
-                                  </p:stCondLst>
-                                  <p:childTnLst>
-                                    <p:set>
-                                      <p:cBhvr>
-                                        <p:cTn id="6" dur="1" fill="hold">
-                                          <p:stCondLst>
-                                            <p:cond delay="0"/>
-                                          </p:stCondLst>
-                                        </p:cTn>
-                                        <p:tgtEl>
-                                          <p:spTgt spid="5"/>
-                                        </p:tgtEl>
-                                        <p:attrNameLst>
-                                          <p:attrName>style.visibility</p:attrName>
-                                        </p:attrNameLst>
-                                      </p:cBhvr>
-                                      <p:to>
-                                        <p:strVal val="visible"/>
-                                      </p:to>
-                                    </p:set>
-                                    <p:animEffect transition="in" filter="blinds(horizontal)">
-                                      <p:cBhvr>
-                                        <p:cTn id="7" dur="500"/>
-                                        <p:tgtEl>
-                                          <p:spTgt spid="5"/>
-                                        </p:tgtEl>
-                                      </p:cBhvr>
-                                    </p:animEffect>
-                                  </p:childTnLst>
-                                </p:cTn>
-                              </p:par>
-                            </p:childTnLst>
-                          </p:cTn>
-                        </p:par>
-                      </p:childTnLst>
-                    </p:cTn>
-                  </p:par>
-                  <p:par>
-                    <p:cTn id="8" fill="hold">
-                      <p:stCondLst>
-                        <p:cond delay="indefinite"/>
-                      </p:stCondLst>
-                      <p:childTnLst>
-                        <p:par>
-                          <p:cTn id="9" fill="hold">
-                            <p:stCondLst>
-                              <p:cond delay="0"/>
-                            </p:stCondLst>
-                            <p:childTnLst>
-                              <p:par>
-                                <p:cTn id="10" presetID="10" presetClass="exit" presetSubtype="0" fill="hold" grpId="1" nodeType="clickEffect">
-                                  <p:stCondLst>
-                                    <p:cond delay="0"/>
-                                  </p:stCondLst>
-                                  <p:childTnLst>
-                                    <p:animEffect transition="out" filter="fade">
-                                      <p:cBhvr>
-                                        <p:cTn id="11" dur="500"/>
-                                        <p:tgtEl>
-                                          <p:spTgt spid="5"/>
-                                        </p:tgtEl>
-                                      </p:cBhvr>
-                                    </p:animEffect>
-                                    <p:set>
-                                      <p:cBhvr>
-                                        <p:cTn id="12" dur="1" fill="hold">
-                                          <p:stCondLst>
-                                            <p:cond delay="499"/>
-                                          </p:stCondLst>
-                                        </p:cTn>
-                                        <p:tgtEl>
-                                          <p:spTgt spid="5"/>
-                                        </p:tgtEl>
-                                        <p:attrNameLst>
-                                          <p:attrName>style.visibility</p:attrName>
-                                        </p:attrNameLst>
-                                      </p:cBhvr>
-                                      <p:to>
-                                        <p:strVal val="hidden"/>
-                                      </p:to>
-                                    </p:set>
-                                  </p:childTnLst>
-                                </p:cTn>
-                              </p:par>
-                            </p:childTnLst>
-                          </p:cTn>
-                        </p:par>
-                      </p:childTnLst>
-                    </p:cTn>
-                  </p:par>
-                </p:childTnLst>
-              </p:cTn>
-              <p:prevCondLst>
-                <p:cond evt="onPrev" delay="0">
-                  <p:tgtEl>
-                    <p:sldTgt/>
-                  </p:tgtEl>
-                </p:cond>
-              </p:prevCondLst>
-              <p:nextCondLst>
-                <p:cond evt="onNext" delay="0">
-                  <p:tgtEl>
-                    <p:sldTgt/>
-                  </p:tgtEl>
-                </p:cond>
-              </p:nextCondLst>
-            </p:seq>
-          </p:childTnLst>
-        </p:cTn>
-      </p:par>
-    </p:tnLst>
-    <p:bldLst>
-      <p:bldP spid="5" grpId="0"/>
-      <p:bldP spid="5" grpId="1"/>
-    </p:bldLst>
-  </p:timing>
-</p:sld>
-</file>
-
-<file path=ppt/slides/slide21.xml><?xml version="1.0" encoding="utf-8"?>
-<p:sld xmlns:a="http://schemas.openxmlformats.org/drawingml/2006/main" xmlns:r="http://schemas.openxmlformats.org/officeDocument/2006/relationships" xmlns:p="http://schemas.openxmlformats.org/presentationml/2006/main">
-  <p:cSld>
-    <p:spTree>
-      <p:nvGrpSpPr>
-        <p:cNvPr id="1" name=""/>
-        <p:cNvGrpSpPr/>
-        <p:nvPr/>
-      </p:nvGrpSpPr>
-      <p:grpSpPr>
-        <a:xfrm>
-          <a:off x="0" y="0"/>
-          <a:ext cx="0" cy="0"/>
-          <a:chOff x="0" y="0"/>
-          <a:chExt cx="0" cy="0"/>
-        </a:xfrm>
-      </p:grpSpPr>
-      <p:sp>
-        <p:nvSpPr>
-          <p:cNvPr id="14" name="Rectangle 21">
-            <a:hlinkClick r:id="rId3" action="ppaction://hlinksldjump"/>
-          </p:cNvPr>
-          <p:cNvSpPr>
-            <a:spLocks noChangeArrowheads="1"/>
-          </p:cNvSpPr>
-          <p:nvPr/>
-        </p:nvSpPr>
-        <p:spPr bwMode="auto">
-          <a:xfrm>
-            <a:off x="9983638" y="45615"/>
-            <a:ext cx="360288" cy="575867"/>
-          </a:xfrm>
-          <a:prstGeom prst="rect">
-            <a:avLst/>
-          </a:prstGeom>
-          <a:noFill/>
-          <a:ln>
-            <a:noFill/>
-          </a:ln>
-          <a:effectLst/>
-          <a:extLst>
-            <a:ext uri="{909E8E84-426E-40DD-AFC4-6F175D3DCCD1}">
-              <a14:hiddenFill xmlns:a14="http://schemas.microsoft.com/office/drawing/2010/main">
-                <a:solidFill>
-                  <a:schemeClr val="bg1"/>
-                </a:solidFill>
-              </a14:hiddenFill>
-            </a:ext>
-            <a:ext uri="{91240B29-F687-4F45-9708-019B960494DF}">
-              <a14:hiddenLine xmlns:a14="http://schemas.microsoft.com/office/drawing/2010/main" w="9525">
-                <a:solidFill>
-                  <a:schemeClr val="tx1"/>
-                </a:solidFill>
-                <a:miter lim="800000"/>
-                <a:headEnd/>
-                <a:tailEnd/>
-              </a14:hiddenLine>
-            </a:ext>
-            <a:ext uri="{AF507438-7753-43E0-B8FC-AC1667EBCBE1}">
-              <a14:hiddenEffects xmlns:a14="http://schemas.microsoft.com/office/drawing/2010/main">
-                <a:effectLst>
-                  <a:outerShdw dist="35921" dir="2700000" algn="ctr" rotWithShape="0">
-                    <a:schemeClr val="bg2"/>
-                  </a:outerShdw>
-                </a:effectLst>
-              </a14:hiddenEffects>
-            </a:ext>
-          </a:extLst>
-        </p:spPr>
-        <p:txBody>
-          <a:bodyPr wrap="none" lIns="121898" tIns="60948" rIns="121898" bIns="60948" anchor="ctr"/>
-          <a:lstStyle/>
-          <a:p>
-            <a:pPr algn="r" defTabSz="914400"/>
-            <a:r>
-              <a:rPr lang="en-US" altLang="zh-CN" sz="2000" dirty="0">
-                <a:effectLst>
-                  <a:reflection blurRad="6350" stA="55000" endA="300" endPos="45500" dir="5400000" sy="-100000" algn="bl" rotWithShape="0"/>
-                </a:effectLst>
-                <a:latin typeface="Broadway" pitchFamily="82" charset="0"/>
-                <a:ea typeface="楷体" pitchFamily="49" charset="-122"/>
-                <a:cs typeface="经典繁仿黑" pitchFamily="49" charset="-122"/>
-              </a:rPr>
-              <a:t>1</a:t>
-            </a:r>
-          </a:p>
-        </p:txBody>
-      </p:sp>
-      <p:sp>
-        <p:nvSpPr>
-          <p:cNvPr id="15" name="Rectangle 21">
-            <a:hlinkClick r:id="rId4" action="ppaction://hlinksldjump"/>
-          </p:cNvPr>
-          <p:cNvSpPr>
-            <a:spLocks noChangeArrowheads="1"/>
-          </p:cNvSpPr>
-          <p:nvPr/>
-        </p:nvSpPr>
-        <p:spPr bwMode="auto">
-          <a:xfrm>
-            <a:off x="10416350" y="45615"/>
-            <a:ext cx="360288" cy="575867"/>
-          </a:xfrm>
-          <a:prstGeom prst="rect">
-            <a:avLst/>
-          </a:prstGeom>
-          <a:noFill/>
-          <a:ln>
-            <a:noFill/>
-          </a:ln>
-          <a:effectLst/>
-          <a:extLst>
-            <a:ext uri="{909E8E84-426E-40DD-AFC4-6F175D3DCCD1}">
-              <a14:hiddenFill xmlns:a14="http://schemas.microsoft.com/office/drawing/2010/main">
-                <a:solidFill>
-                  <a:schemeClr val="bg1"/>
-                </a:solidFill>
-              </a14:hiddenFill>
-            </a:ext>
-            <a:ext uri="{91240B29-F687-4F45-9708-019B960494DF}">
-              <a14:hiddenLine xmlns:a14="http://schemas.microsoft.com/office/drawing/2010/main" w="9525">
-                <a:solidFill>
-                  <a:schemeClr val="tx1"/>
-                </a:solidFill>
-                <a:miter lim="800000"/>
-                <a:headEnd/>
-                <a:tailEnd/>
-              </a14:hiddenLine>
-            </a:ext>
-            <a:ext uri="{AF507438-7753-43E0-B8FC-AC1667EBCBE1}">
-              <a14:hiddenEffects xmlns:a14="http://schemas.microsoft.com/office/drawing/2010/main">
-                <a:effectLst>
-                  <a:outerShdw dist="35921" dir="2700000" algn="ctr" rotWithShape="0">
-                    <a:schemeClr val="bg2"/>
-                  </a:outerShdw>
-                </a:effectLst>
-              </a14:hiddenEffects>
-            </a:ext>
-          </a:extLst>
-        </p:spPr>
-        <p:txBody>
-          <a:bodyPr wrap="none" lIns="121898" tIns="60948" rIns="121898" bIns="60948" anchor="ctr"/>
-          <a:lstStyle/>
-          <a:p>
-            <a:pPr algn="ctr" defTabSz="914400"/>
-            <a:r>
-              <a:rPr lang="en-US" altLang="zh-CN" sz="2000" dirty="0">
-                <a:effectLst>
-                  <a:reflection blurRad="6350" stA="55000" endA="300" endPos="45500" dir="5400000" sy="-100000" algn="bl" rotWithShape="0"/>
-                </a:effectLst>
-                <a:latin typeface="Broadway" pitchFamily="82" charset="0"/>
-                <a:ea typeface="楷体" pitchFamily="49" charset="-122"/>
-                <a:cs typeface="经典繁仿黑" pitchFamily="49" charset="-122"/>
-              </a:rPr>
-              <a:t>2</a:t>
-            </a:r>
-          </a:p>
-        </p:txBody>
-      </p:sp>
-      <p:sp>
-        <p:nvSpPr>
-          <p:cNvPr id="16" name="Rectangle 21">
-            <a:hlinkClick r:id="rId5" action="ppaction://hlinksldjump"/>
-          </p:cNvPr>
-          <p:cNvSpPr>
-            <a:spLocks noChangeArrowheads="1"/>
-          </p:cNvSpPr>
-          <p:nvPr/>
-        </p:nvSpPr>
-        <p:spPr bwMode="auto">
-          <a:xfrm>
-            <a:off x="10849062" y="45615"/>
-            <a:ext cx="360288" cy="575867"/>
-          </a:xfrm>
-          <a:prstGeom prst="rect">
-            <a:avLst/>
-          </a:prstGeom>
-          <a:noFill/>
-          <a:ln>
-            <a:noFill/>
-          </a:ln>
-          <a:effectLst/>
-          <a:extLst>
-            <a:ext uri="{909E8E84-426E-40DD-AFC4-6F175D3DCCD1}">
-              <a14:hiddenFill xmlns:a14="http://schemas.microsoft.com/office/drawing/2010/main">
-                <a:solidFill>
-                  <a:schemeClr val="bg1"/>
-                </a:solidFill>
-              </a14:hiddenFill>
-            </a:ext>
-            <a:ext uri="{91240B29-F687-4F45-9708-019B960494DF}">
-              <a14:hiddenLine xmlns:a14="http://schemas.microsoft.com/office/drawing/2010/main" w="9525">
-                <a:solidFill>
-                  <a:schemeClr val="tx1"/>
-                </a:solidFill>
-                <a:miter lim="800000"/>
-                <a:headEnd/>
-                <a:tailEnd/>
-              </a14:hiddenLine>
-            </a:ext>
-            <a:ext uri="{AF507438-7753-43E0-B8FC-AC1667EBCBE1}">
-              <a14:hiddenEffects xmlns:a14="http://schemas.microsoft.com/office/drawing/2010/main">
-                <a:effectLst>
-                  <a:outerShdw dist="35921" dir="2700000" algn="ctr" rotWithShape="0">
-                    <a:schemeClr val="bg2"/>
-                  </a:outerShdw>
-                </a:effectLst>
-              </a14:hiddenEffects>
-            </a:ext>
-          </a:extLst>
-        </p:spPr>
-        <p:txBody>
-          <a:bodyPr wrap="none" lIns="121898" tIns="60948" rIns="121898" bIns="60948" anchor="ctr"/>
-          <a:lstStyle/>
-          <a:p>
-            <a:pPr algn="ctr" defTabSz="914400"/>
-            <a:r>
-              <a:rPr lang="en-US" altLang="zh-CN" sz="2000" dirty="0">
-                <a:effectLst>
-                  <a:reflection blurRad="6350" stA="55000" endA="300" endPos="45500" dir="5400000" sy="-100000" algn="bl" rotWithShape="0"/>
-                </a:effectLst>
-                <a:latin typeface="Broadway" pitchFamily="82" charset="0"/>
-                <a:ea typeface="楷体" pitchFamily="49" charset="-122"/>
-                <a:cs typeface="经典繁仿黑" pitchFamily="49" charset="-122"/>
-              </a:rPr>
-              <a:t>3</a:t>
-            </a:r>
-          </a:p>
-        </p:txBody>
-      </p:sp>
-      <p:sp>
-        <p:nvSpPr>
-          <p:cNvPr id="17" name="Rectangle 21">
-            <a:hlinkClick r:id="rId6" action="ppaction://hlinksldjump"/>
-          </p:cNvPr>
-          <p:cNvSpPr>
-            <a:spLocks noChangeArrowheads="1"/>
-          </p:cNvSpPr>
-          <p:nvPr/>
-        </p:nvSpPr>
-        <p:spPr bwMode="auto">
-          <a:xfrm>
-            <a:off x="11297920" y="45418"/>
-            <a:ext cx="360288" cy="575867"/>
-          </a:xfrm>
-          <a:prstGeom prst="rect">
-            <a:avLst/>
-          </a:prstGeom>
-          <a:noFill/>
-          <a:ln>
-            <a:noFill/>
-          </a:ln>
-          <a:effectLst/>
-          <a:extLst>
-            <a:ext uri="{909E8E84-426E-40DD-AFC4-6F175D3DCCD1}">
-              <a14:hiddenFill xmlns:a14="http://schemas.microsoft.com/office/drawing/2010/main">
-                <a:solidFill>
-                  <a:schemeClr val="bg1"/>
-                </a:solidFill>
-              </a14:hiddenFill>
-            </a:ext>
-            <a:ext uri="{91240B29-F687-4F45-9708-019B960494DF}">
-              <a14:hiddenLine xmlns:a14="http://schemas.microsoft.com/office/drawing/2010/main" w="9525">
-                <a:solidFill>
-                  <a:schemeClr val="tx1"/>
-                </a:solidFill>
-                <a:miter lim="800000"/>
-                <a:headEnd/>
-                <a:tailEnd/>
-              </a14:hiddenLine>
-            </a:ext>
-            <a:ext uri="{AF507438-7753-43E0-B8FC-AC1667EBCBE1}">
-              <a14:hiddenEffects xmlns:a14="http://schemas.microsoft.com/office/drawing/2010/main">
-                <a:effectLst>
-                  <a:outerShdw dist="35921" dir="2700000" algn="ctr" rotWithShape="0">
-                    <a:schemeClr val="bg2"/>
-                  </a:outerShdw>
-                </a:effectLst>
-              </a14:hiddenEffects>
-            </a:ext>
-          </a:extLst>
-        </p:spPr>
-        <p:txBody>
-          <a:bodyPr wrap="none" lIns="121898" tIns="60948" rIns="121898" bIns="60948" anchor="ctr"/>
-          <a:lstStyle/>
-          <a:p>
-            <a:pPr algn="ctr" defTabSz="914400"/>
-            <a:r>
-              <a:rPr lang="en-US" altLang="zh-CN" sz="2000" dirty="0">
-                <a:solidFill>
-                  <a:srgbClr val="0000FF"/>
-                </a:solidFill>
-                <a:effectLst>
-                  <a:reflection blurRad="6350" stA="55000" endA="300" endPos="45500" dir="5400000" sy="-100000" algn="bl" rotWithShape="0"/>
-                </a:effectLst>
-                <a:latin typeface="Broadway" pitchFamily="82" charset="0"/>
-                <a:ea typeface="楷体" pitchFamily="49" charset="-122"/>
-                <a:cs typeface="经典繁仿黑" pitchFamily="49" charset="-122"/>
-              </a:rPr>
-              <a:t>4</a:t>
-            </a:r>
-          </a:p>
-        </p:txBody>
-      </p:sp>
-      <p:sp>
-        <p:nvSpPr>
-          <p:cNvPr id="18" name="Rectangle 21">
-            <a:hlinkClick r:id="rId7" action="ppaction://hlinksldjump"/>
-          </p:cNvPr>
-          <p:cNvSpPr>
-            <a:spLocks noChangeArrowheads="1"/>
-          </p:cNvSpPr>
-          <p:nvPr/>
-        </p:nvSpPr>
-        <p:spPr bwMode="auto">
-          <a:xfrm>
-            <a:off x="11730632" y="45418"/>
-            <a:ext cx="360288" cy="575867"/>
-          </a:xfrm>
-          <a:prstGeom prst="rect">
-            <a:avLst/>
-          </a:prstGeom>
-          <a:noFill/>
-          <a:ln>
-            <a:noFill/>
-          </a:ln>
-          <a:effectLst/>
-          <a:extLst>
-            <a:ext uri="{909E8E84-426E-40DD-AFC4-6F175D3DCCD1}">
-              <a14:hiddenFill xmlns:a14="http://schemas.microsoft.com/office/drawing/2010/main">
-                <a:solidFill>
-                  <a:schemeClr val="bg1"/>
-                </a:solidFill>
-              </a14:hiddenFill>
-            </a:ext>
-            <a:ext uri="{91240B29-F687-4F45-9708-019B960494DF}">
-              <a14:hiddenLine xmlns:a14="http://schemas.microsoft.com/office/drawing/2010/main" w="9525">
-                <a:solidFill>
-                  <a:schemeClr val="tx1"/>
-                </a:solidFill>
-                <a:miter lim="800000"/>
-                <a:headEnd/>
-                <a:tailEnd/>
-              </a14:hiddenLine>
-            </a:ext>
-            <a:ext uri="{AF507438-7753-43E0-B8FC-AC1667EBCBE1}">
-              <a14:hiddenEffects xmlns:a14="http://schemas.microsoft.com/office/drawing/2010/main">
-                <a:effectLst>
-                  <a:outerShdw dist="35921" dir="2700000" algn="ctr" rotWithShape="0">
-                    <a:schemeClr val="bg2"/>
-                  </a:outerShdw>
-                </a:effectLst>
-              </a14:hiddenEffects>
-            </a:ext>
-          </a:extLst>
-        </p:spPr>
-        <p:txBody>
-          <a:bodyPr wrap="none" lIns="121898" tIns="60948" rIns="121898" bIns="60948" anchor="ctr"/>
-          <a:lstStyle/>
-          <a:p>
-            <a:pPr algn="ctr" defTabSz="914400"/>
-            <a:r>
-              <a:rPr lang="en-US" altLang="zh-CN" sz="2000" dirty="0">
-                <a:effectLst>
-                  <a:reflection blurRad="6350" stA="55000" endA="300" endPos="45500" dir="5400000" sy="-100000" algn="bl" rotWithShape="0"/>
-                </a:effectLst>
-                <a:latin typeface="Broadway" pitchFamily="82" charset="0"/>
-                <a:ea typeface="楷体" pitchFamily="49" charset="-122"/>
-                <a:cs typeface="经典繁仿黑" pitchFamily="49" charset="-122"/>
-              </a:rPr>
-              <a:t>5</a:t>
-            </a:r>
-          </a:p>
-        </p:txBody>
-      </p:sp>
-      <p:graphicFrame>
-        <p:nvGraphicFramePr>
-          <p:cNvPr id="23" name="对象 22"/>
-          <p:cNvGraphicFramePr>
-            <a:graphicFrameLocks noChangeAspect="1"/>
-          </p:cNvGraphicFramePr>
-          <p:nvPr>
-            <p:extLst>
-              <p:ext uri="{D42A27DB-BD31-4B8C-83A1-F6EECF244321}">
-                <p14:modId xmlns:p14="http://schemas.microsoft.com/office/powerpoint/2010/main" val="965378805"/>
-              </p:ext>
-            </p:extLst>
-          </p:nvPr>
-        </p:nvGraphicFramePr>
-        <p:xfrm>
-          <a:off x="514006" y="937295"/>
-          <a:ext cx="11182350" cy="2276475"/>
-        </p:xfrm>
-        <a:graphic>
-          <a:graphicData uri="http://schemas.openxmlformats.org/presentationml/2006/ole">
-            <mc:AlternateContent xmlns:mc="http://schemas.openxmlformats.org/markup-compatibility/2006">
-              <mc:Choice xmlns:v="urn:schemas-microsoft-com:vml" Requires="v">
-                <p:oleObj spid="_x0000_s32811" name="文档" r:id="rId8" imgW="11183980" imgH="2282788" progId="Word.Document.12">
-                  <p:embed/>
-                </p:oleObj>
-              </mc:Choice>
-              <mc:Fallback>
-                <p:oleObj name="文档" r:id="rId8" imgW="11183980" imgH="2282788" progId="Word.Document.12">
-                  <p:embed/>
-                  <p:pic>
-                    <p:nvPicPr>
-                      <p:cNvPr id="0" name=""/>
-                      <p:cNvPicPr/>
-                      <p:nvPr/>
-                    </p:nvPicPr>
-                    <p:blipFill>
-                      <a:blip r:embed="rId9"/>
-                      <a:stretch>
-                        <a:fillRect/>
-                      </a:stretch>
-                    </p:blipFill>
-                    <p:spPr>
-                      <a:xfrm>
-                        <a:off x="514006" y="937295"/>
-                        <a:ext cx="11182350" cy="2276475"/>
-                      </a:xfrm>
-                      <a:prstGeom prst="rect">
-                        <a:avLst/>
-                      </a:prstGeom>
-                    </p:spPr>
-                  </p:pic>
-                </p:oleObj>
-              </mc:Fallback>
-            </mc:AlternateContent>
-          </a:graphicData>
-        </a:graphic>
-      </p:graphicFrame>
-      <p:sp>
-        <p:nvSpPr>
-          <p:cNvPr id="3" name="矩形 2"/>
-          <p:cNvSpPr/>
-          <p:nvPr/>
-        </p:nvSpPr>
-        <p:spPr>
-          <a:xfrm>
-            <a:off x="2575348" y="765498"/>
-            <a:ext cx="423514" cy="656846"/>
-          </a:xfrm>
-          <a:prstGeom prst="rect">
-            <a:avLst/>
-          </a:prstGeom>
-        </p:spPr>
-        <p:txBody>
-          <a:bodyPr wrap="none">
-            <a:spAutoFit/>
-          </a:bodyPr>
-          <a:lstStyle/>
-          <a:p>
-            <a:pPr algn="just">
-              <a:lnSpc>
-                <a:spcPct val="150000"/>
-              </a:lnSpc>
-              <a:spcAft>
-                <a:spcPts val="0"/>
-              </a:spcAft>
-              <a:tabLst>
-                <a:tab pos="1890395" algn="l"/>
-              </a:tabLst>
-            </a:pPr>
-            <a:r>
-              <a:rPr lang="en-US" altLang="zh-CN" sz="2800" b="1" kern="100" dirty="0">
-                <a:solidFill>
-                  <a:srgbClr val="C00000"/>
-                </a:solidFill>
-                <a:latin typeface="Times New Roman"/>
-                <a:ea typeface="华文细黑"/>
-                <a:cs typeface="Courier New"/>
-              </a:rPr>
-              <a:t>B</a:t>
-            </a:r>
-            <a:endParaRPr lang="zh-CN" altLang="zh-CN" sz="2800" b="1" kern="100" dirty="0">
-              <a:solidFill>
-                <a:srgbClr val="C00000"/>
-              </a:solidFill>
-              <a:effectLst/>
-              <a:latin typeface="宋体"/>
-              <a:cs typeface="Courier New"/>
-            </a:endParaRPr>
-          </a:p>
-        </p:txBody>
-      </p:sp>
-    </p:spTree>
-    <p:extLst>
-      <p:ext uri="{BB962C8B-B14F-4D97-AF65-F5344CB8AC3E}">
-        <p14:creationId xmlns:p14="http://schemas.microsoft.com/office/powerpoint/2010/main" val="1437909693"/>
-      </p:ext>
-    </p:extLst>
-  </p:cSld>
-  <p:clrMapOvr>
-    <a:masterClrMapping/>
-  </p:clrMapOvr>
-  <p:timing>
-    <p:tnLst>
-      <p:par>
-        <p:cTn id="1" dur="indefinite" restart="never" nodeType="tmRoot">
-          <p:childTnLst>
-            <p:seq concurrent="1" nextAc="seek">
-              <p:cTn id="2" dur="indefinite" nodeType="mainSeq">
-                <p:childTnLst>
-                  <p:par>
-                    <p:cTn id="3" fill="hold">
-                      <p:stCondLst>
-                        <p:cond delay="indefinite"/>
-                      </p:stCondLst>
-                      <p:childTnLst>
-                        <p:par>
-                          <p:cTn id="4" fill="hold">
-                            <p:stCondLst>
-                              <p:cond delay="0"/>
-                            </p:stCondLst>
-                            <p:childTnLst>
-                              <p:par>
-                                <p:cTn id="5" presetID="3" presetClass="entr" presetSubtype="10" fill="hold" grpId="0" nodeType="clickEffect">
-                                  <p:stCondLst>
-                                    <p:cond delay="0"/>
-                                  </p:stCondLst>
-                                  <p:childTnLst>
-                                    <p:set>
-                                      <p:cBhvr>
-                                        <p:cTn id="6" dur="1" fill="hold">
-                                          <p:stCondLst>
-                                            <p:cond delay="0"/>
-                                          </p:stCondLst>
-                                        </p:cTn>
-                                        <p:tgtEl>
-                                          <p:spTgt spid="3"/>
-                                        </p:tgtEl>
-                                        <p:attrNameLst>
-                                          <p:attrName>style.visibility</p:attrName>
-                                        </p:attrNameLst>
-                                      </p:cBhvr>
-                                      <p:to>
-                                        <p:strVal val="visible"/>
-                                      </p:to>
-                                    </p:set>
-                                    <p:animEffect transition="in" filter="blinds(horizontal)">
-                                      <p:cBhvr>
-                                        <p:cTn id="7" dur="500"/>
-                                        <p:tgtEl>
-                                          <p:spTgt spid="3"/>
-                                        </p:tgtEl>
-                                      </p:cBhvr>
-                                    </p:animEffect>
-                                  </p:childTnLst>
-                                </p:cTn>
-                              </p:par>
-                            </p:childTnLst>
-                          </p:cTn>
-                        </p:par>
-                      </p:childTnLst>
-                    </p:cTn>
-                  </p:par>
-                  <p:par>
-                    <p:cTn id="8" fill="hold">
-                      <p:stCondLst>
-                        <p:cond delay="indefinite"/>
-                      </p:stCondLst>
-                      <p:childTnLst>
-                        <p:par>
-                          <p:cTn id="9" fill="hold">
-                            <p:stCondLst>
-                              <p:cond delay="0"/>
-                            </p:stCondLst>
-                            <p:childTnLst>
-                              <p:par>
-                                <p:cTn id="10" presetID="10" presetClass="exit" presetSubtype="0" fill="hold" grpId="1" nodeType="clickEffect">
-                                  <p:stCondLst>
-                                    <p:cond delay="0"/>
-                                  </p:stCondLst>
-                                  <p:childTnLst>
-                                    <p:animEffect transition="out" filter="fade">
-                                      <p:cBhvr>
-                                        <p:cTn id="11" dur="500"/>
-                                        <p:tgtEl>
-                                          <p:spTgt spid="3"/>
-                                        </p:tgtEl>
-                                      </p:cBhvr>
-                                    </p:animEffect>
-                                    <p:set>
-                                      <p:cBhvr>
-                                        <p:cTn id="12" dur="1" fill="hold">
-                                          <p:stCondLst>
-                                            <p:cond delay="499"/>
-                                          </p:stCondLst>
-                                        </p:cTn>
-                                        <p:tgtEl>
-                                          <p:spTgt spid="3"/>
-                                        </p:tgtEl>
-                                        <p:attrNameLst>
-                                          <p:attrName>style.visibility</p:attrName>
-                                        </p:attrNameLst>
-                                      </p:cBhvr>
-                                      <p:to>
-                                        <p:strVal val="hidden"/>
-                                      </p:to>
-                                    </p:set>
-                                  </p:childTnLst>
-                                </p:cTn>
-                              </p:par>
-                            </p:childTnLst>
-                          </p:cTn>
-                        </p:par>
-                      </p:childTnLst>
-                    </p:cTn>
-                  </p:par>
-                </p:childTnLst>
-              </p:cTn>
-              <p:prevCondLst>
-                <p:cond evt="onPrev" delay="0">
-                  <p:tgtEl>
-                    <p:sldTgt/>
-                  </p:tgtEl>
-                </p:cond>
-              </p:prevCondLst>
-              <p:nextCondLst>
-                <p:cond evt="onNext" delay="0">
-                  <p:tgtEl>
-                    <p:sldTgt/>
-                  </p:tgtEl>
-                </p:cond>
-              </p:nextCondLst>
-            </p:seq>
-          </p:childTnLst>
-        </p:cTn>
-      </p:par>
-    </p:tnLst>
-    <p:bldLst>
-      <p:bldP spid="3" grpId="0"/>
-      <p:bldP spid="3" grpId="1"/>
-    </p:bldLst>
-  </p:timing>
-</p:sld>
-</file>
-
-<file path=ppt/slides/slide22.xml><?xml version="1.0" encoding="utf-8"?>
-<p:sld xmlns:a="http://schemas.openxmlformats.org/drawingml/2006/main" xmlns:r="http://schemas.openxmlformats.org/officeDocument/2006/relationships" xmlns:p="http://schemas.openxmlformats.org/presentationml/2006/main">
-  <p:cSld>
-    <p:spTree>
-      <p:nvGrpSpPr>
-        <p:cNvPr id="1" name=""/>
-        <p:cNvGrpSpPr/>
-        <p:nvPr/>
-      </p:nvGrpSpPr>
-      <p:grpSpPr>
-        <a:xfrm>
-          <a:off x="0" y="0"/>
-          <a:ext cx="0" cy="0"/>
-          <a:chOff x="0" y="0"/>
-          <a:chExt cx="0" cy="0"/>
-        </a:xfrm>
-      </p:grpSpPr>
-      <p:sp>
-        <p:nvSpPr>
           <p:cNvPr id="14" name="Rectangle 21">
             <a:hlinkClick r:id="rId3" action="ppaction://hlinksldjump"/>
           </p:cNvPr>
@@ -12350,7 +10465,7 @@
           <a:graphicData uri="http://schemas.openxmlformats.org/presentationml/2006/ole">
             <mc:AlternateContent xmlns:mc="http://schemas.openxmlformats.org/markup-compatibility/2006">
               <mc:Choice xmlns:v="urn:schemas-microsoft-com:vml" Requires="v">
-                <p:oleObj spid="_x0000_s23611" name="Document" r:id="rId8" imgW="9318988" imgH="4920261" progId="Word.Document.8">
+                <p:oleObj spid="_x0000_s23613" name="Document" r:id="rId8" imgW="9318988" imgH="4920261" progId="Word.Document.8">
                   <p:embed/>
                 </p:oleObj>
               </mc:Choice>
@@ -12574,7 +10689,7 @@
 </p:sld>
 </file>
 
-<file path=ppt/slides/slide23.xml><?xml version="1.0" encoding="utf-8"?>
+<file path=ppt/slides/slide21.xml><?xml version="1.0" encoding="utf-8"?>
 <p:sld xmlns:a="http://schemas.openxmlformats.org/drawingml/2006/main" xmlns:r="http://schemas.openxmlformats.org/officeDocument/2006/relationships" xmlns:p="http://schemas.openxmlformats.org/presentationml/2006/main">
   <p:cSld>
     <p:spTree>
@@ -13662,7 +11777,7 @@
           <a:graphicData uri="http://schemas.openxmlformats.org/presentationml/2006/ole">
             <mc:AlternateContent xmlns:mc="http://schemas.openxmlformats.org/markup-compatibility/2006">
               <mc:Choice xmlns:v="urn:schemas-microsoft-com:vml" Requires="v">
-                <p:oleObj spid="_x0000_s25642" name="文档" r:id="rId3" imgW="835173" imgH="1274766" progId="Word.Document.12">
+                <p:oleObj spid="_x0000_s25644" name="文档" r:id="rId3" imgW="835173" imgH="1274766" progId="Word.Document.12">
                   <p:embed/>
                 </p:oleObj>
               </mc:Choice>
@@ -14191,7 +12306,7 @@
           <a:graphicData uri="http://schemas.openxmlformats.org/presentationml/2006/ole">
             <mc:AlternateContent xmlns:mc="http://schemas.openxmlformats.org/markup-compatibility/2006">
               <mc:Choice xmlns:v="urn:schemas-microsoft-com:vml" Requires="v">
-                <p:oleObj spid="_x0000_s56330" name="Document" r:id="rId3" imgW="10736028" imgH="2988238" progId="Word.Document.8">
+                <p:oleObj spid="_x0000_s56334" name="Document" r:id="rId3" imgW="10736028" imgH="2988238" progId="Word.Document.8">
                   <p:embed/>
                 </p:oleObj>
               </mc:Choice>
@@ -14256,7 +12371,7 @@
           <a:graphicData uri="http://schemas.openxmlformats.org/presentationml/2006/ole">
             <mc:AlternateContent xmlns:mc="http://schemas.openxmlformats.org/markup-compatibility/2006">
               <mc:Choice xmlns:v="urn:schemas-microsoft-com:vml" Requires="v">
-                <p:oleObj spid="_x0000_s56331" name="Document" r:id="rId5" imgW="10908468" imgH="3791092" progId="Word.Document.8">
+                <p:oleObj spid="_x0000_s56335" name="Document" r:id="rId5" imgW="10908468" imgH="3791092" progId="Word.Document.8">
                   <p:embed/>
                 </p:oleObj>
               </mc:Choice>
@@ -14508,7 +12623,7 @@
           <a:graphicData uri="http://schemas.openxmlformats.org/presentationml/2006/ole">
             <mc:AlternateContent xmlns:mc="http://schemas.openxmlformats.org/markup-compatibility/2006">
               <mc:Choice xmlns:v="urn:schemas-microsoft-com:vml" Requires="v">
-                <p:oleObj spid="_x0000_s15430" name="文档" r:id="rId3" imgW="11183980" imgH="2282788" progId="Word.Document.12">
+                <p:oleObj spid="_x0000_s15434" name="文档" r:id="rId3" imgW="11183980" imgH="2282788" progId="Word.Document.12">
                   <p:embed/>
                 </p:oleObj>
               </mc:Choice>
@@ -14565,7 +12680,7 @@
           <a:graphicData uri="http://schemas.openxmlformats.org/presentationml/2006/ole">
             <mc:AlternateContent xmlns:mc="http://schemas.openxmlformats.org/markup-compatibility/2006">
               <mc:Choice xmlns:v="urn:schemas-microsoft-com:vml" Requires="v">
-                <p:oleObj spid="_x0000_s15431" name="文档" r:id="rId5" imgW="11183980" imgH="2286033" progId="Word.Document.12">
+                <p:oleObj spid="_x0000_s15435" name="文档" r:id="rId5" imgW="11183980" imgH="2286033" progId="Word.Document.12">
                   <p:embed/>
                 </p:oleObj>
               </mc:Choice>
@@ -14865,7 +12980,7 @@
           <p:nvPr>
             <p:extLst>
               <p:ext uri="{D42A27DB-BD31-4B8C-83A1-F6EECF244321}">
-                <p14:modId xmlns:p14="http://schemas.microsoft.com/office/powerpoint/2010/main" val="288337337"/>
+                <p14:modId xmlns:p14="http://schemas.microsoft.com/office/powerpoint/2010/main" val="4131785867"/>
               </p:ext>
             </p:extLst>
           </p:nvPr>
@@ -14878,12 +12993,12 @@
           <a:graphicData uri="http://schemas.openxmlformats.org/presentationml/2006/ole">
             <mc:AlternateContent xmlns:mc="http://schemas.openxmlformats.org/markup-compatibility/2006">
               <mc:Choice xmlns:v="urn:schemas-microsoft-com:vml" Requires="v">
-                <p:oleObj spid="_x0000_s26675" name="文档" r:id="rId3" imgW="10907386" imgH="3213929" progId="Word.Document.12">
+                <p:oleObj spid="_x0000_s26681" name="文档" r:id="rId3" imgW="10935885" imgH="3209257" progId="Word.Document.12">
                   <p:embed/>
                 </p:oleObj>
               </mc:Choice>
               <mc:Fallback>
-                <p:oleObj name="文档" r:id="rId3" imgW="10907386" imgH="3213929" progId="Word.Document.12">
+                <p:oleObj name="文档" r:id="rId3" imgW="10935885" imgH="3209257" progId="Word.Document.12">
                   <p:embed/>
                   <p:pic>
                     <p:nvPicPr>
@@ -14922,25 +13037,25 @@
           <p:nvPr>
             <p:extLst>
               <p:ext uri="{D42A27DB-BD31-4B8C-83A1-F6EECF244321}">
-                <p14:modId xmlns:p14="http://schemas.microsoft.com/office/powerpoint/2010/main" val="1013212063"/>
+                <p14:modId xmlns:p14="http://schemas.microsoft.com/office/powerpoint/2010/main" val="1736417380"/>
               </p:ext>
             </p:extLst>
           </p:nvPr>
         </p:nvGraphicFramePr>
         <p:xfrm>
-          <a:off x="-246063" y="2638425"/>
+          <a:off x="-241498" y="2637706"/>
           <a:ext cx="9729788" cy="4759325"/>
         </p:xfrm>
         <a:graphic>
           <a:graphicData uri="http://schemas.openxmlformats.org/presentationml/2006/ole">
             <mc:AlternateContent xmlns:mc="http://schemas.openxmlformats.org/markup-compatibility/2006">
               <mc:Choice xmlns:v="urn:schemas-microsoft-com:vml" Requires="v">
-                <p:oleObj spid="_x0000_s26676" name="Document" r:id="rId5" imgW="10032198" imgH="4898339" progId="Word.Document.8">
+                <p:oleObj spid="_x0000_s26682" name="Document" r:id="rId5" imgW="10032198" imgH="4890433" progId="Word.Document.8">
                   <p:embed/>
                 </p:oleObj>
               </mc:Choice>
               <mc:Fallback>
-                <p:oleObj name="Document" r:id="rId5" imgW="10032198" imgH="4898339" progId="Word.Document.8">
+                <p:oleObj name="Document" r:id="rId5" imgW="10032198" imgH="4890433" progId="Word.Document.8">
                   <p:embed/>
                   <p:pic>
                     <p:nvPicPr>
@@ -14959,7 +13074,7 @@
                     </p:blipFill>
                     <p:spPr bwMode="auto">
                       <a:xfrm>
-                        <a:off x="-246063" y="2638425"/>
+                        <a:off x="-241498" y="2637706"/>
                         <a:ext cx="9729788" cy="4759325"/>
                       </a:xfrm>
                       <a:prstGeom prst="rect">
@@ -15015,7 +13130,7 @@
           <p:nvPr>
             <p:extLst>
               <p:ext uri="{D42A27DB-BD31-4B8C-83A1-F6EECF244321}">
-                <p14:modId xmlns:p14="http://schemas.microsoft.com/office/powerpoint/2010/main" val="1447911380"/>
+                <p14:modId xmlns:p14="http://schemas.microsoft.com/office/powerpoint/2010/main" val="2875271425"/>
               </p:ext>
             </p:extLst>
           </p:nvPr>
@@ -15028,7 +13143,7 @@
           <a:graphicData uri="http://schemas.openxmlformats.org/presentationml/2006/ole">
             <mc:AlternateContent xmlns:mc="http://schemas.openxmlformats.org/markup-compatibility/2006">
               <mc:Choice xmlns:v="urn:schemas-microsoft-com:vml" Requires="v">
-                <p:oleObj spid="_x0000_s26677" name="Document" r:id="rId7" imgW="1812417" imgH="790994" progId="Word.Document.8">
+                <p:oleObj spid="_x0000_s26683" name="Document" r:id="rId7" imgW="1812417" imgH="790994" progId="Word.Document.8">
                   <p:embed/>
                 </p:oleObj>
               </mc:Choice>
@@ -15554,7 +13669,7 @@
           <a:graphicData uri="http://schemas.openxmlformats.org/presentationml/2006/ole">
             <mc:AlternateContent xmlns:mc="http://schemas.openxmlformats.org/markup-compatibility/2006">
               <mc:Choice xmlns:v="urn:schemas-microsoft-com:vml" Requires="v">
-                <p:oleObj spid="_x0000_s2203" name="Document" r:id="rId3" imgW="11098340" imgH="1767971" progId="Word.Document.12">
+                <p:oleObj spid="_x0000_s2213" name="Document" r:id="rId3" imgW="11098340" imgH="1767971" progId="Word.Document.12">
                   <p:embed/>
                 </p:oleObj>
               </mc:Choice>
@@ -15611,7 +13726,7 @@
           <a:graphicData uri="http://schemas.openxmlformats.org/presentationml/2006/ole">
             <mc:AlternateContent xmlns:mc="http://schemas.openxmlformats.org/markup-compatibility/2006">
               <mc:Choice xmlns:v="urn:schemas-microsoft-com:vml" Requires="v">
-                <p:oleObj spid="_x0000_s2204" name="文档" r:id="rId5" imgW="11098340" imgH="1764726" progId="Word.Document.12">
+                <p:oleObj spid="_x0000_s2214" name="文档" r:id="rId5" imgW="11098340" imgH="1764726" progId="Word.Document.12">
                   <p:embed/>
                 </p:oleObj>
               </mc:Choice>
@@ -15668,7 +13783,7 @@
           <a:graphicData uri="http://schemas.openxmlformats.org/presentationml/2006/ole">
             <mc:AlternateContent xmlns:mc="http://schemas.openxmlformats.org/markup-compatibility/2006">
               <mc:Choice xmlns:v="urn:schemas-microsoft-com:vml" Requires="v">
-                <p:oleObj spid="_x0000_s2205" name="文档" r:id="rId7" imgW="11098340" imgH="1761482" progId="Word.Document.12">
+                <p:oleObj spid="_x0000_s2215" name="文档" r:id="rId7" imgW="11098340" imgH="1761482" progId="Word.Document.12">
                   <p:embed/>
                 </p:oleObj>
               </mc:Choice>
@@ -15725,7 +13840,7 @@
           <a:graphicData uri="http://schemas.openxmlformats.org/presentationml/2006/ole">
             <mc:AlternateContent xmlns:mc="http://schemas.openxmlformats.org/markup-compatibility/2006">
               <mc:Choice xmlns:v="urn:schemas-microsoft-com:vml" Requires="v">
-                <p:oleObj spid="_x0000_s2206" name="文档" r:id="rId9" imgW="11136482" imgH="1278030" progId="Word.Document.12">
+                <p:oleObj spid="_x0000_s2216" name="文档" r:id="rId9" imgW="11136482" imgH="1278030" progId="Word.Document.12">
                   <p:embed/>
                 </p:oleObj>
               </mc:Choice>
@@ -15782,7 +13897,7 @@
           <a:graphicData uri="http://schemas.openxmlformats.org/presentationml/2006/ole">
             <mc:AlternateContent xmlns:mc="http://schemas.openxmlformats.org/markup-compatibility/2006">
               <mc:Choice xmlns:v="urn:schemas-microsoft-com:vml" Requires="v">
-                <p:oleObj spid="_x0000_s2207" name="文档" r:id="rId11" imgW="11136482" imgH="1279832" progId="Word.Document.12">
+                <p:oleObj spid="_x0000_s2217" name="文档" r:id="rId11" imgW="11136482" imgH="1279832" progId="Word.Document.12">
                   <p:embed/>
                 </p:oleObj>
               </mc:Choice>
@@ -16249,576 +14364,6 @@
       </p:grpSpPr>
       <p:graphicFrame>
         <p:nvGraphicFramePr>
-          <p:cNvPr id="13" name="对象 12"/>
-          <p:cNvGraphicFramePr>
-            <a:graphicFrameLocks noChangeAspect="1"/>
-          </p:cNvGraphicFramePr>
-          <p:nvPr>
-            <p:extLst>
-              <p:ext uri="{D42A27DB-BD31-4B8C-83A1-F6EECF244321}">
-                <p14:modId xmlns:p14="http://schemas.microsoft.com/office/powerpoint/2010/main" val="391421393"/>
-              </p:ext>
-            </p:extLst>
-          </p:nvPr>
-        </p:nvGraphicFramePr>
-        <p:xfrm>
-          <a:off x="619397" y="549474"/>
-          <a:ext cx="11020425" cy="1381125"/>
-        </p:xfrm>
-        <a:graphic>
-          <a:graphicData uri="http://schemas.openxmlformats.org/presentationml/2006/ole">
-            <mc:AlternateContent xmlns:mc="http://schemas.openxmlformats.org/markup-compatibility/2006">
-              <mc:Choice xmlns:v="urn:schemas-microsoft-com:vml" Requires="v">
-                <p:oleObj spid="_x0000_s18557" name="Document" r:id="rId3" imgW="11022415" imgH="1386185" progId="Word.Document.12">
-                  <p:embed/>
-                </p:oleObj>
-              </mc:Choice>
-              <mc:Fallback>
-                <p:oleObj name="Document" r:id="rId3" imgW="11022415" imgH="1386185" progId="Word.Document.12">
-                  <p:embed/>
-                  <p:pic>
-                    <p:nvPicPr>
-                      <p:cNvPr id="0" name=""/>
-                      <p:cNvPicPr/>
-                      <p:nvPr/>
-                    </p:nvPicPr>
-                    <p:blipFill>
-                      <a:blip r:embed="rId4"/>
-                      <a:stretch>
-                        <a:fillRect/>
-                      </a:stretch>
-                    </p:blipFill>
-                    <p:spPr>
-                      <a:xfrm>
-                        <a:off x="619397" y="549474"/>
-                        <a:ext cx="11020425" cy="1381125"/>
-                      </a:xfrm>
-                      <a:prstGeom prst="rect">
-                        <a:avLst/>
-                      </a:prstGeom>
-                    </p:spPr>
-                  </p:pic>
-                </p:oleObj>
-              </mc:Fallback>
-            </mc:AlternateContent>
-          </a:graphicData>
-        </a:graphic>
-      </p:graphicFrame>
-      <p:graphicFrame>
-        <p:nvGraphicFramePr>
-          <p:cNvPr id="6" name="对象 5"/>
-          <p:cNvGraphicFramePr>
-            <a:graphicFrameLocks noChangeAspect="1"/>
-          </p:cNvGraphicFramePr>
-          <p:nvPr>
-            <p:extLst>
-              <p:ext uri="{D42A27DB-BD31-4B8C-83A1-F6EECF244321}">
-                <p14:modId xmlns:p14="http://schemas.microsoft.com/office/powerpoint/2010/main" val="2488640190"/>
-              </p:ext>
-            </p:extLst>
-          </p:nvPr>
-        </p:nvGraphicFramePr>
-        <p:xfrm>
-          <a:off x="619397" y="1616621"/>
-          <a:ext cx="11020425" cy="1381125"/>
-        </p:xfrm>
-        <a:graphic>
-          <a:graphicData uri="http://schemas.openxmlformats.org/presentationml/2006/ole">
-            <mc:AlternateContent xmlns:mc="http://schemas.openxmlformats.org/markup-compatibility/2006">
-              <mc:Choice xmlns:v="urn:schemas-microsoft-com:vml" Requires="v">
-                <p:oleObj spid="_x0000_s18558" name="文档" r:id="rId5" imgW="11022415" imgH="1384742" progId="Word.Document.12">
-                  <p:embed/>
-                </p:oleObj>
-              </mc:Choice>
-              <mc:Fallback>
-                <p:oleObj name="文档" r:id="rId5" imgW="11022415" imgH="1384742" progId="Word.Document.12">
-                  <p:embed/>
-                  <p:pic>
-                    <p:nvPicPr>
-                      <p:cNvPr id="0" name=""/>
-                      <p:cNvPicPr/>
-                      <p:nvPr/>
-                    </p:nvPicPr>
-                    <p:blipFill>
-                      <a:blip r:embed="rId6"/>
-                      <a:stretch>
-                        <a:fillRect/>
-                      </a:stretch>
-                    </p:blipFill>
-                    <p:spPr>
-                      <a:xfrm>
-                        <a:off x="619397" y="1616621"/>
-                        <a:ext cx="11020425" cy="1381125"/>
-                      </a:xfrm>
-                      <a:prstGeom prst="rect">
-                        <a:avLst/>
-                      </a:prstGeom>
-                    </p:spPr>
-                  </p:pic>
-                </p:oleObj>
-              </mc:Fallback>
-            </mc:AlternateContent>
-          </a:graphicData>
-        </a:graphic>
-      </p:graphicFrame>
-      <p:graphicFrame>
-        <p:nvGraphicFramePr>
-          <p:cNvPr id="8" name="对象 7"/>
-          <p:cNvGraphicFramePr>
-            <a:graphicFrameLocks noChangeAspect="1"/>
-          </p:cNvGraphicFramePr>
-          <p:nvPr>
-            <p:extLst>
-              <p:ext uri="{D42A27DB-BD31-4B8C-83A1-F6EECF244321}">
-                <p14:modId xmlns:p14="http://schemas.microsoft.com/office/powerpoint/2010/main" val="869002748"/>
-              </p:ext>
-            </p:extLst>
-          </p:nvPr>
-        </p:nvGraphicFramePr>
-        <p:xfrm>
-          <a:off x="619397" y="2624733"/>
-          <a:ext cx="11020425" cy="1381125"/>
-        </p:xfrm>
-        <a:graphic>
-          <a:graphicData uri="http://schemas.openxmlformats.org/presentationml/2006/ole">
-            <mc:AlternateContent xmlns:mc="http://schemas.openxmlformats.org/markup-compatibility/2006">
-              <mc:Choice xmlns:v="urn:schemas-microsoft-com:vml" Requires="v">
-                <p:oleObj spid="_x0000_s18559" name="文档" r:id="rId7" imgW="11022415" imgH="1386185" progId="Word.Document.12">
-                  <p:embed/>
-                </p:oleObj>
-              </mc:Choice>
-              <mc:Fallback>
-                <p:oleObj name="文档" r:id="rId7" imgW="11022415" imgH="1386185" progId="Word.Document.12">
-                  <p:embed/>
-                  <p:pic>
-                    <p:nvPicPr>
-                      <p:cNvPr id="0" name=""/>
-                      <p:cNvPicPr/>
-                      <p:nvPr/>
-                    </p:nvPicPr>
-                    <p:blipFill>
-                      <a:blip r:embed="rId8"/>
-                      <a:stretch>
-                        <a:fillRect/>
-                      </a:stretch>
-                    </p:blipFill>
-                    <p:spPr>
-                      <a:xfrm>
-                        <a:off x="619397" y="2624733"/>
-                        <a:ext cx="11020425" cy="1381125"/>
-                      </a:xfrm>
-                      <a:prstGeom prst="rect">
-                        <a:avLst/>
-                      </a:prstGeom>
-                    </p:spPr>
-                  </p:pic>
-                </p:oleObj>
-              </mc:Fallback>
-            </mc:AlternateContent>
-          </a:graphicData>
-        </a:graphic>
-      </p:graphicFrame>
-      <p:graphicFrame>
-        <p:nvGraphicFramePr>
-          <p:cNvPr id="11" name="对象 10"/>
-          <p:cNvGraphicFramePr>
-            <a:graphicFrameLocks noChangeAspect="1"/>
-          </p:cNvGraphicFramePr>
-          <p:nvPr>
-            <p:extLst>
-              <p:ext uri="{D42A27DB-BD31-4B8C-83A1-F6EECF244321}">
-                <p14:modId xmlns:p14="http://schemas.microsoft.com/office/powerpoint/2010/main" val="1554586117"/>
-              </p:ext>
-            </p:extLst>
-          </p:nvPr>
-        </p:nvGraphicFramePr>
-        <p:xfrm>
-          <a:off x="619397" y="3848869"/>
-          <a:ext cx="11020425" cy="1381125"/>
-        </p:xfrm>
-        <a:graphic>
-          <a:graphicData uri="http://schemas.openxmlformats.org/presentationml/2006/ole">
-            <mc:AlternateContent xmlns:mc="http://schemas.openxmlformats.org/markup-compatibility/2006">
-              <mc:Choice xmlns:v="urn:schemas-microsoft-com:vml" Requires="v">
-                <p:oleObj spid="_x0000_s18560" name="文档" r:id="rId9" imgW="11022415" imgH="1387987" progId="Word.Document.12">
-                  <p:embed/>
-                </p:oleObj>
-              </mc:Choice>
-              <mc:Fallback>
-                <p:oleObj name="文档" r:id="rId9" imgW="11022415" imgH="1387987" progId="Word.Document.12">
-                  <p:embed/>
-                  <p:pic>
-                    <p:nvPicPr>
-                      <p:cNvPr id="0" name=""/>
-                      <p:cNvPicPr/>
-                      <p:nvPr/>
-                    </p:nvPicPr>
-                    <p:blipFill>
-                      <a:blip r:embed="rId10"/>
-                      <a:stretch>
-                        <a:fillRect/>
-                      </a:stretch>
-                    </p:blipFill>
-                    <p:spPr>
-                      <a:xfrm>
-                        <a:off x="619397" y="3848869"/>
-                        <a:ext cx="11020425" cy="1381125"/>
-                      </a:xfrm>
-                      <a:prstGeom prst="rect">
-                        <a:avLst/>
-                      </a:prstGeom>
-                    </p:spPr>
-                  </p:pic>
-                </p:oleObj>
-              </mc:Fallback>
-            </mc:AlternateContent>
-          </a:graphicData>
-        </a:graphic>
-      </p:graphicFrame>
-    </p:spTree>
-    <p:extLst>
-      <p:ext uri="{BB962C8B-B14F-4D97-AF65-F5344CB8AC3E}">
-        <p14:creationId xmlns:p14="http://schemas.microsoft.com/office/powerpoint/2010/main" val="3342079974"/>
-      </p:ext>
-    </p:extLst>
-  </p:cSld>
-  <p:clrMapOvr>
-    <a:masterClrMapping/>
-  </p:clrMapOvr>
-  <p:timing>
-    <p:tnLst>
-      <p:par>
-        <p:cTn id="1" dur="indefinite" restart="never" nodeType="tmRoot">
-          <p:childTnLst>
-            <p:seq concurrent="1" nextAc="seek">
-              <p:cTn id="2" dur="indefinite" nodeType="mainSeq">
-                <p:childTnLst>
-                  <p:par>
-                    <p:cTn id="3" fill="hold">
-                      <p:stCondLst>
-                        <p:cond delay="indefinite"/>
-                      </p:stCondLst>
-                      <p:childTnLst>
-                        <p:par>
-                          <p:cTn id="4" fill="hold">
-                            <p:stCondLst>
-                              <p:cond delay="0"/>
-                            </p:stCondLst>
-                            <p:childTnLst>
-                              <p:par>
-                                <p:cTn id="5" presetID="3" presetClass="entr" presetSubtype="10" fill="hold" nodeType="clickEffect">
-                                  <p:stCondLst>
-                                    <p:cond delay="0"/>
-                                  </p:stCondLst>
-                                  <p:childTnLst>
-                                    <p:set>
-                                      <p:cBhvr>
-                                        <p:cTn id="6" dur="1" fill="hold">
-                                          <p:stCondLst>
-                                            <p:cond delay="0"/>
-                                          </p:stCondLst>
-                                        </p:cTn>
-                                        <p:tgtEl>
-                                          <p:spTgt spid="6"/>
-                                        </p:tgtEl>
-                                        <p:attrNameLst>
-                                          <p:attrName>style.visibility</p:attrName>
-                                        </p:attrNameLst>
-                                      </p:cBhvr>
-                                      <p:to>
-                                        <p:strVal val="visible"/>
-                                      </p:to>
-                                    </p:set>
-                                    <p:animEffect transition="in" filter="blinds(horizontal)">
-                                      <p:cBhvr>
-                                        <p:cTn id="7" dur="500"/>
-                                        <p:tgtEl>
-                                          <p:spTgt spid="6"/>
-                                        </p:tgtEl>
-                                      </p:cBhvr>
-                                    </p:animEffect>
-                                  </p:childTnLst>
-                                </p:cTn>
-                              </p:par>
-                            </p:childTnLst>
-                          </p:cTn>
-                        </p:par>
-                      </p:childTnLst>
-                    </p:cTn>
-                  </p:par>
-                  <p:par>
-                    <p:cTn id="8" fill="hold">
-                      <p:stCondLst>
-                        <p:cond delay="indefinite"/>
-                      </p:stCondLst>
-                      <p:childTnLst>
-                        <p:par>
-                          <p:cTn id="9" fill="hold">
-                            <p:stCondLst>
-                              <p:cond delay="0"/>
-                            </p:stCondLst>
-                            <p:childTnLst>
-                              <p:par>
-                                <p:cTn id="10" presetID="3" presetClass="entr" presetSubtype="10" fill="hold" nodeType="clickEffect">
-                                  <p:stCondLst>
-                                    <p:cond delay="0"/>
-                                  </p:stCondLst>
-                                  <p:childTnLst>
-                                    <p:set>
-                                      <p:cBhvr>
-                                        <p:cTn id="11" dur="1" fill="hold">
-                                          <p:stCondLst>
-                                            <p:cond delay="0"/>
-                                          </p:stCondLst>
-                                        </p:cTn>
-                                        <p:tgtEl>
-                                          <p:spTgt spid="8"/>
-                                        </p:tgtEl>
-                                        <p:attrNameLst>
-                                          <p:attrName>style.visibility</p:attrName>
-                                        </p:attrNameLst>
-                                      </p:cBhvr>
-                                      <p:to>
-                                        <p:strVal val="visible"/>
-                                      </p:to>
-                                    </p:set>
-                                    <p:animEffect transition="in" filter="blinds(horizontal)">
-                                      <p:cBhvr>
-                                        <p:cTn id="12" dur="500"/>
-                                        <p:tgtEl>
-                                          <p:spTgt spid="8"/>
-                                        </p:tgtEl>
-                                      </p:cBhvr>
-                                    </p:animEffect>
-                                  </p:childTnLst>
-                                </p:cTn>
-                              </p:par>
-                            </p:childTnLst>
-                          </p:cTn>
-                        </p:par>
-                      </p:childTnLst>
-                    </p:cTn>
-                  </p:par>
-                  <p:par>
-                    <p:cTn id="13" fill="hold">
-                      <p:stCondLst>
-                        <p:cond delay="indefinite"/>
-                      </p:stCondLst>
-                      <p:childTnLst>
-                        <p:par>
-                          <p:cTn id="14" fill="hold">
-                            <p:stCondLst>
-                              <p:cond delay="0"/>
-                            </p:stCondLst>
-                            <p:childTnLst>
-                              <p:par>
-                                <p:cTn id="15" presetID="3" presetClass="entr" presetSubtype="10" fill="hold" nodeType="clickEffect">
-                                  <p:stCondLst>
-                                    <p:cond delay="0"/>
-                                  </p:stCondLst>
-                                  <p:childTnLst>
-                                    <p:set>
-                                      <p:cBhvr>
-                                        <p:cTn id="16" dur="1" fill="hold">
-                                          <p:stCondLst>
-                                            <p:cond delay="0"/>
-                                          </p:stCondLst>
-                                        </p:cTn>
-                                        <p:tgtEl>
-                                          <p:spTgt spid="11"/>
-                                        </p:tgtEl>
-                                        <p:attrNameLst>
-                                          <p:attrName>style.visibility</p:attrName>
-                                        </p:attrNameLst>
-                                      </p:cBhvr>
-                                      <p:to>
-                                        <p:strVal val="visible"/>
-                                      </p:to>
-                                    </p:set>
-                                    <p:animEffect transition="in" filter="blinds(horizontal)">
-                                      <p:cBhvr>
-                                        <p:cTn id="17" dur="500"/>
-                                        <p:tgtEl>
-                                          <p:spTgt spid="11"/>
-                                        </p:tgtEl>
-                                      </p:cBhvr>
-                                    </p:animEffect>
-                                  </p:childTnLst>
-                                </p:cTn>
-                              </p:par>
-                            </p:childTnLst>
-                          </p:cTn>
-                        </p:par>
-                      </p:childTnLst>
-                    </p:cTn>
-                  </p:par>
-                  <p:par>
-                    <p:cTn id="18" fill="hold">
-                      <p:stCondLst>
-                        <p:cond delay="indefinite"/>
-                      </p:stCondLst>
-                      <p:childTnLst>
-                        <p:par>
-                          <p:cTn id="19" fill="hold">
-                            <p:stCondLst>
-                              <p:cond delay="0"/>
-                            </p:stCondLst>
-                            <p:childTnLst>
-                              <p:par>
-                                <p:cTn id="20" presetID="10" presetClass="exit" presetSubtype="0" fill="hold" nodeType="clickEffect">
-                                  <p:stCondLst>
-                                    <p:cond delay="0"/>
-                                  </p:stCondLst>
-                                  <p:childTnLst>
-                                    <p:animEffect transition="out" filter="fade">
-                                      <p:cBhvr>
-                                        <p:cTn id="21" dur="500"/>
-                                        <p:tgtEl>
-                                          <p:spTgt spid="6"/>
-                                        </p:tgtEl>
-                                      </p:cBhvr>
-                                    </p:animEffect>
-                                    <p:set>
-                                      <p:cBhvr>
-                                        <p:cTn id="22" dur="1" fill="hold">
-                                          <p:stCondLst>
-                                            <p:cond delay="499"/>
-                                          </p:stCondLst>
-                                        </p:cTn>
-                                        <p:tgtEl>
-                                          <p:spTgt spid="6"/>
-                                        </p:tgtEl>
-                                        <p:attrNameLst>
-                                          <p:attrName>style.visibility</p:attrName>
-                                        </p:attrNameLst>
-                                      </p:cBhvr>
-                                      <p:to>
-                                        <p:strVal val="hidden"/>
-                                      </p:to>
-                                    </p:set>
-                                  </p:childTnLst>
-                                </p:cTn>
-                              </p:par>
-                              <p:par>
-                                <p:cTn id="23" presetID="10" presetClass="exit" presetSubtype="0" fill="hold" nodeType="withEffect">
-                                  <p:stCondLst>
-                                    <p:cond delay="0"/>
-                                  </p:stCondLst>
-                                  <p:childTnLst>
-                                    <p:animEffect transition="out" filter="fade">
-                                      <p:cBhvr>
-                                        <p:cTn id="24" dur="500"/>
-                                        <p:tgtEl>
-                                          <p:spTgt spid="8"/>
-                                        </p:tgtEl>
-                                      </p:cBhvr>
-                                    </p:animEffect>
-                                    <p:set>
-                                      <p:cBhvr>
-                                        <p:cTn id="25" dur="1" fill="hold">
-                                          <p:stCondLst>
-                                            <p:cond delay="499"/>
-                                          </p:stCondLst>
-                                        </p:cTn>
-                                        <p:tgtEl>
-                                          <p:spTgt spid="8"/>
-                                        </p:tgtEl>
-                                        <p:attrNameLst>
-                                          <p:attrName>style.visibility</p:attrName>
-                                        </p:attrNameLst>
-                                      </p:cBhvr>
-                                      <p:to>
-                                        <p:strVal val="hidden"/>
-                                      </p:to>
-                                    </p:set>
-                                  </p:childTnLst>
-                                </p:cTn>
-                              </p:par>
-                              <p:par>
-                                <p:cTn id="26" presetID="10" presetClass="exit" presetSubtype="0" fill="hold" nodeType="withEffect">
-                                  <p:stCondLst>
-                                    <p:cond delay="0"/>
-                                  </p:stCondLst>
-                                  <p:childTnLst>
-                                    <p:animEffect transition="out" filter="fade">
-                                      <p:cBhvr>
-                                        <p:cTn id="27" dur="500"/>
-                                        <p:tgtEl>
-                                          <p:spTgt spid="11"/>
-                                        </p:tgtEl>
-                                      </p:cBhvr>
-                                    </p:animEffect>
-                                    <p:set>
-                                      <p:cBhvr>
-                                        <p:cTn id="28" dur="1" fill="hold">
-                                          <p:stCondLst>
-                                            <p:cond delay="499"/>
-                                          </p:stCondLst>
-                                        </p:cTn>
-                                        <p:tgtEl>
-                                          <p:spTgt spid="11"/>
-                                        </p:tgtEl>
-                                        <p:attrNameLst>
-                                          <p:attrName>style.visibility</p:attrName>
-                                        </p:attrNameLst>
-                                      </p:cBhvr>
-                                      <p:to>
-                                        <p:strVal val="hidden"/>
-                                      </p:to>
-                                    </p:set>
-                                  </p:childTnLst>
-                                </p:cTn>
-                              </p:par>
-                            </p:childTnLst>
-                          </p:cTn>
-                        </p:par>
-                      </p:childTnLst>
-                    </p:cTn>
-                  </p:par>
-                </p:childTnLst>
-              </p:cTn>
-              <p:prevCondLst>
-                <p:cond evt="onPrev" delay="0">
-                  <p:tgtEl>
-                    <p:sldTgt/>
-                  </p:tgtEl>
-                </p:cond>
-              </p:prevCondLst>
-              <p:nextCondLst>
-                <p:cond evt="onNext" delay="0">
-                  <p:tgtEl>
-                    <p:sldTgt/>
-                  </p:tgtEl>
-                </p:cond>
-              </p:nextCondLst>
-            </p:seq>
-          </p:childTnLst>
-        </p:cTn>
-      </p:par>
-    </p:tnLst>
-  </p:timing>
-</p:sld>
-</file>
-
-<file path=ppt/slides/slide9.xml><?xml version="1.0" encoding="utf-8"?>
-<p:sld xmlns:a="http://schemas.openxmlformats.org/drawingml/2006/main" xmlns:r="http://schemas.openxmlformats.org/officeDocument/2006/relationships" xmlns:p="http://schemas.openxmlformats.org/presentationml/2006/main">
-  <p:cSld>
-    <p:spTree>
-      <p:nvGrpSpPr>
-        <p:cNvPr id="1" name=""/>
-        <p:cNvGrpSpPr/>
-        <p:nvPr/>
-      </p:nvGrpSpPr>
-      <p:grpSpPr>
-        <a:xfrm>
-          <a:off x="0" y="0"/>
-          <a:ext cx="0" cy="0"/>
-          <a:chOff x="0" y="0"/>
-          <a:chExt cx="0" cy="0"/>
-        </a:xfrm>
-      </p:grpSpPr>
-      <p:graphicFrame>
-        <p:nvGraphicFramePr>
           <p:cNvPr id="2" name="Object 2"/>
           <p:cNvGraphicFramePr>
             <a:graphicFrameLocks noChangeAspect="1"/>
@@ -16839,7 +14384,7 @@
           <a:graphicData uri="http://schemas.openxmlformats.org/presentationml/2006/ole">
             <mc:AlternateContent xmlns:mc="http://schemas.openxmlformats.org/markup-compatibility/2006">
               <mc:Choice xmlns:v="urn:schemas-microsoft-com:vml" Requires="v">
-                <p:oleObj spid="_x0000_s52234" name="Document" r:id="rId3" imgW="7959886" imgH="4400525" progId="Word.Document.8">
+                <p:oleObj spid="_x0000_s52236" name="Document" r:id="rId3" imgW="7959886" imgH="4400525" progId="Word.Document.8">
                   <p:embed/>
                 </p:oleObj>
               </mc:Choice>
@@ -16896,6 +14441,269 @@
     <p:tnLst>
       <p:par>
         <p:cTn id="1" dur="indefinite" restart="never" nodeType="tmRoot"/>
+      </p:par>
+    </p:tnLst>
+  </p:timing>
+</p:sld>
+</file>
+
+<file path=ppt/slides/slide9.xml><?xml version="1.0" encoding="utf-8"?>
+<p:sld xmlns:a="http://schemas.openxmlformats.org/drawingml/2006/main" xmlns:r="http://schemas.openxmlformats.org/officeDocument/2006/relationships" xmlns:p="http://schemas.openxmlformats.org/presentationml/2006/main">
+  <p:cSld>
+    <p:spTree>
+      <p:nvGrpSpPr>
+        <p:cNvPr id="1" name=""/>
+        <p:cNvGrpSpPr/>
+        <p:nvPr/>
+      </p:nvGrpSpPr>
+      <p:grpSpPr>
+        <a:xfrm>
+          <a:off x="0" y="0"/>
+          <a:ext cx="0" cy="0"/>
+          <a:chOff x="0" y="0"/>
+          <a:chExt cx="0" cy="0"/>
+        </a:xfrm>
+      </p:grpSpPr>
+      <p:graphicFrame>
+        <p:nvGraphicFramePr>
+          <p:cNvPr id="2" name="Object 2"/>
+          <p:cNvGraphicFramePr>
+            <a:graphicFrameLocks noChangeAspect="1"/>
+          </p:cNvGraphicFramePr>
+          <p:nvPr>
+            <p:extLst>
+              <p:ext uri="{D42A27DB-BD31-4B8C-83A1-F6EECF244321}">
+                <p14:modId xmlns:p14="http://schemas.microsoft.com/office/powerpoint/2010/main" val="3589625455"/>
+              </p:ext>
+            </p:extLst>
+          </p:nvPr>
+        </p:nvGraphicFramePr>
+        <p:xfrm>
+          <a:off x="550864" y="406401"/>
+          <a:ext cx="10152284" cy="2663353"/>
+        </p:xfrm>
+        <a:graphic>
+          <a:graphicData uri="http://schemas.openxmlformats.org/presentationml/2006/ole">
+            <mc:AlternateContent xmlns:mc="http://schemas.openxmlformats.org/markup-compatibility/2006">
+              <mc:Choice xmlns:v="urn:schemas-microsoft-com:vml" Requires="v">
+                <p:oleObj spid="_x0000_s54294" name="Document" r:id="rId3" imgW="8574828" imgH="2260797" progId="Word.Document.8">
+                  <p:embed/>
+                </p:oleObj>
+              </mc:Choice>
+              <mc:Fallback>
+                <p:oleObj name="Document" r:id="rId3" imgW="8574828" imgH="2260797" progId="Word.Document.8">
+                  <p:embed/>
+                  <p:pic>
+                    <p:nvPicPr>
+                      <p:cNvPr id="7" name="Object 2"/>
+                      <p:cNvPicPr>
+                        <a:picLocks noChangeAspect="1" noChangeArrowheads="1"/>
+                      </p:cNvPicPr>
+                      <p:nvPr/>
+                    </p:nvPicPr>
+                    <p:blipFill>
+                      <a:blip r:embed="rId4"/>
+                      <a:srcRect/>
+                      <a:stretch>
+                        <a:fillRect/>
+                      </a:stretch>
+                    </p:blipFill>
+                    <p:spPr bwMode="auto">
+                      <a:xfrm>
+                        <a:off x="550864" y="406401"/>
+                        <a:ext cx="10152284" cy="2663353"/>
+                      </a:xfrm>
+                      <a:prstGeom prst="rect">
+                        <a:avLst/>
+                      </a:prstGeom>
+                      <a:noFill/>
+                      <a:ln>
+                        <a:noFill/>
+                      </a:ln>
+                      <a:effectLst/>
+                    </p:spPr>
+                  </p:pic>
+                </p:oleObj>
+              </mc:Fallback>
+            </mc:AlternateContent>
+          </a:graphicData>
+        </a:graphic>
+      </p:graphicFrame>
+      <p:graphicFrame>
+        <p:nvGraphicFramePr>
+          <p:cNvPr id="3" name="Object 2"/>
+          <p:cNvGraphicFramePr>
+            <a:graphicFrameLocks noChangeAspect="1"/>
+          </p:cNvGraphicFramePr>
+          <p:nvPr>
+            <p:extLst>
+              <p:ext uri="{D42A27DB-BD31-4B8C-83A1-F6EECF244321}">
+                <p14:modId xmlns:p14="http://schemas.microsoft.com/office/powerpoint/2010/main" val="3791988453"/>
+              </p:ext>
+            </p:extLst>
+          </p:nvPr>
+        </p:nvGraphicFramePr>
+        <p:xfrm>
+          <a:off x="766614" y="2781722"/>
+          <a:ext cx="10609262" cy="2582862"/>
+        </p:xfrm>
+        <a:graphic>
+          <a:graphicData uri="http://schemas.openxmlformats.org/presentationml/2006/ole">
+            <mc:AlternateContent xmlns:mc="http://schemas.openxmlformats.org/markup-compatibility/2006">
+              <mc:Choice xmlns:v="urn:schemas-microsoft-com:vml" Requires="v">
+                <p:oleObj spid="_x0000_s54295" name="Document" r:id="rId5" imgW="8294698" imgH="2029627" progId="Word.Document.8">
+                  <p:embed/>
+                </p:oleObj>
+              </mc:Choice>
+              <mc:Fallback>
+                <p:oleObj name="Document" r:id="rId5" imgW="8294698" imgH="2029627" progId="Word.Document.8">
+                  <p:embed/>
+                  <p:pic>
+                    <p:nvPicPr>
+                      <p:cNvPr id="2" name="Object 2"/>
+                      <p:cNvPicPr>
+                        <a:picLocks noChangeAspect="1" noChangeArrowheads="1"/>
+                      </p:cNvPicPr>
+                      <p:nvPr/>
+                    </p:nvPicPr>
+                    <p:blipFill>
+                      <a:blip r:embed="rId6"/>
+                      <a:srcRect/>
+                      <a:stretch>
+                        <a:fillRect/>
+                      </a:stretch>
+                    </p:blipFill>
+                    <p:spPr bwMode="auto">
+                      <a:xfrm>
+                        <a:off x="766614" y="2781722"/>
+                        <a:ext cx="10609262" cy="2582862"/>
+                      </a:xfrm>
+                      <a:prstGeom prst="rect">
+                        <a:avLst/>
+                      </a:prstGeom>
+                      <a:noFill/>
+                      <a:ln>
+                        <a:noFill/>
+                      </a:ln>
+                      <a:effectLst/>
+                      <a:extLst>
+                        <a:ext uri="{909E8E84-426E-40DD-AFC4-6F175D3DCCD1}">
+                          <a14:hiddenFill xmlns:a14="http://schemas.microsoft.com/office/drawing/2010/main">
+                            <a:solidFill>
+                              <a:srgbClr val="FFFFFF"/>
+                            </a:solidFill>
+                          </a14:hiddenFill>
+                        </a:ext>
+                        <a:ext uri="{91240B29-F687-4F45-9708-019B960494DF}">
+                          <a14:hiddenLine xmlns:a14="http://schemas.microsoft.com/office/drawing/2010/main" w="9525">
+                            <a:solidFill>
+                              <a:srgbClr val="000000"/>
+                            </a:solidFill>
+                            <a:miter lim="800000"/>
+                            <a:headEnd/>
+                            <a:tailEnd/>
+                          </a14:hiddenLine>
+                        </a:ext>
+                        <a:ext uri="{AF507438-7753-43E0-B8FC-AC1667EBCBE1}">
+                          <a14:hiddenEffects xmlns:a14="http://schemas.microsoft.com/office/drawing/2010/main">
+                            <a:effectLst>
+                              <a:outerShdw dist="35921" dir="2700000" algn="ctr" rotWithShape="0">
+                                <a:srgbClr val="808080"/>
+                              </a:outerShdw>
+                            </a:effectLst>
+                          </a14:hiddenEffects>
+                        </a:ext>
+                      </a:extLst>
+                    </p:spPr>
+                  </p:pic>
+                </p:oleObj>
+              </mc:Fallback>
+            </mc:AlternateContent>
+          </a:graphicData>
+        </a:graphic>
+      </p:graphicFrame>
+    </p:spTree>
+    <p:extLst>
+      <p:ext uri="{BB962C8B-B14F-4D97-AF65-F5344CB8AC3E}">
+        <p14:creationId xmlns:p14="http://schemas.microsoft.com/office/powerpoint/2010/main" val="3059259555"/>
+      </p:ext>
+    </p:extLst>
+  </p:cSld>
+  <p:clrMapOvr>
+    <a:masterClrMapping/>
+  </p:clrMapOvr>
+  <p:timing>
+    <p:tnLst>
+      <p:par>
+        <p:cTn id="1" dur="indefinite" restart="never" nodeType="tmRoot">
+          <p:childTnLst>
+            <p:seq concurrent="1" nextAc="seek">
+              <p:cTn id="2" dur="indefinite" nodeType="mainSeq">
+                <p:childTnLst>
+                  <p:par>
+                    <p:cTn id="3" fill="hold">
+                      <p:stCondLst>
+                        <p:cond delay="indefinite"/>
+                      </p:stCondLst>
+                      <p:childTnLst>
+                        <p:par>
+                          <p:cTn id="4" fill="hold">
+                            <p:stCondLst>
+                              <p:cond delay="0"/>
+                            </p:stCondLst>
+                            <p:childTnLst>
+                              <p:par>
+                                <p:cTn id="5" presetID="1" presetClass="entr" presetSubtype="0" fill="hold" nodeType="clickEffect">
+                                  <p:stCondLst>
+                                    <p:cond delay="0"/>
+                                  </p:stCondLst>
+                                  <p:childTnLst>
+                                    <p:set>
+                                      <p:cBhvr>
+                                        <p:cTn id="6" dur="1" fill="hold">
+                                          <p:stCondLst>
+                                            <p:cond delay="0"/>
+                                          </p:stCondLst>
+                                        </p:cTn>
+                                        <p:tgtEl>
+                                          <p:spTgt spid="3"/>
+                                        </p:tgtEl>
+                                        <p:attrNameLst>
+                                          <p:attrName>style.visibility</p:attrName>
+                                        </p:attrNameLst>
+                                      </p:cBhvr>
+                                      <p:to>
+                                        <p:strVal val="visible"/>
+                                      </p:to>
+                                    </p:set>
+                                  </p:childTnLst>
+                                </p:cTn>
+                              </p:par>
+                            </p:childTnLst>
+                          </p:cTn>
+                        </p:par>
+                      </p:childTnLst>
+                    </p:cTn>
+                  </p:par>
+                </p:childTnLst>
+              </p:cTn>
+              <p:prevCondLst>
+                <p:cond evt="onPrev" delay="0">
+                  <p:tgtEl>
+                    <p:sldTgt/>
+                  </p:tgtEl>
+                </p:cond>
+              </p:prevCondLst>
+              <p:nextCondLst>
+                <p:cond evt="onNext" delay="0">
+                  <p:tgtEl>
+                    <p:sldTgt/>
+                  </p:tgtEl>
+                </p:cond>
+              </p:nextCondLst>
+            </p:seq>
+          </p:childTnLst>
+        </p:cTn>
       </p:par>
     </p:tnLst>
   </p:timing>
